--- a/CSCI-111/week-6/week-6-lecture.pptx
+++ b/CSCI-111/week-6/week-6-lecture.pptx
@@ -31,6 +31,8 @@
     <p:sldId id="276" r:id="rId26"/>
     <p:sldId id="277" r:id="rId27"/>
     <p:sldId id="278" r:id="rId28"/>
+    <p:sldId id="279" r:id="rId29"/>
+    <p:sldId id="280" r:id="rId30"/>
   </p:sldIdLst>
   <p:sldSz cy="5143500" cx="9144000"/>
   <p:notesSz cx="6858000" cy="9144000"/>
@@ -1123,7 +1125,7 @@
       </p:grpSpPr>
       <p:sp>
         <p:nvSpPr>
-          <p:cNvPr id="141" name="Google Shape;141;g2d30e8c92a0_0_27:notes"/>
+          <p:cNvPr id="141" name="Google Shape;141;g301f58a5d8c_0_0:notes"/>
           <p:cNvSpPr/>
           <p:nvPr>
             <p:ph idx="2" type="sldImg"/>
@@ -1158,7 +1160,7 @@
       </p:sp>
       <p:sp>
         <p:nvSpPr>
-          <p:cNvPr id="142" name="Google Shape;142;g2d30e8c92a0_0_27:notes"/>
+          <p:cNvPr id="142" name="Google Shape;142;g301f58a5d8c_0_0:notes"/>
           <p:cNvSpPr txBox="1"/>
           <p:nvPr>
             <p:ph idx="1" type="body"/>
@@ -1222,7 +1224,7 @@
       </p:grpSpPr>
       <p:sp>
         <p:nvSpPr>
-          <p:cNvPr id="148" name="Google Shape;148;g2d30ec3669b_0_4:notes"/>
+          <p:cNvPr id="148" name="Google Shape;148;g301f58a5d8c_0_7:notes"/>
           <p:cNvSpPr/>
           <p:nvPr>
             <p:ph idx="2" type="sldImg"/>
@@ -1257,7 +1259,7 @@
       </p:sp>
       <p:sp>
         <p:nvSpPr>
-          <p:cNvPr id="149" name="Google Shape;149;g2d30ec3669b_0_4:notes"/>
+          <p:cNvPr id="149" name="Google Shape;149;g301f58a5d8c_0_7:notes"/>
           <p:cNvSpPr txBox="1"/>
           <p:nvPr>
             <p:ph idx="1" type="body"/>
@@ -1321,7 +1323,7 @@
       </p:grpSpPr>
       <p:sp>
         <p:nvSpPr>
-          <p:cNvPr id="155" name="Google Shape;155;g2d30ec3669b_0_10:notes"/>
+          <p:cNvPr id="155" name="Google Shape;155;g2d30e8c92a0_0_27:notes"/>
           <p:cNvSpPr/>
           <p:nvPr>
             <p:ph idx="2" type="sldImg"/>
@@ -1356,7 +1358,7 @@
       </p:sp>
       <p:sp>
         <p:nvSpPr>
-          <p:cNvPr id="156" name="Google Shape;156;g2d30ec3669b_0_10:notes"/>
+          <p:cNvPr id="156" name="Google Shape;156;g2d30e8c92a0_0_27:notes"/>
           <p:cNvSpPr txBox="1"/>
           <p:nvPr>
             <p:ph idx="1" type="body"/>
@@ -1420,7 +1422,7 @@
       </p:grpSpPr>
       <p:sp>
         <p:nvSpPr>
-          <p:cNvPr id="162" name="Google Shape;162;g2d30ec3669b_0_23:notes"/>
+          <p:cNvPr id="162" name="Google Shape;162;g2d30ec3669b_0_4:notes"/>
           <p:cNvSpPr/>
           <p:nvPr>
             <p:ph idx="2" type="sldImg"/>
@@ -1455,7 +1457,7 @@
       </p:sp>
       <p:sp>
         <p:nvSpPr>
-          <p:cNvPr id="163" name="Google Shape;163;g2d30ec3669b_0_23:notes"/>
+          <p:cNvPr id="163" name="Google Shape;163;g2d30ec3669b_0_4:notes"/>
           <p:cNvSpPr txBox="1"/>
           <p:nvPr>
             <p:ph idx="1" type="body"/>
@@ -1519,7 +1521,7 @@
       </p:grpSpPr>
       <p:sp>
         <p:nvSpPr>
-          <p:cNvPr id="169" name="Google Shape;169;g2d30ec3669b_0_31:notes"/>
+          <p:cNvPr id="169" name="Google Shape;169;g2d30ec3669b_0_10:notes"/>
           <p:cNvSpPr/>
           <p:nvPr>
             <p:ph idx="2" type="sldImg"/>
@@ -1554,7 +1556,7 @@
       </p:sp>
       <p:sp>
         <p:nvSpPr>
-          <p:cNvPr id="170" name="Google Shape;170;g2d30ec3669b_0_31:notes"/>
+          <p:cNvPr id="170" name="Google Shape;170;g2d30ec3669b_0_10:notes"/>
           <p:cNvSpPr txBox="1"/>
           <p:nvPr>
             <p:ph idx="1" type="body"/>
@@ -1618,7 +1620,7 @@
       </p:grpSpPr>
       <p:sp>
         <p:nvSpPr>
-          <p:cNvPr id="176" name="Google Shape;176;g2d30ec3669b_0_16:notes"/>
+          <p:cNvPr id="176" name="Google Shape;176;g2d30ec3669b_0_23:notes"/>
           <p:cNvSpPr/>
           <p:nvPr>
             <p:ph idx="2" type="sldImg"/>
@@ -1653,7 +1655,7 @@
       </p:sp>
       <p:sp>
         <p:nvSpPr>
-          <p:cNvPr id="177" name="Google Shape;177;g2d30ec3669b_0_16:notes"/>
+          <p:cNvPr id="177" name="Google Shape;177;g2d30ec3669b_0_23:notes"/>
           <p:cNvSpPr txBox="1"/>
           <p:nvPr>
             <p:ph idx="1" type="body"/>
@@ -1703,7 +1705,7 @@
   <p:cSld>
     <p:spTree>
       <p:nvGrpSpPr>
-        <p:cNvPr id="183" name="Shape 183"/>
+        <p:cNvPr id="182" name="Shape 182"/>
         <p:cNvGrpSpPr/>
         <p:nvPr/>
       </p:nvGrpSpPr>
@@ -1717,7 +1719,7 @@
       </p:grpSpPr>
       <p:sp>
         <p:nvSpPr>
-          <p:cNvPr id="184" name="Google Shape;184;g2d30ec3669b_0_39:notes"/>
+          <p:cNvPr id="183" name="Google Shape;183;g2d30ec3669b_0_31:notes"/>
           <p:cNvSpPr/>
           <p:nvPr>
             <p:ph idx="2" type="sldImg"/>
@@ -1752,7 +1754,7 @@
       </p:sp>
       <p:sp>
         <p:nvSpPr>
-          <p:cNvPr id="185" name="Google Shape;185;g2d30ec3669b_0_39:notes"/>
+          <p:cNvPr id="184" name="Google Shape;184;g2d30ec3669b_0_31:notes"/>
           <p:cNvSpPr txBox="1"/>
           <p:nvPr>
             <p:ph idx="1" type="body"/>
@@ -1901,7 +1903,7 @@
   <p:cSld>
     <p:spTree>
       <p:nvGrpSpPr>
-        <p:cNvPr id="191" name="Shape 191"/>
+        <p:cNvPr id="189" name="Shape 189"/>
         <p:cNvGrpSpPr/>
         <p:nvPr/>
       </p:nvGrpSpPr>
@@ -1915,7 +1917,7 @@
       </p:grpSpPr>
       <p:sp>
         <p:nvSpPr>
-          <p:cNvPr id="192" name="Google Shape;192;g2d30ec3669b_0_54:notes"/>
+          <p:cNvPr id="190" name="Google Shape;190;g2d30ec3669b_0_16:notes"/>
           <p:cNvSpPr/>
           <p:nvPr>
             <p:ph idx="2" type="sldImg"/>
@@ -1950,7 +1952,7 @@
       </p:sp>
       <p:sp>
         <p:nvSpPr>
-          <p:cNvPr id="193" name="Google Shape;193;g2d30ec3669b_0_54:notes"/>
+          <p:cNvPr id="191" name="Google Shape;191;g2d30ec3669b_0_16:notes"/>
           <p:cNvSpPr txBox="1"/>
           <p:nvPr>
             <p:ph idx="1" type="body"/>
@@ -2000,7 +2002,7 @@
   <p:cSld>
     <p:spTree>
       <p:nvGrpSpPr>
-        <p:cNvPr id="199" name="Shape 199"/>
+        <p:cNvPr id="197" name="Shape 197"/>
         <p:cNvGrpSpPr/>
         <p:nvPr/>
       </p:nvGrpSpPr>
@@ -2014,7 +2016,7 @@
       </p:grpSpPr>
       <p:sp>
         <p:nvSpPr>
-          <p:cNvPr id="200" name="Google Shape;200;g2d30ec3669b_0_47:notes"/>
+          <p:cNvPr id="198" name="Google Shape;198;g2d30ec3669b_0_39:notes"/>
           <p:cNvSpPr/>
           <p:nvPr>
             <p:ph idx="2" type="sldImg"/>
@@ -2049,7 +2051,7 @@
       </p:sp>
       <p:sp>
         <p:nvSpPr>
-          <p:cNvPr id="201" name="Google Shape;201;g2d30ec3669b_0_47:notes"/>
+          <p:cNvPr id="199" name="Google Shape;199;g2d30ec3669b_0_39:notes"/>
           <p:cNvSpPr txBox="1"/>
           <p:nvPr>
             <p:ph idx="1" type="body"/>
@@ -2099,7 +2101,7 @@
   <p:cSld>
     <p:spTree>
       <p:nvGrpSpPr>
-        <p:cNvPr id="207" name="Shape 207"/>
+        <p:cNvPr id="205" name="Shape 205"/>
         <p:cNvGrpSpPr/>
         <p:nvPr/>
       </p:nvGrpSpPr>
@@ -2113,7 +2115,7 @@
       </p:grpSpPr>
       <p:sp>
         <p:nvSpPr>
-          <p:cNvPr id="208" name="Google Shape;208;g2d30ec3669b_0_70:notes"/>
+          <p:cNvPr id="206" name="Google Shape;206;g2d30ec3669b_0_54:notes"/>
           <p:cNvSpPr/>
           <p:nvPr>
             <p:ph idx="2" type="sldImg"/>
@@ -2148,7 +2150,7 @@
       </p:sp>
       <p:sp>
         <p:nvSpPr>
-          <p:cNvPr id="209" name="Google Shape;209;g2d30ec3669b_0_70:notes"/>
+          <p:cNvPr id="207" name="Google Shape;207;g2d30ec3669b_0_54:notes"/>
           <p:cNvSpPr txBox="1"/>
           <p:nvPr>
             <p:ph idx="1" type="body"/>
@@ -2212,7 +2214,7 @@
       </p:grpSpPr>
       <p:sp>
         <p:nvSpPr>
-          <p:cNvPr id="214" name="Google Shape;214;g2d30ec3669b_1_5:notes"/>
+          <p:cNvPr id="214" name="Google Shape;214;g2d30ec3669b_0_47:notes"/>
           <p:cNvSpPr/>
           <p:nvPr>
             <p:ph idx="2" type="sldImg"/>
@@ -2247,7 +2249,205 @@
       </p:sp>
       <p:sp>
         <p:nvSpPr>
-          <p:cNvPr id="215" name="Google Shape;215;g2d30ec3669b_1_5:notes"/>
+          <p:cNvPr id="215" name="Google Shape;215;g2d30ec3669b_0_47:notes"/>
+          <p:cNvSpPr txBox="1"/>
+          <p:nvPr>
+            <p:ph idx="1" type="body"/>
+          </p:nvPr>
+        </p:nvSpPr>
+        <p:spPr>
+          <a:xfrm>
+            <a:off x="685800" y="4343400"/>
+            <a:ext cx="5486400" cy="4114800"/>
+          </a:xfrm>
+          <a:prstGeom prst="rect">
+            <a:avLst/>
+          </a:prstGeom>
+        </p:spPr>
+        <p:txBody>
+          <a:bodyPr anchorCtr="0" anchor="t" bIns="91425" lIns="91425" spcFirstLastPara="1" rIns="91425" wrap="square" tIns="91425">
+            <a:noAutofit/>
+          </a:bodyPr>
+          <a:lstStyle/>
+          <a:p>
+            <a:pPr indent="0" lvl="0" marL="0" rtl="0" algn="l">
+              <a:spcBef>
+                <a:spcPts val="0"/>
+              </a:spcBef>
+              <a:spcAft>
+                <a:spcPts val="0"/>
+              </a:spcAft>
+              <a:buNone/>
+            </a:pPr>
+            <a:r>
+              <a:t/>
+            </a:r>
+            <a:endParaRPr/>
+          </a:p>
+        </p:txBody>
+      </p:sp>
+    </p:spTree>
+  </p:cSld>
+  <p:clrMapOvr>
+    <a:masterClrMapping/>
+  </p:clrMapOvr>
+</p:notes>
+</file>
+
+<file path=ppt/notesSlides/notesSlide24.xml><?xml version="1.0" encoding="utf-8"?>
+<p:notes xmlns:a="http://schemas.openxmlformats.org/drawingml/2006/main" xmlns:r="http://schemas.openxmlformats.org/officeDocument/2006/relationships" xmlns:mc="http://schemas.openxmlformats.org/markup-compatibility/2006" xmlns:mv="urn:schemas-microsoft-com:mac:vml" xmlns:p="http://schemas.openxmlformats.org/presentationml/2006/main" xmlns:c="http://schemas.openxmlformats.org/drawingml/2006/chart" xmlns:dgm="http://schemas.openxmlformats.org/drawingml/2006/diagram" xmlns:o="urn:schemas-microsoft-com:office:office" xmlns:v="urn:schemas-microsoft-com:vml" xmlns:pvml="urn:schemas-microsoft-com:office:powerpoint" xmlns:com="http://schemas.openxmlformats.org/drawingml/2006/compatibility" xmlns:p14="http://schemas.microsoft.com/office/powerpoint/2010/main" xmlns:p15="http://schemas.microsoft.com/office/powerpoint/2012/main" xmlns:ahyp="http://schemas.microsoft.com/office/drawing/2018/hyperlinkcolor" showMasterPhAnim="0" showMasterSp="0">
+  <p:cSld>
+    <p:spTree>
+      <p:nvGrpSpPr>
+        <p:cNvPr id="221" name="Shape 221"/>
+        <p:cNvGrpSpPr/>
+        <p:nvPr/>
+      </p:nvGrpSpPr>
+      <p:grpSpPr>
+        <a:xfrm>
+          <a:off x="0" y="0"/>
+          <a:ext cx="0" cy="0"/>
+          <a:chOff x="0" y="0"/>
+          <a:chExt cx="0" cy="0"/>
+        </a:xfrm>
+      </p:grpSpPr>
+      <p:sp>
+        <p:nvSpPr>
+          <p:cNvPr id="222" name="Google Shape;222;g2d30ec3669b_0_70:notes"/>
+          <p:cNvSpPr/>
+          <p:nvPr>
+            <p:ph idx="2" type="sldImg"/>
+          </p:nvPr>
+        </p:nvSpPr>
+        <p:spPr>
+          <a:xfrm>
+            <a:off x="381300" y="685800"/>
+            <a:ext cx="6096000" cy="3429000"/>
+          </a:xfrm>
+          <a:custGeom>
+            <a:rect b="b" l="l" r="r" t="t"/>
+            <a:pathLst>
+              <a:path extrusionOk="0" h="120000" w="120000">
+                <a:moveTo>
+                  <a:pt x="0" y="0"/>
+                </a:moveTo>
+                <a:lnTo>
+                  <a:pt x="120000" y="0"/>
+                </a:lnTo>
+                <a:lnTo>
+                  <a:pt x="120000" y="120000"/>
+                </a:lnTo>
+                <a:lnTo>
+                  <a:pt x="0" y="120000"/>
+                </a:lnTo>
+                <a:close/>
+              </a:path>
+            </a:pathLst>
+          </a:custGeom>
+        </p:spPr>
+      </p:sp>
+      <p:sp>
+        <p:nvSpPr>
+          <p:cNvPr id="223" name="Google Shape;223;g2d30ec3669b_0_70:notes"/>
+          <p:cNvSpPr txBox="1"/>
+          <p:nvPr>
+            <p:ph idx="1" type="body"/>
+          </p:nvPr>
+        </p:nvSpPr>
+        <p:spPr>
+          <a:xfrm>
+            <a:off x="685800" y="4343400"/>
+            <a:ext cx="5486400" cy="4114800"/>
+          </a:xfrm>
+          <a:prstGeom prst="rect">
+            <a:avLst/>
+          </a:prstGeom>
+        </p:spPr>
+        <p:txBody>
+          <a:bodyPr anchorCtr="0" anchor="t" bIns="91425" lIns="91425" spcFirstLastPara="1" rIns="91425" wrap="square" tIns="91425">
+            <a:noAutofit/>
+          </a:bodyPr>
+          <a:lstStyle/>
+          <a:p>
+            <a:pPr indent="0" lvl="0" marL="0" rtl="0" algn="l">
+              <a:spcBef>
+                <a:spcPts val="0"/>
+              </a:spcBef>
+              <a:spcAft>
+                <a:spcPts val="0"/>
+              </a:spcAft>
+              <a:buNone/>
+            </a:pPr>
+            <a:r>
+              <a:t/>
+            </a:r>
+            <a:endParaRPr/>
+          </a:p>
+        </p:txBody>
+      </p:sp>
+    </p:spTree>
+  </p:cSld>
+  <p:clrMapOvr>
+    <a:masterClrMapping/>
+  </p:clrMapOvr>
+</p:notes>
+</file>
+
+<file path=ppt/notesSlides/notesSlide25.xml><?xml version="1.0" encoding="utf-8"?>
+<p:notes xmlns:a="http://schemas.openxmlformats.org/drawingml/2006/main" xmlns:r="http://schemas.openxmlformats.org/officeDocument/2006/relationships" xmlns:mc="http://schemas.openxmlformats.org/markup-compatibility/2006" xmlns:mv="urn:schemas-microsoft-com:mac:vml" xmlns:p="http://schemas.openxmlformats.org/presentationml/2006/main" xmlns:c="http://schemas.openxmlformats.org/drawingml/2006/chart" xmlns:dgm="http://schemas.openxmlformats.org/drawingml/2006/diagram" xmlns:o="urn:schemas-microsoft-com:office:office" xmlns:v="urn:schemas-microsoft-com:vml" xmlns:pvml="urn:schemas-microsoft-com:office:powerpoint" xmlns:com="http://schemas.openxmlformats.org/drawingml/2006/compatibility" xmlns:p14="http://schemas.microsoft.com/office/powerpoint/2010/main" xmlns:p15="http://schemas.microsoft.com/office/powerpoint/2012/main" xmlns:ahyp="http://schemas.microsoft.com/office/drawing/2018/hyperlinkcolor" showMasterPhAnim="0" showMasterSp="0">
+  <p:cSld>
+    <p:spTree>
+      <p:nvGrpSpPr>
+        <p:cNvPr id="227" name="Shape 227"/>
+        <p:cNvGrpSpPr/>
+        <p:nvPr/>
+      </p:nvGrpSpPr>
+      <p:grpSpPr>
+        <a:xfrm>
+          <a:off x="0" y="0"/>
+          <a:ext cx="0" cy="0"/>
+          <a:chOff x="0" y="0"/>
+          <a:chExt cx="0" cy="0"/>
+        </a:xfrm>
+      </p:grpSpPr>
+      <p:sp>
+        <p:nvSpPr>
+          <p:cNvPr id="228" name="Google Shape;228;g2d30ec3669b_1_5:notes"/>
+          <p:cNvSpPr/>
+          <p:nvPr>
+            <p:ph idx="2" type="sldImg"/>
+          </p:nvPr>
+        </p:nvSpPr>
+        <p:spPr>
+          <a:xfrm>
+            <a:off x="381300" y="685800"/>
+            <a:ext cx="6096000" cy="3429000"/>
+          </a:xfrm>
+          <a:custGeom>
+            <a:rect b="b" l="l" r="r" t="t"/>
+            <a:pathLst>
+              <a:path extrusionOk="0" h="120000" w="120000">
+                <a:moveTo>
+                  <a:pt x="0" y="0"/>
+                </a:moveTo>
+                <a:lnTo>
+                  <a:pt x="120000" y="0"/>
+                </a:lnTo>
+                <a:lnTo>
+                  <a:pt x="120000" y="120000"/>
+                </a:lnTo>
+                <a:lnTo>
+                  <a:pt x="0" y="120000"/>
+                </a:lnTo>
+                <a:close/>
+              </a:path>
+            </a:pathLst>
+          </a:custGeom>
+        </p:spPr>
+      </p:sp>
+      <p:sp>
+        <p:nvSpPr>
+          <p:cNvPr id="229" name="Google Shape;229;g2d30ec3669b_1_5:notes"/>
           <p:cNvSpPr txBox="1"/>
           <p:nvPr>
             <p:ph idx="1" type="body"/>
@@ -8832,10 +9032,10 @@
                 <a:solidFill>
                   <a:srgbClr val="4F81BD"/>
                 </a:solidFill>
-                <a:latin typeface="Times New Roman"/>
-                <a:ea typeface="Times New Roman"/>
-                <a:cs typeface="Times New Roman"/>
-                <a:sym typeface="Times New Roman"/>
+                <a:latin typeface="Courier New"/>
+                <a:ea typeface="Courier New"/>
+                <a:cs typeface="Courier New"/>
+                <a:sym typeface="Courier New"/>
               </a:rPr>
               <a:t> var</a:t>
             </a:r>
@@ -8844,10 +9044,10 @@
                 <a:solidFill>
                   <a:srgbClr val="000000"/>
                 </a:solidFill>
-                <a:latin typeface="Times New Roman"/>
-                <a:ea typeface="Times New Roman"/>
-                <a:cs typeface="Times New Roman"/>
-                <a:sym typeface="Times New Roman"/>
+                <a:latin typeface="Courier New"/>
+                <a:ea typeface="Courier New"/>
+                <a:cs typeface="Courier New"/>
+                <a:sym typeface="Courier New"/>
               </a:rPr>
               <a:t> x = </a:t>
             </a:r>
@@ -8856,10 +9056,10 @@
                 <a:solidFill>
                   <a:srgbClr val="F79646"/>
                 </a:solidFill>
-                <a:latin typeface="Times New Roman"/>
-                <a:ea typeface="Times New Roman"/>
-                <a:cs typeface="Times New Roman"/>
-                <a:sym typeface="Times New Roman"/>
+                <a:latin typeface="Courier New"/>
+                <a:ea typeface="Courier New"/>
+                <a:cs typeface="Courier New"/>
+                <a:sym typeface="Courier New"/>
               </a:rPr>
               <a:t>3 + 2</a:t>
             </a:r>
@@ -8868,22 +9068,22 @@
                 <a:solidFill>
                   <a:srgbClr val="000000"/>
                 </a:solidFill>
-                <a:latin typeface="Times New Roman"/>
-                <a:ea typeface="Times New Roman"/>
-                <a:cs typeface="Times New Roman"/>
-                <a:sym typeface="Times New Roman"/>
-              </a:rPr>
-              <a:t>;		</a:t>
+                <a:latin typeface="Courier New"/>
+                <a:ea typeface="Courier New"/>
+                <a:cs typeface="Courier New"/>
+                <a:sym typeface="Courier New"/>
+              </a:rPr>
+              <a:t>;			</a:t>
             </a:r>
             <a:r>
               <a:rPr lang="en" sz="2000">
                 <a:solidFill>
                   <a:srgbClr val="76923C"/>
                 </a:solidFill>
-                <a:latin typeface="Times New Roman"/>
-                <a:ea typeface="Times New Roman"/>
-                <a:cs typeface="Times New Roman"/>
-                <a:sym typeface="Times New Roman"/>
+                <a:latin typeface="Courier New"/>
+                <a:ea typeface="Courier New"/>
+                <a:cs typeface="Courier New"/>
+                <a:sym typeface="Courier New"/>
               </a:rPr>
               <a:t>// x is 5</a:t>
             </a:r>
@@ -8891,10 +9091,10 @@
               <a:solidFill>
                 <a:srgbClr val="000000"/>
               </a:solidFill>
-              <a:latin typeface="Times New Roman"/>
-              <a:ea typeface="Times New Roman"/>
-              <a:cs typeface="Times New Roman"/>
-              <a:sym typeface="Times New Roman"/>
+              <a:latin typeface="Courier New"/>
+              <a:ea typeface="Courier New"/>
+              <a:cs typeface="Courier New"/>
+              <a:sym typeface="Courier New"/>
             </a:endParaRPr>
           </a:p>
           <a:p>
@@ -8919,10 +9119,10 @@
                 <a:solidFill>
                   <a:srgbClr val="4F81BD"/>
                 </a:solidFill>
-                <a:latin typeface="Times New Roman"/>
-                <a:ea typeface="Times New Roman"/>
-                <a:cs typeface="Times New Roman"/>
-                <a:sym typeface="Times New Roman"/>
+                <a:latin typeface="Courier New"/>
+                <a:ea typeface="Courier New"/>
+                <a:cs typeface="Courier New"/>
+                <a:sym typeface="Courier New"/>
               </a:rPr>
               <a:t> let</a:t>
             </a:r>
@@ -8931,10 +9131,10 @@
                 <a:solidFill>
                   <a:srgbClr val="000000"/>
                 </a:solidFill>
-                <a:latin typeface="Times New Roman"/>
-                <a:ea typeface="Times New Roman"/>
-                <a:cs typeface="Times New Roman"/>
-                <a:sym typeface="Times New Roman"/>
+                <a:latin typeface="Courier New"/>
+                <a:ea typeface="Courier New"/>
+                <a:cs typeface="Courier New"/>
+                <a:sym typeface="Courier New"/>
               </a:rPr>
               <a:t> y = </a:t>
             </a:r>
@@ -8943,10 +9143,10 @@
                 <a:solidFill>
                   <a:srgbClr val="F79646"/>
                 </a:solidFill>
-                <a:latin typeface="Times New Roman"/>
-                <a:ea typeface="Times New Roman"/>
-                <a:cs typeface="Times New Roman"/>
-                <a:sym typeface="Times New Roman"/>
+                <a:latin typeface="Courier New"/>
+                <a:ea typeface="Courier New"/>
+                <a:cs typeface="Courier New"/>
+                <a:sym typeface="Courier New"/>
               </a:rPr>
               <a:t>10</a:t>
             </a:r>
@@ -8955,22 +9155,22 @@
                 <a:solidFill>
                   <a:srgbClr val="000000"/>
                 </a:solidFill>
-                <a:latin typeface="Times New Roman"/>
-                <a:ea typeface="Times New Roman"/>
-                <a:cs typeface="Times New Roman"/>
-                <a:sym typeface="Times New Roman"/>
-              </a:rPr>
-              <a:t>; 			</a:t>
+                <a:latin typeface="Courier New"/>
+                <a:ea typeface="Courier New"/>
+                <a:cs typeface="Courier New"/>
+                <a:sym typeface="Courier New"/>
+              </a:rPr>
+              <a:t>; 				</a:t>
             </a:r>
             <a:r>
               <a:rPr lang="en" sz="2000">
                 <a:solidFill>
                   <a:srgbClr val="76923C"/>
                 </a:solidFill>
-                <a:latin typeface="Times New Roman"/>
-                <a:ea typeface="Times New Roman"/>
-                <a:cs typeface="Times New Roman"/>
-                <a:sym typeface="Times New Roman"/>
+                <a:latin typeface="Courier New"/>
+                <a:ea typeface="Courier New"/>
+                <a:cs typeface="Courier New"/>
+                <a:sym typeface="Courier New"/>
               </a:rPr>
               <a:t>// y is 10</a:t>
             </a:r>
@@ -8978,10 +9178,10 @@
               <a:solidFill>
                 <a:srgbClr val="000000"/>
               </a:solidFill>
-              <a:latin typeface="Times New Roman"/>
-              <a:ea typeface="Times New Roman"/>
-              <a:cs typeface="Times New Roman"/>
-              <a:sym typeface="Times New Roman"/>
+              <a:latin typeface="Courier New"/>
+              <a:ea typeface="Courier New"/>
+              <a:cs typeface="Courier New"/>
+              <a:sym typeface="Courier New"/>
             </a:endParaRPr>
           </a:p>
           <a:p>
@@ -9006,10 +9206,10 @@
                 <a:solidFill>
                   <a:srgbClr val="4F81BD"/>
                 </a:solidFill>
-                <a:latin typeface="Times New Roman"/>
-                <a:ea typeface="Times New Roman"/>
-                <a:cs typeface="Times New Roman"/>
-                <a:sym typeface="Times New Roman"/>
+                <a:latin typeface="Courier New"/>
+                <a:ea typeface="Courier New"/>
+                <a:cs typeface="Courier New"/>
+                <a:sym typeface="Courier New"/>
               </a:rPr>
               <a:t> const </a:t>
             </a:r>
@@ -9018,10 +9218,10 @@
                 <a:solidFill>
                   <a:srgbClr val="000000"/>
                 </a:solidFill>
-                <a:latin typeface="Times New Roman"/>
-                <a:ea typeface="Times New Roman"/>
-                <a:cs typeface="Times New Roman"/>
-                <a:sym typeface="Times New Roman"/>
+                <a:latin typeface="Courier New"/>
+                <a:ea typeface="Courier New"/>
+                <a:cs typeface="Courier New"/>
+                <a:sym typeface="Courier New"/>
               </a:rPr>
               <a:t>PI = </a:t>
             </a:r>
@@ -9030,10 +9230,10 @@
                 <a:solidFill>
                   <a:srgbClr val="F79646"/>
                 </a:solidFill>
-                <a:latin typeface="Times New Roman"/>
-                <a:ea typeface="Times New Roman"/>
-                <a:cs typeface="Times New Roman"/>
-                <a:sym typeface="Times New Roman"/>
+                <a:latin typeface="Courier New"/>
+                <a:ea typeface="Courier New"/>
+                <a:cs typeface="Courier New"/>
+                <a:sym typeface="Courier New"/>
               </a:rPr>
               <a:t>3.14</a:t>
             </a:r>
@@ -9042,22 +9242,22 @@
                 <a:solidFill>
                   <a:srgbClr val="000000"/>
                 </a:solidFill>
-                <a:latin typeface="Times New Roman"/>
-                <a:ea typeface="Times New Roman"/>
-                <a:cs typeface="Times New Roman"/>
-                <a:sym typeface="Times New Roman"/>
-              </a:rPr>
-              <a:t>; 	</a:t>
+                <a:latin typeface="Courier New"/>
+                <a:ea typeface="Courier New"/>
+                <a:cs typeface="Courier New"/>
+                <a:sym typeface="Courier New"/>
+              </a:rPr>
+              <a:t>; 		</a:t>
             </a:r>
             <a:r>
               <a:rPr lang="en" sz="2000">
                 <a:solidFill>
                   <a:srgbClr val="76923C"/>
                 </a:solidFill>
-                <a:latin typeface="Times New Roman"/>
-                <a:ea typeface="Times New Roman"/>
-                <a:cs typeface="Times New Roman"/>
-                <a:sym typeface="Times New Roman"/>
+                <a:latin typeface="Courier New"/>
+                <a:ea typeface="Courier New"/>
+                <a:cs typeface="Courier New"/>
+                <a:sym typeface="Courier New"/>
               </a:rPr>
               <a:t>// PI is “3.14”</a:t>
             </a:r>
@@ -9065,10 +9265,10 @@
               <a:solidFill>
                 <a:srgbClr val="000000"/>
               </a:solidFill>
-              <a:latin typeface="Times New Roman"/>
-              <a:ea typeface="Times New Roman"/>
-              <a:cs typeface="Times New Roman"/>
-              <a:sym typeface="Times New Roman"/>
+              <a:latin typeface="Courier New"/>
+              <a:ea typeface="Courier New"/>
+              <a:cs typeface="Courier New"/>
+              <a:sym typeface="Courier New"/>
             </a:endParaRPr>
           </a:p>
           <a:p>
@@ -9093,10 +9293,10 @@
                 <a:solidFill>
                   <a:srgbClr val="000000"/>
                 </a:solidFill>
-                <a:latin typeface="Times New Roman"/>
-                <a:ea typeface="Times New Roman"/>
-                <a:cs typeface="Times New Roman"/>
-                <a:sym typeface="Times New Roman"/>
+                <a:latin typeface="Courier New"/>
+                <a:ea typeface="Courier New"/>
+                <a:cs typeface="Courier New"/>
+                <a:sym typeface="Courier New"/>
               </a:rPr>
               <a:t> msg = </a:t>
             </a:r>
@@ -9105,10 +9305,10 @@
                 <a:solidFill>
                   <a:srgbClr val="F79646"/>
                 </a:solidFill>
-                <a:latin typeface="Times New Roman"/>
-                <a:ea typeface="Times New Roman"/>
-                <a:cs typeface="Times New Roman"/>
-                <a:sym typeface="Times New Roman"/>
+                <a:latin typeface="Courier New"/>
+                <a:ea typeface="Courier New"/>
+                <a:cs typeface="Courier New"/>
+                <a:sym typeface="Courier New"/>
               </a:rPr>
               <a:t>“Hello!”</a:t>
             </a:r>
@@ -9117,33 +9317,57 @@
                 <a:solidFill>
                   <a:srgbClr val="000000"/>
                 </a:solidFill>
-                <a:latin typeface="Times New Roman"/>
-                <a:ea typeface="Times New Roman"/>
-                <a:cs typeface="Times New Roman"/>
-                <a:sym typeface="Times New Roman"/>
-              </a:rPr>
-              <a:t>; 	</a:t>
+                <a:latin typeface="Courier New"/>
+                <a:ea typeface="Courier New"/>
+                <a:cs typeface="Courier New"/>
+                <a:sym typeface="Courier New"/>
+              </a:rPr>
+              <a:t>;			</a:t>
             </a:r>
             <a:r>
               <a:rPr lang="en" sz="2000">
                 <a:solidFill>
                   <a:srgbClr val="76923C"/>
                 </a:solidFill>
-                <a:latin typeface="Times New Roman"/>
-                <a:ea typeface="Times New Roman"/>
-                <a:cs typeface="Times New Roman"/>
-                <a:sym typeface="Times New Roman"/>
-              </a:rPr>
-              <a:t>// z is 15</a:t>
+                <a:latin typeface="Courier New"/>
+                <a:ea typeface="Courier New"/>
+                <a:cs typeface="Courier New"/>
+                <a:sym typeface="Courier New"/>
+              </a:rPr>
+              <a:t>// </a:t>
+            </a:r>
+            <a:r>
+              <a:rPr lang="en" sz="2000">
+                <a:solidFill>
+                  <a:schemeClr val="dk1"/>
+                </a:solidFill>
+                <a:latin typeface="Courier New"/>
+                <a:ea typeface="Courier New"/>
+                <a:cs typeface="Courier New"/>
+                <a:sym typeface="Courier New"/>
+              </a:rPr>
+              <a:t>msg</a:t>
+            </a:r>
+            <a:r>
+              <a:rPr lang="en" sz="2000">
+                <a:solidFill>
+                  <a:srgbClr val="76923C"/>
+                </a:solidFill>
+                <a:latin typeface="Courier New"/>
+                <a:ea typeface="Courier New"/>
+                <a:cs typeface="Courier New"/>
+                <a:sym typeface="Courier New"/>
+              </a:rPr>
+              <a:t> is “Hello!”</a:t>
             </a:r>
             <a:endParaRPr sz="2000">
               <a:solidFill>
                 <a:srgbClr val="76923C"/>
               </a:solidFill>
-              <a:latin typeface="Times New Roman"/>
-              <a:ea typeface="Times New Roman"/>
-              <a:cs typeface="Times New Roman"/>
-              <a:sym typeface="Times New Roman"/>
+              <a:latin typeface="Courier New"/>
+              <a:ea typeface="Courier New"/>
+              <a:cs typeface="Courier New"/>
+              <a:sym typeface="Courier New"/>
             </a:endParaRPr>
           </a:p>
           <a:p>
@@ -9391,7 +9615,7 @@
               <a:buNone/>
             </a:pPr>
             <a:r>
-              <a:rPr lang="en" sz="2300">
+              <a:rPr lang="en" sz="2200">
                 <a:solidFill>
                   <a:schemeClr val="dk1"/>
                 </a:solidFill>
@@ -9403,7 +9627,7 @@
               <a:t>There are six </a:t>
             </a:r>
             <a:r>
-              <a:rPr b="1" lang="en" sz="2300">
+              <a:rPr b="1" lang="en" sz="2200">
                 <a:solidFill>
                   <a:srgbClr val="FF0000"/>
                 </a:solidFill>
@@ -9415,7 +9639,7 @@
               <a:t>primitive </a:t>
             </a:r>
             <a:r>
-              <a:rPr lang="en" sz="2300">
+              <a:rPr lang="en" sz="2200">
                 <a:solidFill>
                   <a:schemeClr val="dk1"/>
                 </a:solidFill>
@@ -9426,7 +9650,7 @@
               </a:rPr>
               <a:t>data types:</a:t>
             </a:r>
-            <a:endParaRPr sz="2300">
+            <a:endParaRPr sz="2200">
               <a:solidFill>
                 <a:schemeClr val="dk1"/>
               </a:solidFill>
@@ -9454,7 +9678,7 @@
               <a:buNone/>
             </a:pPr>
             <a:r>
-              <a:rPr lang="en" sz="2300">
+              <a:rPr lang="en" sz="2200">
                 <a:solidFill>
                   <a:schemeClr val="dk1"/>
                 </a:solidFill>
@@ -9465,7 +9689,7 @@
               </a:rPr>
               <a:t>[in JavaScript data types are not declared in code]</a:t>
             </a:r>
-            <a:endParaRPr sz="2300">
+            <a:endParaRPr sz="2200">
               <a:solidFill>
                 <a:schemeClr val="dk1"/>
               </a:solidFill>
@@ -9493,7 +9717,7 @@
               <a:buNone/>
             </a:pPr>
             <a:r>
-              <a:rPr lang="en" sz="2300">
+              <a:rPr lang="en" sz="2200">
                 <a:solidFill>
                   <a:srgbClr val="FF0000"/>
                 </a:solidFill>
@@ -9505,7 +9729,7 @@
               <a:t>• Number</a:t>
             </a:r>
             <a:r>
-              <a:rPr lang="en" sz="2300">
+              <a:rPr lang="en" sz="2200">
                 <a:solidFill>
                   <a:schemeClr val="dk1"/>
                 </a:solidFill>
@@ -9517,25 +9741,25 @@
               <a:t>: integer or decimal numbers  </a:t>
             </a:r>
             <a:r>
-              <a:rPr lang="en" sz="2300">
+              <a:rPr lang="en" sz="2200">
                 <a:solidFill>
                   <a:srgbClr val="4472C5"/>
                 </a:solidFill>
-                <a:latin typeface="Times New Roman"/>
-                <a:ea typeface="Times New Roman"/>
-                <a:cs typeface="Times New Roman"/>
-                <a:sym typeface="Times New Roman"/>
+                <a:latin typeface="Courier New"/>
+                <a:ea typeface="Courier New"/>
+                <a:cs typeface="Courier New"/>
+                <a:sym typeface="Courier New"/>
               </a:rPr>
               <a:t>a = 20, b = 3.5</a:t>
             </a:r>
-            <a:endParaRPr sz="2300">
+            <a:endParaRPr sz="2200">
               <a:solidFill>
                 <a:schemeClr val="dk1"/>
               </a:solidFill>
-              <a:latin typeface="Times New Roman"/>
-              <a:ea typeface="Times New Roman"/>
-              <a:cs typeface="Times New Roman"/>
-              <a:sym typeface="Times New Roman"/>
+              <a:latin typeface="Courier New"/>
+              <a:ea typeface="Courier New"/>
+              <a:cs typeface="Courier New"/>
+              <a:sym typeface="Courier New"/>
             </a:endParaRPr>
           </a:p>
           <a:p>
@@ -9556,7 +9780,7 @@
               <a:buNone/>
             </a:pPr>
             <a:r>
-              <a:rPr lang="en" sz="2300">
+              <a:rPr lang="en" sz="2200">
                 <a:solidFill>
                   <a:srgbClr val="4472C5"/>
                 </a:solidFill>
@@ -9568,7 +9792,7 @@
               <a:t>• String</a:t>
             </a:r>
             <a:r>
-              <a:rPr lang="en" sz="2300">
+              <a:rPr lang="en" sz="2200">
                 <a:solidFill>
                   <a:schemeClr val="dk1"/>
                 </a:solidFill>
@@ -9580,19 +9804,31 @@
               <a:t>: some text  </a:t>
             </a:r>
             <a:r>
-              <a:rPr lang="en" sz="2300">
+              <a:rPr lang="en" sz="2200">
                 <a:solidFill>
                   <a:srgbClr val="4472C5"/>
                 </a:solidFill>
-                <a:latin typeface="Times New Roman"/>
-                <a:ea typeface="Times New Roman"/>
-                <a:cs typeface="Times New Roman"/>
-                <a:sym typeface="Times New Roman"/>
-              </a:rPr>
-              <a:t>s = "Hello, World!" </a:t>
-            </a:r>
-            <a:r>
-              <a:rPr lang="en" sz="2300">
+                <a:latin typeface="Courier New"/>
+                <a:ea typeface="Courier New"/>
+                <a:cs typeface="Courier New"/>
+                <a:sym typeface="Courier New"/>
+              </a:rPr>
+              <a:t>s = "Hello, World!"</a:t>
+            </a:r>
+            <a:r>
+              <a:rPr lang="en" sz="2200">
+                <a:solidFill>
+                  <a:srgbClr val="4472C5"/>
+                </a:solidFill>
+                <a:latin typeface="Times New Roman"/>
+                <a:ea typeface="Times New Roman"/>
+                <a:cs typeface="Times New Roman"/>
+                <a:sym typeface="Times New Roman"/>
+              </a:rPr>
+              <a:t> </a:t>
+            </a:r>
+            <a:r>
+              <a:rPr lang="en" sz="2200">
                 <a:solidFill>
                   <a:schemeClr val="dk1"/>
                 </a:solidFill>
@@ -9604,7 +9840,7 @@
               <a:t>or empty string  </a:t>
             </a:r>
             <a:r>
-              <a:rPr lang="en" sz="2300">
+              <a:rPr lang="en" sz="2200">
                 <a:solidFill>
                   <a:srgbClr val="4472C5"/>
                 </a:solidFill>
@@ -9615,7 +9851,7 @@
               </a:rPr>
               <a:t>t = ""</a:t>
             </a:r>
-            <a:endParaRPr sz="2300">
+            <a:endParaRPr sz="2200">
               <a:solidFill>
                 <a:srgbClr val="4472C5"/>
               </a:solidFill>
@@ -9643,7 +9879,7 @@
               <a:buNone/>
             </a:pPr>
             <a:r>
-              <a:rPr lang="en" sz="2300">
+              <a:rPr lang="en" sz="2200">
                 <a:solidFill>
                   <a:srgbClr val="548335"/>
                 </a:solidFill>
@@ -9655,7 +9891,7 @@
               <a:t>• Boolean</a:t>
             </a:r>
             <a:r>
-              <a:rPr lang="en" sz="2300">
+              <a:rPr lang="en" sz="2200">
                 <a:solidFill>
                   <a:schemeClr val="dk1"/>
                 </a:solidFill>
@@ -9667,19 +9903,31 @@
               <a:t>: </a:t>
             </a:r>
             <a:r>
-              <a:rPr b="1" lang="en" sz="2300">
-                <a:solidFill>
-                  <a:schemeClr val="dk1"/>
-                </a:solidFill>
-                <a:latin typeface="Times New Roman"/>
-                <a:ea typeface="Times New Roman"/>
-                <a:cs typeface="Times New Roman"/>
-                <a:sym typeface="Times New Roman"/>
-              </a:rPr>
-              <a:t>true </a:t>
-            </a:r>
-            <a:r>
-              <a:rPr lang="en" sz="2300">
+              <a:rPr b="1" lang="en" sz="2200">
+                <a:solidFill>
+                  <a:schemeClr val="dk1"/>
+                </a:solidFill>
+                <a:latin typeface="Courier New"/>
+                <a:ea typeface="Courier New"/>
+                <a:cs typeface="Courier New"/>
+                <a:sym typeface="Courier New"/>
+              </a:rPr>
+              <a:t>true</a:t>
+            </a:r>
+            <a:r>
+              <a:rPr b="1" lang="en" sz="2200">
+                <a:solidFill>
+                  <a:schemeClr val="dk1"/>
+                </a:solidFill>
+                <a:latin typeface="Times New Roman"/>
+                <a:ea typeface="Times New Roman"/>
+                <a:cs typeface="Times New Roman"/>
+                <a:sym typeface="Times New Roman"/>
+              </a:rPr>
+              <a:t> </a:t>
+            </a:r>
+            <a:r>
+              <a:rPr lang="en" sz="2200">
                 <a:solidFill>
                   <a:schemeClr val="dk1"/>
                 </a:solidFill>
@@ -9691,19 +9939,19 @@
               <a:t>or </a:t>
             </a:r>
             <a:r>
-              <a:rPr b="1" lang="en" sz="2300">
-                <a:solidFill>
-                  <a:schemeClr val="dk1"/>
-                </a:solidFill>
-                <a:latin typeface="Times New Roman"/>
-                <a:ea typeface="Times New Roman"/>
-                <a:cs typeface="Times New Roman"/>
-                <a:sym typeface="Times New Roman"/>
+              <a:rPr b="1" lang="en" sz="2200">
+                <a:solidFill>
+                  <a:schemeClr val="dk1"/>
+                </a:solidFill>
+                <a:latin typeface="Courier New"/>
+                <a:ea typeface="Courier New"/>
+                <a:cs typeface="Courier New"/>
+                <a:sym typeface="Courier New"/>
               </a:rPr>
               <a:t>false</a:t>
             </a:r>
             <a:r>
-              <a:rPr lang="en" sz="2300">
+              <a:rPr lang="en" sz="2200">
                 <a:solidFill>
                   <a:schemeClr val="dk1"/>
                 </a:solidFill>
@@ -9715,25 +9963,25 @@
               <a:t>  </a:t>
             </a:r>
             <a:r>
-              <a:rPr lang="en" sz="2300">
+              <a:rPr lang="en" sz="2200">
                 <a:solidFill>
                   <a:srgbClr val="4472C5"/>
                 </a:solidFill>
-                <a:latin typeface="Times New Roman"/>
-                <a:ea typeface="Times New Roman"/>
-                <a:cs typeface="Times New Roman"/>
-                <a:sym typeface="Times New Roman"/>
+                <a:latin typeface="Courier New"/>
+                <a:ea typeface="Courier New"/>
+                <a:cs typeface="Courier New"/>
+                <a:sym typeface="Courier New"/>
               </a:rPr>
               <a:t>y = true</a:t>
             </a:r>
-            <a:endParaRPr sz="2300">
+            <a:endParaRPr sz="2200">
               <a:solidFill>
                 <a:schemeClr val="dk1"/>
               </a:solidFill>
-              <a:latin typeface="Times New Roman"/>
-              <a:ea typeface="Times New Roman"/>
-              <a:cs typeface="Times New Roman"/>
-              <a:sym typeface="Times New Roman"/>
+              <a:latin typeface="Courier New"/>
+              <a:ea typeface="Courier New"/>
+              <a:cs typeface="Courier New"/>
+              <a:sym typeface="Courier New"/>
             </a:endParaRPr>
           </a:p>
           <a:p>
@@ -9754,7 +10002,7 @@
               <a:buNone/>
             </a:pPr>
             <a:r>
-              <a:rPr lang="en" sz="2300">
+              <a:rPr lang="en" sz="2200">
                 <a:solidFill>
                   <a:srgbClr val="FF0000"/>
                 </a:solidFill>
@@ -9766,7 +10014,7 @@
               <a:t>• undefined</a:t>
             </a:r>
             <a:r>
-              <a:rPr lang="en" sz="2300">
+              <a:rPr lang="en" sz="2200">
                 <a:solidFill>
                   <a:schemeClr val="dk1"/>
                 </a:solidFill>
@@ -9778,37 +10026,37 @@
               <a:t>: a variable which is declared but doesn’t contain value  </a:t>
             </a:r>
             <a:r>
-              <a:rPr lang="en" sz="2300">
+              <a:rPr lang="en" sz="2200">
                 <a:solidFill>
                   <a:srgbClr val="4472C5"/>
                 </a:solidFill>
-                <a:latin typeface="Times New Roman"/>
-                <a:ea typeface="Times New Roman"/>
-                <a:cs typeface="Times New Roman"/>
-                <a:sym typeface="Times New Roman"/>
+                <a:latin typeface="Courier New"/>
+                <a:ea typeface="Courier New"/>
+                <a:cs typeface="Courier New"/>
+                <a:sym typeface="Courier New"/>
               </a:rPr>
               <a:t>let x</a:t>
             </a:r>
             <a:r>
-              <a:rPr lang="en" sz="2300">
-                <a:solidFill>
-                  <a:schemeClr val="dk1"/>
-                </a:solidFill>
-                <a:latin typeface="Times New Roman"/>
-                <a:ea typeface="Times New Roman"/>
-                <a:cs typeface="Times New Roman"/>
-                <a:sym typeface="Times New Roman"/>
+              <a:rPr lang="en" sz="2200">
+                <a:solidFill>
+                  <a:schemeClr val="dk1"/>
+                </a:solidFill>
+                <a:latin typeface="Courier New"/>
+                <a:ea typeface="Courier New"/>
+                <a:cs typeface="Courier New"/>
+                <a:sym typeface="Courier New"/>
               </a:rPr>
               <a:t>;</a:t>
             </a:r>
-            <a:endParaRPr sz="2300">
+            <a:endParaRPr sz="2200">
               <a:solidFill>
                 <a:schemeClr val="dk1"/>
               </a:solidFill>
-              <a:latin typeface="Times New Roman"/>
-              <a:ea typeface="Times New Roman"/>
-              <a:cs typeface="Times New Roman"/>
-              <a:sym typeface="Times New Roman"/>
+              <a:latin typeface="Courier New"/>
+              <a:ea typeface="Courier New"/>
+              <a:cs typeface="Courier New"/>
+              <a:sym typeface="Courier New"/>
             </a:endParaRPr>
           </a:p>
           <a:p>
@@ -9829,7 +10077,7 @@
               <a:buNone/>
             </a:pPr>
             <a:r>
-              <a:rPr lang="en" sz="2300">
+              <a:rPr lang="en" sz="2200">
                 <a:solidFill>
                   <a:srgbClr val="4472C5"/>
                 </a:solidFill>
@@ -9841,7 +10089,7 @@
               <a:t>• null</a:t>
             </a:r>
             <a:r>
-              <a:rPr lang="en" sz="2300">
+              <a:rPr lang="en" sz="2200">
                 <a:solidFill>
                   <a:schemeClr val="dk1"/>
                 </a:solidFill>
@@ -9853,7 +10101,7 @@
               <a:t>: a variable with </a:t>
             </a:r>
             <a:r>
-              <a:rPr b="1" lang="en" sz="2300">
+              <a:rPr b="1" lang="en" sz="2200">
                 <a:solidFill>
                   <a:schemeClr val="dk1"/>
                 </a:solidFill>
@@ -9865,7 +10113,7 @@
               <a:t>no value </a:t>
             </a:r>
             <a:r>
-              <a:rPr lang="en" sz="2300">
+              <a:rPr lang="en" sz="2200">
                 <a:solidFill>
                   <a:schemeClr val="dk1"/>
                 </a:solidFill>
@@ -9877,25 +10125,25 @@
               <a:t>assigned to it  </a:t>
             </a:r>
             <a:r>
-              <a:rPr lang="en" sz="2300">
+              <a:rPr lang="en" sz="2200">
                 <a:solidFill>
                   <a:srgbClr val="4472C5"/>
                 </a:solidFill>
-                <a:latin typeface="Times New Roman"/>
-                <a:ea typeface="Times New Roman"/>
-                <a:cs typeface="Times New Roman"/>
-                <a:sym typeface="Times New Roman"/>
+                <a:latin typeface="Courier New"/>
+                <a:ea typeface="Courier New"/>
+                <a:cs typeface="Courier New"/>
+                <a:sym typeface="Courier New"/>
               </a:rPr>
               <a:t>p = null</a:t>
             </a:r>
-            <a:endParaRPr sz="2300">
+            <a:endParaRPr sz="2200">
               <a:solidFill>
                 <a:schemeClr val="dk1"/>
               </a:solidFill>
-              <a:latin typeface="Times New Roman"/>
-              <a:ea typeface="Times New Roman"/>
-              <a:cs typeface="Times New Roman"/>
-              <a:sym typeface="Times New Roman"/>
+              <a:latin typeface="Courier New"/>
+              <a:ea typeface="Courier New"/>
+              <a:cs typeface="Courier New"/>
+              <a:sym typeface="Courier New"/>
             </a:endParaRPr>
           </a:p>
           <a:p>
@@ -9912,7 +10160,7 @@
               <a:buNone/>
             </a:pPr>
             <a:r>
-              <a:rPr lang="en" sz="2300">
+              <a:rPr lang="en" sz="2200">
                 <a:solidFill>
                   <a:srgbClr val="548335"/>
                 </a:solidFill>
@@ -9924,7 +10172,7 @@
               <a:t>• Symbol</a:t>
             </a:r>
             <a:r>
-              <a:rPr lang="en" sz="2300">
+              <a:rPr lang="en" sz="2200">
                 <a:solidFill>
                   <a:schemeClr val="dk1"/>
                 </a:solidFill>
@@ -9935,7 +10183,7 @@
               </a:rPr>
               <a:t>: unique symbolic value (not covering here)</a:t>
             </a:r>
-            <a:endParaRPr b="1" sz="2300">
+            <a:endParaRPr b="1" sz="2200">
               <a:solidFill>
                 <a:srgbClr val="FF0000"/>
               </a:solidFill>
@@ -10099,12 +10347,12 @@
           </a:prstGeom>
         </p:spPr>
         <p:txBody>
-          <a:bodyPr anchorCtr="0" anchor="t" bIns="91425" lIns="91425" spcFirstLastPara="1" rIns="91425" wrap="square" tIns="91425">
+          <a:bodyPr anchorCtr="0" anchor="ctr" bIns="91425" lIns="91425" spcFirstLastPara="1" rIns="91425" wrap="square" tIns="91425">
             <a:noAutofit/>
           </a:bodyPr>
           <a:lstStyle/>
           <a:p>
-            <a:pPr indent="0" lvl="0" marL="0" rtl="0" algn="l">
+            <a:pPr indent="0" lvl="0" marL="0" rtl="0" algn="ctr">
               <a:lnSpc>
                 <a:spcPct val="150000"/>
               </a:lnSpc>
@@ -10114,23 +10362,31 @@
               <a:spcAft>
                 <a:spcPts val="0"/>
               </a:spcAft>
-              <a:buClr>
-                <a:schemeClr val="dk1"/>
-              </a:buClr>
-              <a:buFont typeface="Arial"/>
               <a:buNone/>
             </a:pPr>
             <a:r>
               <a:rPr lang="en" sz="2400">
                 <a:solidFill>
-                  <a:schemeClr val="dk1"/>
-                </a:solidFill>
-                <a:latin typeface="Times New Roman"/>
-                <a:ea typeface="Times New Roman"/>
-                <a:cs typeface="Times New Roman"/>
-                <a:sym typeface="Times New Roman"/>
-              </a:rPr>
-              <a:t>There are different types of operators:</a:t>
+                  <a:srgbClr val="FF0000"/>
+                </a:solidFill>
+                <a:latin typeface="Times New Roman"/>
+                <a:ea typeface="Times New Roman"/>
+                <a:cs typeface="Times New Roman"/>
+                <a:sym typeface="Times New Roman"/>
+              </a:rPr>
+              <a:t>Assignment</a:t>
+            </a:r>
+            <a:r>
+              <a:rPr lang="en" sz="2400">
+                <a:solidFill>
+                  <a:schemeClr val="dk1"/>
+                </a:solidFill>
+                <a:latin typeface="Times New Roman"/>
+                <a:ea typeface="Times New Roman"/>
+                <a:cs typeface="Times New Roman"/>
+                <a:sym typeface="Times New Roman"/>
+              </a:rPr>
+              <a:t> Operators</a:t>
             </a:r>
             <a:endParaRPr sz="2400">
               <a:solidFill>
@@ -10143,7 +10399,7 @@
             </a:endParaRPr>
           </a:p>
           <a:p>
-            <a:pPr indent="-342900" lvl="0" marL="342900" rtl="0" algn="l">
+            <a:pPr indent="0" lvl="0" marL="0" rtl="0" algn="ctr">
               <a:lnSpc>
                 <a:spcPct val="150000"/>
               </a:lnSpc>
@@ -10156,835 +10412,173 @@
               <a:buClr>
                 <a:schemeClr val="dk1"/>
               </a:buClr>
-              <a:buSzPts val="2400"/>
-              <a:buFont typeface="Times New Roman"/>
-              <a:buChar char="•"/>
+              <a:buFont typeface="Arial"/>
+              <a:buNone/>
             </a:pPr>
             <a:r>
               <a:rPr lang="en" sz="2400">
                 <a:solidFill>
+                  <a:schemeClr val="dk1"/>
+                </a:solidFill>
+                <a:latin typeface="Courier New"/>
+                <a:ea typeface="Courier New"/>
+                <a:cs typeface="Courier New"/>
+                <a:sym typeface="Courier New"/>
+              </a:rPr>
+              <a:t>let name</a:t>
+            </a:r>
+            <a:r>
+              <a:rPr lang="en" sz="2400">
+                <a:solidFill>
+                  <a:srgbClr val="4F81BD"/>
+                </a:solidFill>
+                <a:latin typeface="Courier New"/>
+                <a:ea typeface="Courier New"/>
+                <a:cs typeface="Courier New"/>
+                <a:sym typeface="Courier New"/>
+              </a:rPr>
+              <a:t> </a:t>
+            </a:r>
+            <a:r>
+              <a:rPr lang="en" sz="2400">
+                <a:solidFill>
                   <a:srgbClr val="FF0000"/>
                 </a:solidFill>
-                <a:latin typeface="Times New Roman"/>
-                <a:ea typeface="Times New Roman"/>
-                <a:cs typeface="Times New Roman"/>
-                <a:sym typeface="Times New Roman"/>
-              </a:rPr>
-              <a:t>Assignment</a:t>
+                <a:latin typeface="Courier New"/>
+                <a:ea typeface="Courier New"/>
+                <a:cs typeface="Courier New"/>
+                <a:sym typeface="Courier New"/>
+              </a:rPr>
+              <a:t>=</a:t>
             </a:r>
             <a:r>
               <a:rPr lang="en" sz="2400">
                 <a:solidFill>
-                  <a:schemeClr val="dk1"/>
-                </a:solidFill>
-                <a:latin typeface="Times New Roman"/>
-                <a:ea typeface="Times New Roman"/>
-                <a:cs typeface="Times New Roman"/>
-                <a:sym typeface="Times New Roman"/>
-              </a:rPr>
-              <a:t> Operators</a:t>
+                  <a:srgbClr val="4F81BD"/>
+                </a:solidFill>
+                <a:latin typeface="Courier New"/>
+                <a:ea typeface="Courier New"/>
+                <a:cs typeface="Courier New"/>
+                <a:sym typeface="Courier New"/>
+              </a:rPr>
+              <a:t> </a:t>
+            </a:r>
+            <a:r>
+              <a:rPr lang="en" sz="2400">
+                <a:solidFill>
+                  <a:schemeClr val="dk1"/>
+                </a:solidFill>
+                <a:latin typeface="Courier New"/>
+                <a:ea typeface="Courier New"/>
+                <a:cs typeface="Courier New"/>
+                <a:sym typeface="Courier New"/>
+              </a:rPr>
+              <a:t>"Tom"; x </a:t>
+            </a:r>
+            <a:r>
+              <a:rPr lang="en" sz="2400">
+                <a:solidFill>
+                  <a:srgbClr val="FF0000"/>
+                </a:solidFill>
+                <a:latin typeface="Courier New"/>
+                <a:ea typeface="Courier New"/>
+                <a:cs typeface="Courier New"/>
+                <a:sym typeface="Courier New"/>
+              </a:rPr>
+              <a:t>=</a:t>
+            </a:r>
+            <a:r>
+              <a:rPr lang="en" sz="2400">
+                <a:solidFill>
+                  <a:srgbClr val="4F81BD"/>
+                </a:solidFill>
+                <a:latin typeface="Courier New"/>
+                <a:ea typeface="Courier New"/>
+                <a:cs typeface="Courier New"/>
+                <a:sym typeface="Courier New"/>
+              </a:rPr>
+              <a:t> </a:t>
+            </a:r>
+            <a:r>
+              <a:rPr lang="en" sz="2400">
+                <a:solidFill>
+                  <a:schemeClr val="dk1"/>
+                </a:solidFill>
+                <a:latin typeface="Courier New"/>
+                <a:ea typeface="Courier New"/>
+                <a:cs typeface="Courier New"/>
+                <a:sym typeface="Courier New"/>
+              </a:rPr>
+              <a:t>3; y</a:t>
+            </a:r>
+            <a:r>
+              <a:rPr lang="en" sz="2400">
+                <a:solidFill>
+                  <a:srgbClr val="4F81BD"/>
+                </a:solidFill>
+                <a:latin typeface="Courier New"/>
+                <a:ea typeface="Courier New"/>
+                <a:cs typeface="Courier New"/>
+                <a:sym typeface="Courier New"/>
+              </a:rPr>
+              <a:t> </a:t>
+            </a:r>
+            <a:r>
+              <a:rPr lang="en" sz="2400">
+                <a:solidFill>
+                  <a:srgbClr val="FF0000"/>
+                </a:solidFill>
+                <a:latin typeface="Courier New"/>
+                <a:ea typeface="Courier New"/>
+                <a:cs typeface="Courier New"/>
+                <a:sym typeface="Courier New"/>
+              </a:rPr>
+              <a:t>=</a:t>
+            </a:r>
+            <a:r>
+              <a:rPr lang="en" sz="2400">
+                <a:solidFill>
+                  <a:srgbClr val="4F81BD"/>
+                </a:solidFill>
+                <a:latin typeface="Courier New"/>
+                <a:ea typeface="Courier New"/>
+                <a:cs typeface="Courier New"/>
+                <a:sym typeface="Courier New"/>
+              </a:rPr>
+              <a:t> </a:t>
+            </a:r>
+            <a:r>
+              <a:rPr lang="en" sz="2400">
+                <a:solidFill>
+                  <a:schemeClr val="dk1"/>
+                </a:solidFill>
+                <a:latin typeface="Courier New"/>
+                <a:ea typeface="Courier New"/>
+                <a:cs typeface="Courier New"/>
+                <a:sym typeface="Courier New"/>
+              </a:rPr>
+              <a:t>name</a:t>
+            </a:r>
+            <a:r>
+              <a:rPr lang="en" sz="2400">
+                <a:solidFill>
+                  <a:srgbClr val="4F81BD"/>
+                </a:solidFill>
+                <a:latin typeface="Courier New"/>
+                <a:ea typeface="Courier New"/>
+                <a:cs typeface="Courier New"/>
+                <a:sym typeface="Courier New"/>
+              </a:rPr>
+              <a:t>;</a:t>
             </a:r>
             <a:endParaRPr sz="2400">
               <a:solidFill>
                 <a:schemeClr val="dk1"/>
               </a:solidFill>
-              <a:latin typeface="Times New Roman"/>
-              <a:ea typeface="Times New Roman"/>
-              <a:cs typeface="Times New Roman"/>
-              <a:sym typeface="Times New Roman"/>
-            </a:endParaRPr>
-          </a:p>
-          <a:p>
-            <a:pPr indent="0" lvl="0" marL="0" rtl="0" algn="l">
-              <a:lnSpc>
-                <a:spcPct val="150000"/>
-              </a:lnSpc>
-              <a:spcBef>
-                <a:spcPts val="0"/>
-              </a:spcBef>
-              <a:spcAft>
-                <a:spcPts val="0"/>
-              </a:spcAft>
-              <a:buClr>
-                <a:schemeClr val="dk1"/>
-              </a:buClr>
-              <a:buFont typeface="Arial"/>
-              <a:buNone/>
-            </a:pPr>
-            <a:r>
-              <a:rPr lang="en" sz="2400">
-                <a:solidFill>
-                  <a:srgbClr val="4F81BD"/>
-                </a:solidFill>
-                <a:latin typeface="Times New Roman"/>
-                <a:ea typeface="Times New Roman"/>
-                <a:cs typeface="Times New Roman"/>
-                <a:sym typeface="Times New Roman"/>
-              </a:rPr>
-              <a:t>	</a:t>
-            </a:r>
-            <a:r>
-              <a:rPr lang="en" sz="2400">
-                <a:solidFill>
-                  <a:schemeClr val="dk1"/>
-                </a:solidFill>
-                <a:latin typeface="Times New Roman"/>
-                <a:ea typeface="Times New Roman"/>
-                <a:cs typeface="Times New Roman"/>
-                <a:sym typeface="Times New Roman"/>
-              </a:rPr>
-              <a:t>let name</a:t>
-            </a:r>
-            <a:r>
-              <a:rPr lang="en" sz="2400">
-                <a:solidFill>
-                  <a:srgbClr val="4F81BD"/>
-                </a:solidFill>
-                <a:latin typeface="Times New Roman"/>
-                <a:ea typeface="Times New Roman"/>
-                <a:cs typeface="Times New Roman"/>
-                <a:sym typeface="Times New Roman"/>
-              </a:rPr>
-              <a:t> </a:t>
-            </a:r>
-            <a:r>
-              <a:rPr lang="en" sz="2400">
-                <a:solidFill>
-                  <a:srgbClr val="FF0000"/>
-                </a:solidFill>
-                <a:latin typeface="Times New Roman"/>
-                <a:ea typeface="Times New Roman"/>
-                <a:cs typeface="Times New Roman"/>
-                <a:sym typeface="Times New Roman"/>
-              </a:rPr>
-              <a:t>=</a:t>
-            </a:r>
-            <a:r>
-              <a:rPr lang="en" sz="2400">
-                <a:solidFill>
-                  <a:srgbClr val="4F81BD"/>
-                </a:solidFill>
-                <a:latin typeface="Times New Roman"/>
-                <a:ea typeface="Times New Roman"/>
-                <a:cs typeface="Times New Roman"/>
-                <a:sym typeface="Times New Roman"/>
-              </a:rPr>
-              <a:t> </a:t>
-            </a:r>
-            <a:r>
-              <a:rPr lang="en" sz="2400">
-                <a:solidFill>
-                  <a:schemeClr val="dk1"/>
-                </a:solidFill>
-                <a:latin typeface="Times New Roman"/>
-                <a:ea typeface="Times New Roman"/>
-                <a:cs typeface="Times New Roman"/>
-                <a:sym typeface="Times New Roman"/>
-              </a:rPr>
-              <a:t>"Tom"; x </a:t>
-            </a:r>
-            <a:r>
-              <a:rPr lang="en" sz="2400">
-                <a:solidFill>
-                  <a:srgbClr val="FF0000"/>
-                </a:solidFill>
-                <a:latin typeface="Times New Roman"/>
-                <a:ea typeface="Times New Roman"/>
-                <a:cs typeface="Times New Roman"/>
-                <a:sym typeface="Times New Roman"/>
-              </a:rPr>
-              <a:t>=</a:t>
-            </a:r>
-            <a:r>
-              <a:rPr lang="en" sz="2400">
-                <a:solidFill>
-                  <a:srgbClr val="4F81BD"/>
-                </a:solidFill>
-                <a:latin typeface="Times New Roman"/>
-                <a:ea typeface="Times New Roman"/>
-                <a:cs typeface="Times New Roman"/>
-                <a:sym typeface="Times New Roman"/>
-              </a:rPr>
-              <a:t> </a:t>
-            </a:r>
-            <a:r>
-              <a:rPr lang="en" sz="2400">
-                <a:solidFill>
-                  <a:schemeClr val="dk1"/>
-                </a:solidFill>
-                <a:latin typeface="Times New Roman"/>
-                <a:ea typeface="Times New Roman"/>
-                <a:cs typeface="Times New Roman"/>
-                <a:sym typeface="Times New Roman"/>
-              </a:rPr>
-              <a:t>3; y</a:t>
-            </a:r>
-            <a:r>
-              <a:rPr lang="en" sz="2400">
-                <a:solidFill>
-                  <a:srgbClr val="4F81BD"/>
-                </a:solidFill>
-                <a:latin typeface="Times New Roman"/>
-                <a:ea typeface="Times New Roman"/>
-                <a:cs typeface="Times New Roman"/>
-                <a:sym typeface="Times New Roman"/>
-              </a:rPr>
-              <a:t> </a:t>
-            </a:r>
-            <a:r>
-              <a:rPr lang="en" sz="2400">
-                <a:solidFill>
-                  <a:srgbClr val="FF0000"/>
-                </a:solidFill>
-                <a:latin typeface="Times New Roman"/>
-                <a:ea typeface="Times New Roman"/>
-                <a:cs typeface="Times New Roman"/>
-                <a:sym typeface="Times New Roman"/>
-              </a:rPr>
-              <a:t>=</a:t>
-            </a:r>
-            <a:r>
-              <a:rPr lang="en" sz="2400">
-                <a:solidFill>
-                  <a:srgbClr val="4F81BD"/>
-                </a:solidFill>
-                <a:latin typeface="Times New Roman"/>
-                <a:ea typeface="Times New Roman"/>
-                <a:cs typeface="Times New Roman"/>
-                <a:sym typeface="Times New Roman"/>
-              </a:rPr>
-              <a:t> </a:t>
-            </a:r>
-            <a:r>
-              <a:rPr lang="en" sz="2400">
-                <a:solidFill>
-                  <a:schemeClr val="dk1"/>
-                </a:solidFill>
-                <a:latin typeface="Times New Roman"/>
-                <a:ea typeface="Times New Roman"/>
-                <a:cs typeface="Times New Roman"/>
-                <a:sym typeface="Times New Roman"/>
-              </a:rPr>
-              <a:t>name</a:t>
-            </a:r>
-            <a:r>
-              <a:rPr lang="en" sz="2400">
-                <a:solidFill>
-                  <a:srgbClr val="4F81BD"/>
-                </a:solidFill>
-                <a:latin typeface="Times New Roman"/>
-                <a:ea typeface="Times New Roman"/>
-                <a:cs typeface="Times New Roman"/>
-                <a:sym typeface="Times New Roman"/>
-              </a:rPr>
-              <a:t>;</a:t>
-            </a:r>
-            <a:endParaRPr sz="2400">
-              <a:solidFill>
-                <a:schemeClr val="dk1"/>
-              </a:solidFill>
-              <a:latin typeface="Times New Roman"/>
-              <a:ea typeface="Times New Roman"/>
-              <a:cs typeface="Times New Roman"/>
-              <a:sym typeface="Times New Roman"/>
-            </a:endParaRPr>
-          </a:p>
-          <a:p>
-            <a:pPr indent="-342900" lvl="0" marL="342900" rtl="0" algn="l">
-              <a:lnSpc>
-                <a:spcPct val="150000"/>
-              </a:lnSpc>
-              <a:spcBef>
-                <a:spcPts val="0"/>
-              </a:spcBef>
-              <a:spcAft>
-                <a:spcPts val="0"/>
-              </a:spcAft>
-              <a:buClr>
-                <a:schemeClr val="dk1"/>
-              </a:buClr>
-              <a:buSzPts val="2400"/>
-              <a:buFont typeface="Times New Roman"/>
-              <a:buChar char="•"/>
-            </a:pPr>
-            <a:r>
-              <a:rPr lang="en" sz="2400">
-                <a:solidFill>
-                  <a:srgbClr val="38761D"/>
-                </a:solidFill>
-                <a:latin typeface="Times New Roman"/>
-                <a:ea typeface="Times New Roman"/>
-                <a:cs typeface="Times New Roman"/>
-                <a:sym typeface="Times New Roman"/>
-              </a:rPr>
-              <a:t>Arithmetic</a:t>
-            </a:r>
-            <a:r>
-              <a:rPr lang="en" sz="2400">
-                <a:solidFill>
-                  <a:schemeClr val="dk1"/>
-                </a:solidFill>
-                <a:latin typeface="Times New Roman"/>
-                <a:ea typeface="Times New Roman"/>
-                <a:cs typeface="Times New Roman"/>
-                <a:sym typeface="Times New Roman"/>
-              </a:rPr>
-              <a:t> Operators</a:t>
-            </a:r>
-            <a:endParaRPr sz="2400">
-              <a:solidFill>
-                <a:schemeClr val="dk1"/>
-              </a:solidFill>
-              <a:latin typeface="Times New Roman"/>
-              <a:ea typeface="Times New Roman"/>
-              <a:cs typeface="Times New Roman"/>
-              <a:sym typeface="Times New Roman"/>
-            </a:endParaRPr>
-          </a:p>
-          <a:p>
-            <a:pPr indent="0" lvl="0" marL="0" rtl="0" algn="l">
-              <a:lnSpc>
-                <a:spcPct val="150000"/>
-              </a:lnSpc>
-              <a:spcBef>
-                <a:spcPts val="0"/>
-              </a:spcBef>
-              <a:spcAft>
-                <a:spcPts val="0"/>
-              </a:spcAft>
-              <a:buClr>
-                <a:schemeClr val="dk1"/>
-              </a:buClr>
-              <a:buFont typeface="Arial"/>
-              <a:buNone/>
-            </a:pPr>
-            <a:r>
-              <a:rPr lang="en" sz="2400">
-                <a:solidFill>
-                  <a:srgbClr val="4F81BD"/>
-                </a:solidFill>
-                <a:latin typeface="Times New Roman"/>
-                <a:ea typeface="Times New Roman"/>
-                <a:cs typeface="Times New Roman"/>
-                <a:sym typeface="Times New Roman"/>
-              </a:rPr>
-              <a:t>	 </a:t>
-            </a:r>
-            <a:r>
-              <a:rPr lang="en" sz="2400">
-                <a:solidFill>
-                  <a:schemeClr val="dk1"/>
-                </a:solidFill>
-                <a:latin typeface="Times New Roman"/>
-                <a:ea typeface="Times New Roman"/>
-                <a:cs typeface="Times New Roman"/>
-                <a:sym typeface="Times New Roman"/>
-              </a:rPr>
-              <a:t>a = 2</a:t>
-            </a:r>
-            <a:r>
-              <a:rPr lang="en" sz="2400">
-                <a:solidFill>
-                  <a:srgbClr val="4F81BD"/>
-                </a:solidFill>
-                <a:latin typeface="Times New Roman"/>
-                <a:ea typeface="Times New Roman"/>
-                <a:cs typeface="Times New Roman"/>
-                <a:sym typeface="Times New Roman"/>
-              </a:rPr>
-              <a:t> </a:t>
-            </a:r>
-            <a:r>
-              <a:rPr lang="en" sz="2400">
-                <a:solidFill>
-                  <a:srgbClr val="38761D"/>
-                </a:solidFill>
-                <a:latin typeface="Times New Roman"/>
-                <a:ea typeface="Times New Roman"/>
-                <a:cs typeface="Times New Roman"/>
-                <a:sym typeface="Times New Roman"/>
-              </a:rPr>
-              <a:t>+</a:t>
-            </a:r>
-            <a:r>
-              <a:rPr lang="en" sz="2400">
-                <a:solidFill>
-                  <a:srgbClr val="4F81BD"/>
-                </a:solidFill>
-                <a:latin typeface="Times New Roman"/>
-                <a:ea typeface="Times New Roman"/>
-                <a:cs typeface="Times New Roman"/>
-                <a:sym typeface="Times New Roman"/>
-              </a:rPr>
-              <a:t> </a:t>
-            </a:r>
-            <a:r>
-              <a:rPr lang="en" sz="2400">
-                <a:solidFill>
-                  <a:schemeClr val="dk1"/>
-                </a:solidFill>
-                <a:latin typeface="Times New Roman"/>
-                <a:ea typeface="Times New Roman"/>
-                <a:cs typeface="Times New Roman"/>
-                <a:sym typeface="Times New Roman"/>
-              </a:rPr>
-              <a:t>3; b = 4</a:t>
-            </a:r>
-            <a:r>
-              <a:rPr lang="en" sz="2400">
-                <a:solidFill>
-                  <a:srgbClr val="4F81BD"/>
-                </a:solidFill>
-                <a:latin typeface="Times New Roman"/>
-                <a:ea typeface="Times New Roman"/>
-                <a:cs typeface="Times New Roman"/>
-                <a:sym typeface="Times New Roman"/>
-              </a:rPr>
-              <a:t> </a:t>
-            </a:r>
-            <a:r>
-              <a:rPr lang="en" sz="2400">
-                <a:solidFill>
-                  <a:srgbClr val="38761D"/>
-                </a:solidFill>
-                <a:latin typeface="Times New Roman"/>
-                <a:ea typeface="Times New Roman"/>
-                <a:cs typeface="Times New Roman"/>
-                <a:sym typeface="Times New Roman"/>
-              </a:rPr>
-              <a:t>*</a:t>
-            </a:r>
-            <a:r>
-              <a:rPr lang="en" sz="2400">
-                <a:solidFill>
-                  <a:srgbClr val="4F81BD"/>
-                </a:solidFill>
-                <a:latin typeface="Times New Roman"/>
-                <a:ea typeface="Times New Roman"/>
-                <a:cs typeface="Times New Roman"/>
-                <a:sym typeface="Times New Roman"/>
-              </a:rPr>
-              <a:t> </a:t>
-            </a:r>
-            <a:r>
-              <a:rPr lang="en" sz="2400">
-                <a:solidFill>
-                  <a:schemeClr val="dk1"/>
-                </a:solidFill>
-                <a:latin typeface="Times New Roman"/>
-                <a:ea typeface="Times New Roman"/>
-                <a:cs typeface="Times New Roman"/>
-                <a:sym typeface="Times New Roman"/>
-              </a:rPr>
-              <a:t>5</a:t>
-            </a:r>
-            <a:r>
-              <a:rPr lang="en" sz="2400">
-                <a:solidFill>
-                  <a:srgbClr val="4F81BD"/>
-                </a:solidFill>
-                <a:latin typeface="Times New Roman"/>
-                <a:ea typeface="Times New Roman"/>
-                <a:cs typeface="Times New Roman"/>
-                <a:sym typeface="Times New Roman"/>
-              </a:rPr>
-              <a:t> </a:t>
-            </a:r>
-            <a:r>
-              <a:rPr lang="en" sz="2400">
-                <a:solidFill>
-                  <a:srgbClr val="38761D"/>
-                </a:solidFill>
-                <a:latin typeface="Times New Roman"/>
-                <a:ea typeface="Times New Roman"/>
-                <a:cs typeface="Times New Roman"/>
-                <a:sym typeface="Times New Roman"/>
-              </a:rPr>
-              <a:t>/</a:t>
-            </a:r>
-            <a:r>
-              <a:rPr lang="en" sz="2400">
-                <a:solidFill>
-                  <a:srgbClr val="4F81BD"/>
-                </a:solidFill>
-                <a:latin typeface="Times New Roman"/>
-                <a:ea typeface="Times New Roman"/>
-                <a:cs typeface="Times New Roman"/>
-                <a:sym typeface="Times New Roman"/>
-              </a:rPr>
-              <a:t> </a:t>
-            </a:r>
-            <a:r>
-              <a:rPr lang="en" sz="2400">
-                <a:solidFill>
-                  <a:schemeClr val="dk1"/>
-                </a:solidFill>
-                <a:latin typeface="Times New Roman"/>
-                <a:ea typeface="Times New Roman"/>
-                <a:cs typeface="Times New Roman"/>
-                <a:sym typeface="Times New Roman"/>
-              </a:rPr>
-              <a:t>2</a:t>
-            </a:r>
-            <a:r>
-              <a:rPr lang="en" sz="2400">
-                <a:solidFill>
-                  <a:srgbClr val="4F81BD"/>
-                </a:solidFill>
-                <a:latin typeface="Times New Roman"/>
-                <a:ea typeface="Times New Roman"/>
-                <a:cs typeface="Times New Roman"/>
-                <a:sym typeface="Times New Roman"/>
-              </a:rPr>
-              <a:t> </a:t>
-            </a:r>
-            <a:r>
-              <a:rPr lang="en" sz="2400">
-                <a:solidFill>
-                  <a:srgbClr val="38761D"/>
-                </a:solidFill>
-                <a:latin typeface="Times New Roman"/>
-                <a:ea typeface="Times New Roman"/>
-                <a:cs typeface="Times New Roman"/>
-                <a:sym typeface="Times New Roman"/>
-              </a:rPr>
-              <a:t>-</a:t>
-            </a:r>
-            <a:r>
-              <a:rPr lang="en" sz="2400">
-                <a:solidFill>
-                  <a:srgbClr val="4F81BD"/>
-                </a:solidFill>
-                <a:latin typeface="Times New Roman"/>
-                <a:ea typeface="Times New Roman"/>
-                <a:cs typeface="Times New Roman"/>
-                <a:sym typeface="Times New Roman"/>
-              </a:rPr>
-              <a:t> </a:t>
-            </a:r>
-            <a:r>
-              <a:rPr lang="en" sz="2400">
-                <a:solidFill>
-                  <a:schemeClr val="dk1"/>
-                </a:solidFill>
-                <a:latin typeface="Times New Roman"/>
-                <a:ea typeface="Times New Roman"/>
-                <a:cs typeface="Times New Roman"/>
-                <a:sym typeface="Times New Roman"/>
-              </a:rPr>
-              <a:t>1; x = "Hello"; y = "World"; z = x</a:t>
-            </a:r>
-            <a:r>
-              <a:rPr lang="en" sz="2400">
-                <a:solidFill>
-                  <a:srgbClr val="4F81BD"/>
-                </a:solidFill>
-                <a:latin typeface="Times New Roman"/>
-                <a:ea typeface="Times New Roman"/>
-                <a:cs typeface="Times New Roman"/>
-                <a:sym typeface="Times New Roman"/>
-              </a:rPr>
-              <a:t> </a:t>
-            </a:r>
-            <a:r>
-              <a:rPr lang="en" sz="2400">
-                <a:solidFill>
-                  <a:srgbClr val="38761D"/>
-                </a:solidFill>
-                <a:latin typeface="Times New Roman"/>
-                <a:ea typeface="Times New Roman"/>
-                <a:cs typeface="Times New Roman"/>
-                <a:sym typeface="Times New Roman"/>
-              </a:rPr>
-              <a:t>+</a:t>
-            </a:r>
-            <a:r>
-              <a:rPr lang="en" sz="2400">
-                <a:solidFill>
-                  <a:srgbClr val="4F81BD"/>
-                </a:solidFill>
-                <a:latin typeface="Times New Roman"/>
-                <a:ea typeface="Times New Roman"/>
-                <a:cs typeface="Times New Roman"/>
-                <a:sym typeface="Times New Roman"/>
-              </a:rPr>
-              <a:t> </a:t>
-            </a:r>
-            <a:r>
-              <a:rPr lang="en" sz="2400">
-                <a:solidFill>
-                  <a:schemeClr val="dk1"/>
-                </a:solidFill>
-                <a:latin typeface="Times New Roman"/>
-                <a:ea typeface="Times New Roman"/>
-                <a:cs typeface="Times New Roman"/>
-                <a:sym typeface="Times New Roman"/>
-              </a:rPr>
-              <a:t>y</a:t>
-            </a:r>
-            <a:r>
-              <a:rPr lang="en" sz="2400">
-                <a:solidFill>
-                  <a:srgbClr val="4F81BD"/>
-                </a:solidFill>
-                <a:latin typeface="Times New Roman"/>
-                <a:ea typeface="Times New Roman"/>
-                <a:cs typeface="Times New Roman"/>
-                <a:sym typeface="Times New Roman"/>
-              </a:rPr>
-              <a:t>;</a:t>
-            </a:r>
-            <a:endParaRPr sz="2400">
-              <a:solidFill>
-                <a:schemeClr val="dk1"/>
-              </a:solidFill>
-              <a:latin typeface="Times New Roman"/>
-              <a:ea typeface="Times New Roman"/>
-              <a:cs typeface="Times New Roman"/>
-              <a:sym typeface="Times New Roman"/>
-            </a:endParaRPr>
-          </a:p>
-          <a:p>
-            <a:pPr indent="-342900" lvl="0" marL="342900" rtl="0" algn="l">
-              <a:lnSpc>
-                <a:spcPct val="150000"/>
-              </a:lnSpc>
-              <a:spcBef>
-                <a:spcPts val="0"/>
-              </a:spcBef>
-              <a:spcAft>
-                <a:spcPts val="0"/>
-              </a:spcAft>
-              <a:buClr>
-                <a:schemeClr val="dk1"/>
-              </a:buClr>
-              <a:buSzPts val="2400"/>
-              <a:buFont typeface="Times New Roman"/>
-              <a:buChar char="•"/>
-            </a:pPr>
-            <a:r>
-              <a:rPr lang="en" sz="2400">
-                <a:solidFill>
-                  <a:srgbClr val="1155CC"/>
-                </a:solidFill>
-                <a:latin typeface="Times New Roman"/>
-                <a:ea typeface="Times New Roman"/>
-                <a:cs typeface="Times New Roman"/>
-                <a:sym typeface="Times New Roman"/>
-              </a:rPr>
-              <a:t>Comparison</a:t>
-            </a:r>
-            <a:r>
-              <a:rPr lang="en" sz="2400">
-                <a:solidFill>
-                  <a:schemeClr val="dk1"/>
-                </a:solidFill>
-                <a:latin typeface="Times New Roman"/>
-                <a:ea typeface="Times New Roman"/>
-                <a:cs typeface="Times New Roman"/>
-                <a:sym typeface="Times New Roman"/>
-              </a:rPr>
-              <a:t> Operators</a:t>
-            </a:r>
-            <a:endParaRPr sz="2400">
-              <a:solidFill>
-                <a:schemeClr val="dk1"/>
-              </a:solidFill>
-              <a:latin typeface="Times New Roman"/>
-              <a:ea typeface="Times New Roman"/>
-              <a:cs typeface="Times New Roman"/>
-              <a:sym typeface="Times New Roman"/>
-            </a:endParaRPr>
-          </a:p>
-          <a:p>
-            <a:pPr indent="0" lvl="0" marL="0" rtl="0" algn="l">
-              <a:lnSpc>
-                <a:spcPct val="150000"/>
-              </a:lnSpc>
-              <a:spcBef>
-                <a:spcPts val="0"/>
-              </a:spcBef>
-              <a:spcAft>
-                <a:spcPts val="0"/>
-              </a:spcAft>
-              <a:buNone/>
-            </a:pPr>
-            <a:r>
-              <a:rPr lang="en" sz="2400">
-                <a:solidFill>
-                  <a:srgbClr val="4F81BD"/>
-                </a:solidFill>
-                <a:latin typeface="Times New Roman"/>
-                <a:ea typeface="Times New Roman"/>
-                <a:cs typeface="Times New Roman"/>
-                <a:sym typeface="Times New Roman"/>
-              </a:rPr>
-              <a:t>	 </a:t>
-            </a:r>
-            <a:r>
-              <a:rPr lang="en" sz="2400">
-                <a:solidFill>
-                  <a:schemeClr val="dk1"/>
-                </a:solidFill>
-                <a:latin typeface="Times New Roman"/>
-                <a:ea typeface="Times New Roman"/>
-                <a:cs typeface="Times New Roman"/>
-                <a:sym typeface="Times New Roman"/>
-              </a:rPr>
-              <a:t>a</a:t>
-            </a:r>
-            <a:r>
-              <a:rPr lang="en" sz="2400">
-                <a:solidFill>
-                  <a:srgbClr val="4F81BD"/>
-                </a:solidFill>
-                <a:latin typeface="Times New Roman"/>
-                <a:ea typeface="Times New Roman"/>
-                <a:cs typeface="Times New Roman"/>
-                <a:sym typeface="Times New Roman"/>
-              </a:rPr>
-              <a:t> </a:t>
-            </a:r>
-            <a:r>
-              <a:rPr lang="en" sz="2400">
-                <a:solidFill>
-                  <a:srgbClr val="1155CC"/>
-                </a:solidFill>
-                <a:latin typeface="Times New Roman"/>
-                <a:ea typeface="Times New Roman"/>
-                <a:cs typeface="Times New Roman"/>
-                <a:sym typeface="Times New Roman"/>
-              </a:rPr>
-              <a:t>&gt;</a:t>
-            </a:r>
-            <a:r>
-              <a:rPr lang="en" sz="2400">
-                <a:solidFill>
-                  <a:srgbClr val="4F81BD"/>
-                </a:solidFill>
-                <a:latin typeface="Times New Roman"/>
-                <a:ea typeface="Times New Roman"/>
-                <a:cs typeface="Times New Roman"/>
-                <a:sym typeface="Times New Roman"/>
-              </a:rPr>
-              <a:t> </a:t>
-            </a:r>
-            <a:r>
-              <a:rPr lang="en" sz="2400">
-                <a:solidFill>
-                  <a:schemeClr val="dk1"/>
-                </a:solidFill>
-                <a:latin typeface="Times New Roman"/>
-                <a:ea typeface="Times New Roman"/>
-                <a:cs typeface="Times New Roman"/>
-                <a:sym typeface="Times New Roman"/>
-              </a:rPr>
-              <a:t>0; a</a:t>
-            </a:r>
-            <a:r>
-              <a:rPr lang="en" sz="2400">
-                <a:solidFill>
-                  <a:srgbClr val="4F81BD"/>
-                </a:solidFill>
-                <a:latin typeface="Times New Roman"/>
-                <a:ea typeface="Times New Roman"/>
-                <a:cs typeface="Times New Roman"/>
-                <a:sym typeface="Times New Roman"/>
-              </a:rPr>
-              <a:t> </a:t>
-            </a:r>
-            <a:r>
-              <a:rPr lang="en" sz="2400">
-                <a:solidFill>
-                  <a:srgbClr val="1155CC"/>
-                </a:solidFill>
-                <a:latin typeface="Times New Roman"/>
-                <a:ea typeface="Times New Roman"/>
-                <a:cs typeface="Times New Roman"/>
-                <a:sym typeface="Times New Roman"/>
-              </a:rPr>
-              <a:t>&lt;</a:t>
-            </a:r>
-            <a:r>
-              <a:rPr lang="en" sz="2400">
-                <a:solidFill>
-                  <a:srgbClr val="4F81BD"/>
-                </a:solidFill>
-                <a:latin typeface="Times New Roman"/>
-                <a:ea typeface="Times New Roman"/>
-                <a:cs typeface="Times New Roman"/>
-                <a:sym typeface="Times New Roman"/>
-              </a:rPr>
-              <a:t> </a:t>
-            </a:r>
-            <a:r>
-              <a:rPr lang="en" sz="2400">
-                <a:solidFill>
-                  <a:schemeClr val="dk1"/>
-                </a:solidFill>
-                <a:latin typeface="Times New Roman"/>
-                <a:ea typeface="Times New Roman"/>
-                <a:cs typeface="Times New Roman"/>
-                <a:sym typeface="Times New Roman"/>
-              </a:rPr>
-              <a:t>0; a</a:t>
-            </a:r>
-            <a:r>
-              <a:rPr lang="en" sz="2400">
-                <a:solidFill>
-                  <a:srgbClr val="4F81BD"/>
-                </a:solidFill>
-                <a:latin typeface="Times New Roman"/>
-                <a:ea typeface="Times New Roman"/>
-                <a:cs typeface="Times New Roman"/>
-                <a:sym typeface="Times New Roman"/>
-              </a:rPr>
-              <a:t> </a:t>
-            </a:r>
-            <a:r>
-              <a:rPr lang="en" sz="2400">
-                <a:solidFill>
-                  <a:srgbClr val="1155CC"/>
-                </a:solidFill>
-                <a:latin typeface="Times New Roman"/>
-                <a:ea typeface="Times New Roman"/>
-                <a:cs typeface="Times New Roman"/>
-                <a:sym typeface="Times New Roman"/>
-              </a:rPr>
-              <a:t>==</a:t>
-            </a:r>
-            <a:r>
-              <a:rPr lang="en" sz="2400">
-                <a:solidFill>
-                  <a:srgbClr val="4F81BD"/>
-                </a:solidFill>
-                <a:latin typeface="Times New Roman"/>
-                <a:ea typeface="Times New Roman"/>
-                <a:cs typeface="Times New Roman"/>
-                <a:sym typeface="Times New Roman"/>
-              </a:rPr>
-              <a:t> </a:t>
-            </a:r>
-            <a:r>
-              <a:rPr lang="en" sz="2400">
-                <a:solidFill>
-                  <a:schemeClr val="dk1"/>
-                </a:solidFill>
-                <a:latin typeface="Times New Roman"/>
-                <a:ea typeface="Times New Roman"/>
-                <a:cs typeface="Times New Roman"/>
-                <a:sym typeface="Times New Roman"/>
-              </a:rPr>
-              <a:t>0;</a:t>
-            </a:r>
-            <a:endParaRPr sz="2400">
-              <a:solidFill>
-                <a:schemeClr val="dk1"/>
-              </a:solidFill>
-              <a:latin typeface="Times New Roman"/>
-              <a:ea typeface="Times New Roman"/>
-              <a:cs typeface="Times New Roman"/>
-              <a:sym typeface="Times New Roman"/>
+              <a:latin typeface="Courier New"/>
+              <a:ea typeface="Courier New"/>
+              <a:cs typeface="Courier New"/>
+              <a:sym typeface="Courier New"/>
             </a:endParaRPr>
           </a:p>
         </p:txBody>
@@ -11145,7 +10739,7 @@
                 <a:cs typeface="Times New Roman"/>
                 <a:sym typeface="Times New Roman"/>
               </a:rPr>
-              <a:t>SELF STUDY: increment, decement, remainder, exponentiation</a:t>
+              <a:t>SELF STUDY: increment, decrement, remainder, exponentiation</a:t>
             </a:r>
             <a:endParaRPr i="1" sz="2400">
               <a:solidFill>
@@ -11202,7 +10796,7 @@
           </a:prstGeom>
         </p:spPr>
         <p:txBody>
-          <a:bodyPr anchorCtr="0" anchor="t" bIns="91425" lIns="91425" spcFirstLastPara="1" rIns="91425" wrap="square" tIns="91425">
+          <a:bodyPr anchorCtr="0" anchor="ctr" bIns="91425" lIns="91425" spcFirstLastPara="1" rIns="91425" wrap="square" tIns="91425">
             <a:noAutofit/>
           </a:bodyPr>
           <a:lstStyle/>
@@ -11217,81 +10811,49 @@
               <a:spcAft>
                 <a:spcPts val="0"/>
               </a:spcAft>
-              <a:buNone/>
-            </a:pPr>
-            <a:r>
-              <a:rPr b="1" lang="en" sz="2200">
-                <a:solidFill>
-                  <a:srgbClr val="FF0000"/>
-                </a:solidFill>
-                <a:latin typeface="Times New Roman"/>
-                <a:ea typeface="Times New Roman"/>
-                <a:cs typeface="Times New Roman"/>
-                <a:sym typeface="Times New Roman"/>
-              </a:rPr>
-              <a:t>Array</a:t>
-            </a:r>
-            <a:r>
-              <a:rPr b="1" lang="en" sz="2200">
-                <a:solidFill>
-                  <a:schemeClr val="dk1"/>
-                </a:solidFill>
-                <a:latin typeface="Times New Roman"/>
-                <a:ea typeface="Times New Roman"/>
-                <a:cs typeface="Times New Roman"/>
-                <a:sym typeface="Times New Roman"/>
-              </a:rPr>
-              <a:t> </a:t>
-            </a:r>
-            <a:r>
-              <a:rPr lang="en" sz="2200">
-                <a:solidFill>
-                  <a:schemeClr val="dk1"/>
-                </a:solidFill>
-                <a:latin typeface="Times New Roman"/>
-                <a:ea typeface="Times New Roman"/>
-                <a:cs typeface="Times New Roman"/>
-                <a:sym typeface="Times New Roman"/>
-              </a:rPr>
-              <a:t>is a data type to store </a:t>
-            </a:r>
-            <a:r>
-              <a:rPr b="1" lang="en" sz="2200" u="sng">
-                <a:solidFill>
-                  <a:schemeClr val="dk1"/>
-                </a:solidFill>
-                <a:latin typeface="Times New Roman"/>
-                <a:ea typeface="Times New Roman"/>
-                <a:cs typeface="Times New Roman"/>
-                <a:sym typeface="Times New Roman"/>
-              </a:rPr>
-              <a:t>ordered</a:t>
-            </a:r>
-            <a:r>
-              <a:rPr b="1" lang="en" sz="2200">
-                <a:solidFill>
-                  <a:schemeClr val="dk1"/>
-                </a:solidFill>
-                <a:latin typeface="Times New Roman"/>
-                <a:ea typeface="Times New Roman"/>
-                <a:cs typeface="Times New Roman"/>
-                <a:sym typeface="Times New Roman"/>
-              </a:rPr>
-              <a:t> </a:t>
-            </a:r>
-            <a:r>
-              <a:rPr lang="en" sz="2200">
-                <a:solidFill>
-                  <a:schemeClr val="dk1"/>
-                </a:solidFill>
-                <a:latin typeface="Times New Roman"/>
-                <a:ea typeface="Times New Roman"/>
-                <a:cs typeface="Times New Roman"/>
-                <a:sym typeface="Times New Roman"/>
-              </a:rPr>
-              <a:t>values (possibly different).</a:t>
-            </a:r>
-            <a:endParaRPr sz="2200">
+              <a:buClr>
+                <a:schemeClr val="dk1"/>
+              </a:buClr>
+              <a:buFont typeface="Arial"/>
+              <a:buNone/>
+            </a:pPr>
+            <a:r>
+              <a:rPr lang="en" sz="2400">
+                <a:solidFill>
+                  <a:srgbClr val="38761D"/>
+                </a:solidFill>
+                <a:latin typeface="Times New Roman"/>
+                <a:ea typeface="Times New Roman"/>
+                <a:cs typeface="Times New Roman"/>
+                <a:sym typeface="Times New Roman"/>
+              </a:rPr>
+              <a:t>A</a:t>
+            </a:r>
+            <a:r>
+              <a:rPr lang="en" sz="2400">
+                <a:solidFill>
+                  <a:srgbClr val="38761D"/>
+                </a:solidFill>
+                <a:latin typeface="Times New Roman"/>
+                <a:ea typeface="Times New Roman"/>
+                <a:cs typeface="Times New Roman"/>
+                <a:sym typeface="Times New Roman"/>
+              </a:rPr>
+              <a:t>rithmetic</a:t>
+            </a:r>
+            <a:r>
+              <a:rPr lang="en" sz="2400">
+                <a:solidFill>
+                  <a:schemeClr val="dk1"/>
+                </a:solidFill>
+                <a:latin typeface="Times New Roman"/>
+                <a:ea typeface="Times New Roman"/>
+                <a:cs typeface="Times New Roman"/>
+                <a:sym typeface="Times New Roman"/>
+              </a:rPr>
+              <a:t> Operators</a:t>
+            </a:r>
+            <a:endParaRPr sz="2400">
               <a:solidFill>
                 <a:schemeClr val="dk1"/>
               </a:solidFill>
@@ -11302,7 +10864,7 @@
             </a:endParaRPr>
           </a:p>
           <a:p>
-            <a:pPr indent="0" lvl="0" marL="0" rtl="0" algn="ctr">
+            <a:pPr indent="0" lvl="0" marL="3657600" rtl="0" algn="l">
               <a:lnSpc>
                 <a:spcPct val="150000"/>
               </a:lnSpc>
@@ -11312,49 +10874,75 @@
               <a:spcAft>
                 <a:spcPts val="0"/>
               </a:spcAft>
-              <a:buNone/>
-            </a:pPr>
-            <a:r>
-              <a:rPr lang="en" sz="2200">
-                <a:solidFill>
-                  <a:schemeClr val="dk1"/>
-                </a:solidFill>
-                <a:latin typeface="Times New Roman"/>
-                <a:ea typeface="Times New Roman"/>
-                <a:cs typeface="Times New Roman"/>
-                <a:sym typeface="Times New Roman"/>
-              </a:rPr>
-              <a:t>To create an array, use square brackets:</a:t>
-            </a:r>
-            <a:endParaRPr sz="2200">
+              <a:buClr>
+                <a:schemeClr val="dk1"/>
+              </a:buClr>
+              <a:buFont typeface="Arial"/>
+              <a:buNone/>
+            </a:pPr>
+            <a:r>
+              <a:rPr lang="en" sz="1600">
+                <a:solidFill>
+                  <a:schemeClr val="dk1"/>
+                </a:solidFill>
+                <a:latin typeface="Courier New"/>
+                <a:ea typeface="Courier New"/>
+                <a:cs typeface="Courier New"/>
+                <a:sym typeface="Courier New"/>
+              </a:rPr>
+              <a:t>a = 2</a:t>
+            </a:r>
+            <a:r>
+              <a:rPr lang="en" sz="1600">
+                <a:solidFill>
+                  <a:srgbClr val="4F81BD"/>
+                </a:solidFill>
+                <a:latin typeface="Courier New"/>
+                <a:ea typeface="Courier New"/>
+                <a:cs typeface="Courier New"/>
+                <a:sym typeface="Courier New"/>
+              </a:rPr>
+              <a:t> </a:t>
+            </a:r>
+            <a:r>
+              <a:rPr lang="en" sz="1600">
+                <a:solidFill>
+                  <a:srgbClr val="38761D"/>
+                </a:solidFill>
+                <a:latin typeface="Courier New"/>
+                <a:ea typeface="Courier New"/>
+                <a:cs typeface="Courier New"/>
+                <a:sym typeface="Courier New"/>
+              </a:rPr>
+              <a:t>+</a:t>
+            </a:r>
+            <a:r>
+              <a:rPr lang="en" sz="1600">
+                <a:solidFill>
+                  <a:srgbClr val="4F81BD"/>
+                </a:solidFill>
+                <a:latin typeface="Courier New"/>
+                <a:ea typeface="Courier New"/>
+                <a:cs typeface="Courier New"/>
+                <a:sym typeface="Courier New"/>
+              </a:rPr>
+              <a:t> </a:t>
+            </a:r>
+            <a:r>
+              <a:rPr lang="en" sz="1600">
+                <a:solidFill>
+                  <a:schemeClr val="dk1"/>
+                </a:solidFill>
+                <a:latin typeface="Courier New"/>
+                <a:ea typeface="Courier New"/>
+                <a:cs typeface="Courier New"/>
+                <a:sym typeface="Courier New"/>
+              </a:rPr>
+              <a:t>3;</a:t>
+            </a:r>
+            <a:endParaRPr sz="1600">
               <a:solidFill>
                 <a:schemeClr val="dk1"/>
-              </a:solidFill>
-              <a:latin typeface="Times New Roman"/>
-              <a:ea typeface="Times New Roman"/>
-              <a:cs typeface="Times New Roman"/>
-              <a:sym typeface="Times New Roman"/>
-            </a:endParaRPr>
-          </a:p>
-          <a:p>
-            <a:pPr indent="0" lvl="0" marL="0" rtl="0" algn="l">
-              <a:lnSpc>
-                <a:spcPct val="150000"/>
-              </a:lnSpc>
-              <a:spcBef>
-                <a:spcPts val="0"/>
-              </a:spcBef>
-              <a:spcAft>
-                <a:spcPts val="0"/>
-              </a:spcAft>
-              <a:buNone/>
-            </a:pPr>
-            <a:r>
-              <a:t/>
-            </a:r>
-            <a:endParaRPr sz="2200">
-              <a:solidFill>
-                <a:srgbClr val="4F81BD"/>
               </a:solidFill>
               <a:latin typeface="Courier New"/>
               <a:ea typeface="Courier New"/>
@@ -11363,7 +10951,7 @@
             </a:endParaRPr>
           </a:p>
           <a:p>
-            <a:pPr indent="0" lvl="0" marL="0" rtl="0" algn="l">
+            <a:pPr indent="0" lvl="0" marL="3657600" rtl="0" algn="l">
               <a:lnSpc>
                 <a:spcPct val="150000"/>
               </a:lnSpc>
@@ -11373,14 +10961,171 @@
               <a:spcAft>
                 <a:spcPts val="0"/>
               </a:spcAft>
-              <a:buNone/>
-            </a:pPr>
-            <a:r>
-              <a:t/>
-            </a:r>
-            <a:endParaRPr sz="2200">
+              <a:buClr>
+                <a:schemeClr val="dk1"/>
+              </a:buClr>
+              <a:buFont typeface="Arial"/>
+              <a:buNone/>
+            </a:pPr>
+            <a:r>
+              <a:rPr lang="en" sz="1600">
+                <a:solidFill>
+                  <a:schemeClr val="dk1"/>
+                </a:solidFill>
+                <a:latin typeface="Courier New"/>
+                <a:ea typeface="Courier New"/>
+                <a:cs typeface="Courier New"/>
+                <a:sym typeface="Courier New"/>
+              </a:rPr>
+              <a:t>b = 4</a:t>
+            </a:r>
+            <a:r>
+              <a:rPr lang="en" sz="1600">
+                <a:solidFill>
+                  <a:srgbClr val="4F81BD"/>
+                </a:solidFill>
+                <a:latin typeface="Courier New"/>
+                <a:ea typeface="Courier New"/>
+                <a:cs typeface="Courier New"/>
+                <a:sym typeface="Courier New"/>
+              </a:rPr>
+              <a:t> </a:t>
+            </a:r>
+            <a:r>
+              <a:rPr lang="en" sz="1600">
+                <a:solidFill>
+                  <a:srgbClr val="38761D"/>
+                </a:solidFill>
+                <a:latin typeface="Courier New"/>
+                <a:ea typeface="Courier New"/>
+                <a:cs typeface="Courier New"/>
+                <a:sym typeface="Courier New"/>
+              </a:rPr>
+              <a:t>*</a:t>
+            </a:r>
+            <a:r>
+              <a:rPr lang="en" sz="1600">
+                <a:solidFill>
+                  <a:srgbClr val="4F81BD"/>
+                </a:solidFill>
+                <a:latin typeface="Courier New"/>
+                <a:ea typeface="Courier New"/>
+                <a:cs typeface="Courier New"/>
+                <a:sym typeface="Courier New"/>
+              </a:rPr>
+              <a:t> </a:t>
+            </a:r>
+            <a:r>
+              <a:rPr lang="en" sz="1600">
+                <a:solidFill>
+                  <a:schemeClr val="dk1"/>
+                </a:solidFill>
+                <a:latin typeface="Courier New"/>
+                <a:ea typeface="Courier New"/>
+                <a:cs typeface="Courier New"/>
+                <a:sym typeface="Courier New"/>
+              </a:rPr>
+              <a:t>5</a:t>
+            </a:r>
+            <a:r>
+              <a:rPr lang="en" sz="1600">
+                <a:solidFill>
+                  <a:srgbClr val="4F81BD"/>
+                </a:solidFill>
+                <a:latin typeface="Courier New"/>
+                <a:ea typeface="Courier New"/>
+                <a:cs typeface="Courier New"/>
+                <a:sym typeface="Courier New"/>
+              </a:rPr>
+              <a:t> </a:t>
+            </a:r>
+            <a:r>
+              <a:rPr lang="en" sz="1600">
+                <a:solidFill>
+                  <a:srgbClr val="38761D"/>
+                </a:solidFill>
+                <a:latin typeface="Courier New"/>
+                <a:ea typeface="Courier New"/>
+                <a:cs typeface="Courier New"/>
+                <a:sym typeface="Courier New"/>
+              </a:rPr>
+              <a:t>/</a:t>
+            </a:r>
+            <a:r>
+              <a:rPr lang="en" sz="1600">
+                <a:solidFill>
+                  <a:srgbClr val="4F81BD"/>
+                </a:solidFill>
+                <a:latin typeface="Courier New"/>
+                <a:ea typeface="Courier New"/>
+                <a:cs typeface="Courier New"/>
+                <a:sym typeface="Courier New"/>
+              </a:rPr>
+              <a:t> </a:t>
+            </a:r>
+            <a:r>
+              <a:rPr lang="en" sz="1600">
+                <a:solidFill>
+                  <a:schemeClr val="dk1"/>
+                </a:solidFill>
+                <a:latin typeface="Courier New"/>
+                <a:ea typeface="Courier New"/>
+                <a:cs typeface="Courier New"/>
+                <a:sym typeface="Courier New"/>
+              </a:rPr>
+              <a:t>2</a:t>
+            </a:r>
+            <a:r>
+              <a:rPr lang="en" sz="1600">
+                <a:solidFill>
+                  <a:srgbClr val="4F81BD"/>
+                </a:solidFill>
+                <a:latin typeface="Courier New"/>
+                <a:ea typeface="Courier New"/>
+                <a:cs typeface="Courier New"/>
+                <a:sym typeface="Courier New"/>
+              </a:rPr>
+              <a:t> </a:t>
+            </a:r>
+            <a:r>
+              <a:rPr lang="en" sz="1600">
+                <a:solidFill>
+                  <a:srgbClr val="38761D"/>
+                </a:solidFill>
+                <a:latin typeface="Courier New"/>
+                <a:ea typeface="Courier New"/>
+                <a:cs typeface="Courier New"/>
+                <a:sym typeface="Courier New"/>
+              </a:rPr>
+              <a:t>-</a:t>
+            </a:r>
+            <a:r>
+              <a:rPr lang="en" sz="1600">
+                <a:solidFill>
+                  <a:srgbClr val="4F81BD"/>
+                </a:solidFill>
+                <a:latin typeface="Courier New"/>
+                <a:ea typeface="Courier New"/>
+                <a:cs typeface="Courier New"/>
+                <a:sym typeface="Courier New"/>
+              </a:rPr>
+              <a:t> </a:t>
+            </a:r>
+            <a:r>
+              <a:rPr lang="en" sz="1600">
+                <a:solidFill>
+                  <a:schemeClr val="dk1"/>
+                </a:solidFill>
+                <a:latin typeface="Courier New"/>
+                <a:ea typeface="Courier New"/>
+                <a:cs typeface="Courier New"/>
+                <a:sym typeface="Courier New"/>
+              </a:rPr>
+              <a:t>1;</a:t>
+            </a:r>
+            <a:endParaRPr sz="1600">
               <a:solidFill>
-                <a:srgbClr val="4F81BD"/>
+                <a:schemeClr val="dk1"/>
               </a:solidFill>
               <a:latin typeface="Courier New"/>
               <a:ea typeface="Courier New"/>
@@ -11389,7 +11134,7 @@
             </a:endParaRPr>
           </a:p>
           <a:p>
-            <a:pPr indent="0" lvl="0" marL="0" rtl="0" algn="ctr">
+            <a:pPr indent="0" lvl="0" marL="3657600" rtl="0" algn="l">
               <a:lnSpc>
                 <a:spcPct val="150000"/>
               </a:lnSpc>
@@ -11399,10 +11144,14 @@
               <a:spcAft>
                 <a:spcPts val="0"/>
               </a:spcAft>
-              <a:buNone/>
-            </a:pPr>
-            <a:r>
-              <a:rPr lang="en" sz="2200">
+              <a:buClr>
+                <a:schemeClr val="dk1"/>
+              </a:buClr>
+              <a:buFont typeface="Arial"/>
+              <a:buNone/>
+            </a:pPr>
+            <a:r>
+              <a:rPr lang="en" sz="1600">
                 <a:solidFill>
                   <a:schemeClr val="dk1"/>
                 </a:solidFill>
@@ -11411,12 +11160,201 @@
                 <a:cs typeface="Courier New"/>
                 <a:sym typeface="Courier New"/>
               </a:rPr>
-              <a:t>const array = ["David Malan", "Harvard CS 50", 2024]</a:t>
-            </a:r>
-            <a:endParaRPr sz="2200">
+              <a:t>x = "Hello";</a:t>
+            </a:r>
+            <a:endParaRPr sz="1600">
               <a:solidFill>
                 <a:schemeClr val="dk1"/>
               </a:solidFill>
+              <a:latin typeface="Courier New"/>
+              <a:ea typeface="Courier New"/>
+              <a:cs typeface="Courier New"/>
+              <a:sym typeface="Courier New"/>
+            </a:endParaRPr>
+          </a:p>
+          <a:p>
+            <a:pPr indent="0" lvl="0" marL="3657600" rtl="0" algn="l">
+              <a:lnSpc>
+                <a:spcPct val="150000"/>
+              </a:lnSpc>
+              <a:spcBef>
+                <a:spcPts val="0"/>
+              </a:spcBef>
+              <a:spcAft>
+                <a:spcPts val="0"/>
+              </a:spcAft>
+              <a:buClr>
+                <a:schemeClr val="dk1"/>
+              </a:buClr>
+              <a:buFont typeface="Arial"/>
+              <a:buNone/>
+            </a:pPr>
+            <a:r>
+              <a:rPr lang="en" sz="1600">
+                <a:solidFill>
+                  <a:schemeClr val="dk1"/>
+                </a:solidFill>
+                <a:latin typeface="Courier New"/>
+                <a:ea typeface="Courier New"/>
+                <a:cs typeface="Courier New"/>
+                <a:sym typeface="Courier New"/>
+              </a:rPr>
+              <a:t>y = "World";</a:t>
+            </a:r>
+            <a:endParaRPr sz="1600">
+              <a:solidFill>
+                <a:schemeClr val="dk1"/>
+              </a:solidFill>
+              <a:latin typeface="Courier New"/>
+              <a:ea typeface="Courier New"/>
+              <a:cs typeface="Courier New"/>
+              <a:sym typeface="Courier New"/>
+            </a:endParaRPr>
+          </a:p>
+          <a:p>
+            <a:pPr indent="0" lvl="0" marL="3657600" rtl="0" algn="l">
+              <a:lnSpc>
+                <a:spcPct val="150000"/>
+              </a:lnSpc>
+              <a:spcBef>
+                <a:spcPts val="0"/>
+              </a:spcBef>
+              <a:spcAft>
+                <a:spcPts val="0"/>
+              </a:spcAft>
+              <a:buClr>
+                <a:schemeClr val="dk1"/>
+              </a:buClr>
+              <a:buFont typeface="Arial"/>
+              <a:buNone/>
+            </a:pPr>
+            <a:r>
+              <a:rPr lang="en" sz="1600">
+                <a:solidFill>
+                  <a:schemeClr val="dk1"/>
+                </a:solidFill>
+                <a:latin typeface="Courier New"/>
+                <a:ea typeface="Courier New"/>
+                <a:cs typeface="Courier New"/>
+                <a:sym typeface="Courier New"/>
+              </a:rPr>
+              <a:t>z = x</a:t>
+            </a:r>
+            <a:r>
+              <a:rPr lang="en" sz="1600">
+                <a:solidFill>
+                  <a:srgbClr val="4F81BD"/>
+                </a:solidFill>
+                <a:latin typeface="Courier New"/>
+                <a:ea typeface="Courier New"/>
+                <a:cs typeface="Courier New"/>
+                <a:sym typeface="Courier New"/>
+              </a:rPr>
+              <a:t> </a:t>
+            </a:r>
+            <a:r>
+              <a:rPr lang="en" sz="1600">
+                <a:solidFill>
+                  <a:srgbClr val="38761D"/>
+                </a:solidFill>
+                <a:latin typeface="Courier New"/>
+                <a:ea typeface="Courier New"/>
+                <a:cs typeface="Courier New"/>
+                <a:sym typeface="Courier New"/>
+              </a:rPr>
+              <a:t>+</a:t>
+            </a:r>
+            <a:r>
+              <a:rPr lang="en" sz="1600">
+                <a:solidFill>
+                  <a:srgbClr val="4F81BD"/>
+                </a:solidFill>
+                <a:latin typeface="Courier New"/>
+                <a:ea typeface="Courier New"/>
+                <a:cs typeface="Courier New"/>
+                <a:sym typeface="Courier New"/>
+              </a:rPr>
+              <a:t> </a:t>
+            </a:r>
+            <a:r>
+              <a:rPr lang="en" sz="1600">
+                <a:solidFill>
+                  <a:schemeClr val="dk1"/>
+                </a:solidFill>
+                <a:latin typeface="Courier New"/>
+                <a:ea typeface="Courier New"/>
+                <a:cs typeface="Courier New"/>
+                <a:sym typeface="Courier New"/>
+              </a:rPr>
+              <a:t>y</a:t>
+            </a:r>
+            <a:r>
+              <a:rPr lang="en" sz="1600">
+                <a:solidFill>
+                  <a:srgbClr val="4F81BD"/>
+                </a:solidFill>
+                <a:latin typeface="Courier New"/>
+                <a:ea typeface="Courier New"/>
+                <a:cs typeface="Courier New"/>
+                <a:sym typeface="Courier New"/>
+              </a:rPr>
+              <a:t>;</a:t>
+            </a:r>
+            <a:endParaRPr sz="2400">
+              <a:solidFill>
+                <a:schemeClr val="dk1"/>
+              </a:solidFill>
+              <a:latin typeface="Courier New"/>
+              <a:ea typeface="Courier New"/>
+              <a:cs typeface="Courier New"/>
+              <a:sym typeface="Courier New"/>
+            </a:endParaRPr>
+          </a:p>
+        </p:txBody>
+      </p:sp>
+      <p:sp>
+        <p:nvSpPr>
+          <p:cNvPr id="145" name="Google Shape;145;p26"/>
+          <p:cNvSpPr txBox="1"/>
+          <p:nvPr>
+            <p:ph type="title"/>
+          </p:nvPr>
+        </p:nvSpPr>
+        <p:spPr>
+          <a:xfrm>
+            <a:off x="0" y="0"/>
+            <a:ext cx="9144000" cy="572700"/>
+          </a:xfrm>
+          <a:prstGeom prst="rect">
+            <a:avLst/>
+          </a:prstGeom>
+        </p:spPr>
+        <p:txBody>
+          <a:bodyPr anchorCtr="0" anchor="t" bIns="91425" lIns="91425" spcFirstLastPara="1" rIns="91425" wrap="square" tIns="91425">
+            <a:noAutofit/>
+          </a:bodyPr>
+          <a:lstStyle/>
+          <a:p>
+            <a:pPr indent="0" lvl="0" marL="0" rtl="0" algn="l">
+              <a:spcBef>
+                <a:spcPts val="0"/>
+              </a:spcBef>
+              <a:spcAft>
+                <a:spcPts val="0"/>
+              </a:spcAft>
+              <a:buSzPts val="990"/>
+              <a:buNone/>
+            </a:pPr>
+            <a:r>
+              <a:rPr b="1" lang="en" sz="3020">
+                <a:latin typeface="Times New Roman"/>
+                <a:ea typeface="Times New Roman"/>
+                <a:cs typeface="Times New Roman"/>
+                <a:sym typeface="Times New Roman"/>
+              </a:rPr>
+              <a:t>Operators</a:t>
+            </a:r>
+            <a:endParaRPr b="1" sz="3020">
               <a:latin typeface="Times New Roman"/>
               <a:ea typeface="Times New Roman"/>
               <a:cs typeface="Times New Roman"/>
@@ -11427,7 +11365,7 @@
       </p:sp>
       <p:sp>
         <p:nvSpPr>
-          <p:cNvPr id="145" name="Google Shape;145;p26"/>
+          <p:cNvPr id="146" name="Google Shape;146;p26"/>
           <p:cNvSpPr/>
           <p:nvPr/>
         </p:nvSpPr>
@@ -11469,63 +11407,12 @@
                 <a:cs typeface="Times New Roman"/>
                 <a:sym typeface="Times New Roman"/>
               </a:rPr>
-              <a:t>example-9.html</a:t>
+              <a:t>example-8.html</a:t>
             </a:r>
             <a:endParaRPr b="1">
               <a:solidFill>
                 <a:schemeClr val="dk1"/>
               </a:solidFill>
-              <a:latin typeface="Times New Roman"/>
-              <a:ea typeface="Times New Roman"/>
-              <a:cs typeface="Times New Roman"/>
-              <a:sym typeface="Times New Roman"/>
-            </a:endParaRPr>
-          </a:p>
-        </p:txBody>
-      </p:sp>
-      <p:sp>
-        <p:nvSpPr>
-          <p:cNvPr id="146" name="Google Shape;146;p26"/>
-          <p:cNvSpPr txBox="1"/>
-          <p:nvPr>
-            <p:ph type="title"/>
-          </p:nvPr>
-        </p:nvSpPr>
-        <p:spPr>
-          <a:xfrm>
-            <a:off x="0" y="0"/>
-            <a:ext cx="9144000" cy="572700"/>
-          </a:xfrm>
-          <a:prstGeom prst="rect">
-            <a:avLst/>
-          </a:prstGeom>
-        </p:spPr>
-        <p:txBody>
-          <a:bodyPr anchorCtr="0" anchor="t" bIns="91425" lIns="91425" spcFirstLastPara="1" rIns="91425" wrap="square" tIns="91425">
-            <a:noAutofit/>
-          </a:bodyPr>
-          <a:lstStyle/>
-          <a:p>
-            <a:pPr indent="0" lvl="0" marL="0" rtl="0" algn="l">
-              <a:spcBef>
-                <a:spcPts val="0"/>
-              </a:spcBef>
-              <a:spcAft>
-                <a:spcPts val="0"/>
-              </a:spcAft>
-              <a:buSzPts val="990"/>
-              <a:buNone/>
-            </a:pPr>
-            <a:r>
-              <a:rPr b="1" lang="en" sz="3020">
-                <a:latin typeface="Times New Roman"/>
-                <a:ea typeface="Times New Roman"/>
-                <a:cs typeface="Times New Roman"/>
-                <a:sym typeface="Times New Roman"/>
-              </a:rPr>
-              <a:t>Arrays</a:t>
-            </a:r>
-            <a:endParaRPr b="1" sz="3020">
               <a:latin typeface="Times New Roman"/>
               <a:ea typeface="Times New Roman"/>
               <a:cs typeface="Times New Roman"/>
@@ -11577,7 +11464,7 @@
           </a:prstGeom>
         </p:spPr>
         <p:txBody>
-          <a:bodyPr anchorCtr="0" anchor="t" bIns="91425" lIns="91425" spcFirstLastPara="1" rIns="91425" wrap="square" tIns="91425">
+          <a:bodyPr anchorCtr="0" anchor="ctr" bIns="91425" lIns="91425" spcFirstLastPara="1" rIns="91425" wrap="square" tIns="91425">
             <a:noAutofit/>
           </a:bodyPr>
           <a:lstStyle/>
@@ -11595,42 +11482,30 @@
               <a:buNone/>
             </a:pPr>
             <a:r>
-              <a:rPr lang="en" sz="2200">
-                <a:solidFill>
-                  <a:schemeClr val="dk1"/>
-                </a:solidFill>
-                <a:latin typeface="Times New Roman"/>
-                <a:ea typeface="Times New Roman"/>
-                <a:cs typeface="Times New Roman"/>
-                <a:sym typeface="Times New Roman"/>
-              </a:rPr>
-              <a:t>Elements in the array are indexed by numbers (starting from </a:t>
-            </a:r>
-            <a:r>
-              <a:rPr b="1" lang="en" sz="2200">
-                <a:solidFill>
-                  <a:schemeClr val="dk1"/>
-                </a:solidFill>
-                <a:latin typeface="Times New Roman"/>
-                <a:ea typeface="Times New Roman"/>
-                <a:cs typeface="Times New Roman"/>
-                <a:sym typeface="Times New Roman"/>
-              </a:rPr>
-              <a:t>0</a:t>
-            </a:r>
-            <a:r>
-              <a:rPr lang="en" sz="2200">
-                <a:solidFill>
-                  <a:schemeClr val="dk1"/>
-                </a:solidFill>
-                <a:latin typeface="Times New Roman"/>
-                <a:ea typeface="Times New Roman"/>
-                <a:cs typeface="Times New Roman"/>
-                <a:sym typeface="Times New Roman"/>
-              </a:rPr>
-              <a:t>):</a:t>
-            </a:r>
-            <a:endParaRPr sz="2200">
+              <a:rPr lang="en" sz="2400">
+                <a:solidFill>
+                  <a:srgbClr val="1155CC"/>
+                </a:solidFill>
+                <a:latin typeface="Times New Roman"/>
+                <a:ea typeface="Times New Roman"/>
+                <a:cs typeface="Times New Roman"/>
+                <a:sym typeface="Times New Roman"/>
+              </a:rPr>
+              <a:t>Comparison</a:t>
+            </a:r>
+            <a:r>
+              <a:rPr lang="en" sz="2400">
+                <a:solidFill>
+                  <a:schemeClr val="dk1"/>
+                </a:solidFill>
+                <a:latin typeface="Times New Roman"/>
+                <a:ea typeface="Times New Roman"/>
+                <a:cs typeface="Times New Roman"/>
+                <a:sym typeface="Times New Roman"/>
+              </a:rPr>
+              <a:t> Operators</a:t>
+            </a:r>
+            <a:endParaRPr sz="2400">
               <a:solidFill>
                 <a:schemeClr val="dk1"/>
               </a:solidFill>
@@ -11641,7 +11516,7 @@
             </a:endParaRPr>
           </a:p>
           <a:p>
-            <a:pPr indent="0" lvl="0" marL="0" rtl="0" algn="l">
+            <a:pPr indent="0" lvl="0" marL="0" rtl="0" algn="ctr">
               <a:lnSpc>
                 <a:spcPct val="150000"/>
               </a:lnSpc>
@@ -11654,59 +11529,7 @@
               <a:buNone/>
             </a:pPr>
             <a:r>
-              <a:t/>
-            </a:r>
-            <a:endParaRPr sz="2200">
-              <a:solidFill>
-                <a:srgbClr val="4F81BD"/>
-              </a:solidFill>
-              <a:latin typeface="Courier New"/>
-              <a:ea typeface="Courier New"/>
-              <a:cs typeface="Courier New"/>
-              <a:sym typeface="Courier New"/>
-            </a:endParaRPr>
-          </a:p>
-          <a:p>
-            <a:pPr indent="0" lvl="0" marL="0" rtl="0" algn="l">
-              <a:lnSpc>
-                <a:spcPct val="150000"/>
-              </a:lnSpc>
-              <a:spcBef>
-                <a:spcPts val="0"/>
-              </a:spcBef>
-              <a:spcAft>
-                <a:spcPts val="0"/>
-              </a:spcAft>
-              <a:buNone/>
-            </a:pPr>
-            <a:r>
-              <a:t/>
-            </a:r>
-            <a:endParaRPr sz="2200">
-              <a:solidFill>
-                <a:srgbClr val="4F81BD"/>
-              </a:solidFill>
-              <a:latin typeface="Courier New"/>
-              <a:ea typeface="Courier New"/>
-              <a:cs typeface="Courier New"/>
-              <a:sym typeface="Courier New"/>
-            </a:endParaRPr>
-          </a:p>
-          <a:p>
-            <a:pPr indent="0" lvl="0" marL="0" rtl="0" algn="ctr">
-              <a:lnSpc>
-                <a:spcPct val="150000"/>
-              </a:lnSpc>
-              <a:spcBef>
-                <a:spcPts val="0"/>
-              </a:spcBef>
-              <a:spcAft>
-                <a:spcPts val="0"/>
-              </a:spcAft>
-              <a:buNone/>
-            </a:pPr>
-            <a:r>
-              <a:rPr lang="en" sz="2600">
+              <a:rPr lang="en" sz="2400">
                 <a:solidFill>
                   <a:schemeClr val="dk1"/>
                 </a:solidFill>
@@ -11715,9 +11538,153 @@
                 <a:cs typeface="Courier New"/>
                 <a:sym typeface="Courier New"/>
               </a:rPr>
-              <a:t>let x = array[0] // x stores "David Malan"</a:t>
-            </a:r>
-            <a:endParaRPr sz="2600">
+              <a:t>a</a:t>
+            </a:r>
+            <a:r>
+              <a:rPr lang="en" sz="2400">
+                <a:solidFill>
+                  <a:srgbClr val="4F81BD"/>
+                </a:solidFill>
+                <a:latin typeface="Courier New"/>
+                <a:ea typeface="Courier New"/>
+                <a:cs typeface="Courier New"/>
+                <a:sym typeface="Courier New"/>
+              </a:rPr>
+              <a:t> </a:t>
+            </a:r>
+            <a:r>
+              <a:rPr lang="en" sz="2400">
+                <a:solidFill>
+                  <a:srgbClr val="1155CC"/>
+                </a:solidFill>
+                <a:latin typeface="Courier New"/>
+                <a:ea typeface="Courier New"/>
+                <a:cs typeface="Courier New"/>
+                <a:sym typeface="Courier New"/>
+              </a:rPr>
+              <a:t>&gt;</a:t>
+            </a:r>
+            <a:r>
+              <a:rPr lang="en" sz="2400">
+                <a:solidFill>
+                  <a:srgbClr val="4F81BD"/>
+                </a:solidFill>
+                <a:latin typeface="Courier New"/>
+                <a:ea typeface="Courier New"/>
+                <a:cs typeface="Courier New"/>
+                <a:sym typeface="Courier New"/>
+              </a:rPr>
+              <a:t> </a:t>
+            </a:r>
+            <a:r>
+              <a:rPr lang="en" sz="2400">
+                <a:solidFill>
+                  <a:schemeClr val="dk1"/>
+                </a:solidFill>
+                <a:latin typeface="Courier New"/>
+                <a:ea typeface="Courier New"/>
+                <a:cs typeface="Courier New"/>
+                <a:sym typeface="Courier New"/>
+              </a:rPr>
+              <a:t>0; a</a:t>
+            </a:r>
+            <a:r>
+              <a:rPr lang="en" sz="2400">
+                <a:solidFill>
+                  <a:srgbClr val="4F81BD"/>
+                </a:solidFill>
+                <a:latin typeface="Courier New"/>
+                <a:ea typeface="Courier New"/>
+                <a:cs typeface="Courier New"/>
+                <a:sym typeface="Courier New"/>
+              </a:rPr>
+              <a:t> </a:t>
+            </a:r>
+            <a:r>
+              <a:rPr lang="en" sz="2400">
+                <a:solidFill>
+                  <a:srgbClr val="1155CC"/>
+                </a:solidFill>
+                <a:latin typeface="Courier New"/>
+                <a:ea typeface="Courier New"/>
+                <a:cs typeface="Courier New"/>
+                <a:sym typeface="Courier New"/>
+              </a:rPr>
+              <a:t>&lt;</a:t>
+            </a:r>
+            <a:r>
+              <a:rPr lang="en" sz="2400">
+                <a:solidFill>
+                  <a:srgbClr val="4F81BD"/>
+                </a:solidFill>
+                <a:latin typeface="Courier New"/>
+                <a:ea typeface="Courier New"/>
+                <a:cs typeface="Courier New"/>
+                <a:sym typeface="Courier New"/>
+              </a:rPr>
+              <a:t> </a:t>
+            </a:r>
+            <a:r>
+              <a:rPr lang="en" sz="2400">
+                <a:solidFill>
+                  <a:schemeClr val="dk1"/>
+                </a:solidFill>
+                <a:latin typeface="Courier New"/>
+                <a:ea typeface="Courier New"/>
+                <a:cs typeface="Courier New"/>
+                <a:sym typeface="Courier New"/>
+              </a:rPr>
+              <a:t>0; a</a:t>
+            </a:r>
+            <a:r>
+              <a:rPr lang="en" sz="2400">
+                <a:solidFill>
+                  <a:srgbClr val="4F81BD"/>
+                </a:solidFill>
+                <a:latin typeface="Courier New"/>
+                <a:ea typeface="Courier New"/>
+                <a:cs typeface="Courier New"/>
+                <a:sym typeface="Courier New"/>
+              </a:rPr>
+              <a:t> </a:t>
+            </a:r>
+            <a:r>
+              <a:rPr lang="en" sz="2400">
+                <a:solidFill>
+                  <a:srgbClr val="1155CC"/>
+                </a:solidFill>
+                <a:latin typeface="Courier New"/>
+                <a:ea typeface="Courier New"/>
+                <a:cs typeface="Courier New"/>
+                <a:sym typeface="Courier New"/>
+              </a:rPr>
+              <a:t>==</a:t>
+            </a:r>
+            <a:r>
+              <a:rPr lang="en" sz="2400">
+                <a:solidFill>
+                  <a:srgbClr val="4F81BD"/>
+                </a:solidFill>
+                <a:latin typeface="Courier New"/>
+                <a:ea typeface="Courier New"/>
+                <a:cs typeface="Courier New"/>
+                <a:sym typeface="Courier New"/>
+              </a:rPr>
+              <a:t> </a:t>
+            </a:r>
+            <a:r>
+              <a:rPr lang="en" sz="2400">
+                <a:solidFill>
+                  <a:schemeClr val="dk1"/>
+                </a:solidFill>
+                <a:latin typeface="Courier New"/>
+                <a:ea typeface="Courier New"/>
+                <a:cs typeface="Courier New"/>
+                <a:sym typeface="Courier New"/>
+              </a:rPr>
+              <a:t>0;</a:t>
+            </a:r>
+            <a:endParaRPr sz="2400">
               <a:solidFill>
                 <a:schemeClr val="dk1"/>
               </a:solidFill>
@@ -11769,7 +11736,7 @@
                 <a:cs typeface="Times New Roman"/>
                 <a:sym typeface="Times New Roman"/>
               </a:rPr>
-              <a:t>Arrays</a:t>
+              <a:t>Operators</a:t>
             </a:r>
             <a:endParaRPr b="1" sz="3020">
               <a:latin typeface="Times New Roman"/>
@@ -11824,7 +11791,7 @@
                 <a:cs typeface="Times New Roman"/>
                 <a:sym typeface="Times New Roman"/>
               </a:rPr>
-              <a:t>example-9.html</a:t>
+              <a:t>example-8.html</a:t>
             </a:r>
             <a:endParaRPr b="1">
               <a:solidFill>
@@ -11886,7 +11853,7 @@
           </a:bodyPr>
           <a:lstStyle/>
           <a:p>
-            <a:pPr indent="0" lvl="0" marL="0" rtl="0" algn="l">
+            <a:pPr indent="0" lvl="0" marL="0" rtl="0" algn="ctr">
               <a:lnSpc>
                 <a:spcPct val="150000"/>
               </a:lnSpc>
@@ -11899,6 +11866,30 @@
               <a:buNone/>
             </a:pPr>
             <a:r>
+              <a:rPr b="1" lang="en" sz="2200">
+                <a:solidFill>
+                  <a:srgbClr val="FF0000"/>
+                </a:solidFill>
+                <a:latin typeface="Times New Roman"/>
+                <a:ea typeface="Times New Roman"/>
+                <a:cs typeface="Times New Roman"/>
+                <a:sym typeface="Times New Roman"/>
+              </a:rPr>
+              <a:t>Array</a:t>
+            </a:r>
+            <a:r>
+              <a:rPr b="1" lang="en" sz="2200">
+                <a:solidFill>
+                  <a:schemeClr val="dk1"/>
+                </a:solidFill>
+                <a:latin typeface="Times New Roman"/>
+                <a:ea typeface="Times New Roman"/>
+                <a:cs typeface="Times New Roman"/>
+                <a:sym typeface="Times New Roman"/>
+              </a:rPr>
+              <a:t> </a:t>
+            </a:r>
+            <a:r>
               <a:rPr lang="en" sz="2200">
                 <a:solidFill>
                   <a:schemeClr val="dk1"/>
@@ -11908,7 +11899,43 @@
                 <a:cs typeface="Times New Roman"/>
                 <a:sym typeface="Times New Roman"/>
               </a:rPr>
-              <a:t>Changing values in the array:</a:t>
+              <a:t>is a data type to store </a:t>
+            </a:r>
+            <a:r>
+              <a:rPr b="1" lang="en" sz="2200" u="sng">
+                <a:solidFill>
+                  <a:schemeClr val="dk1"/>
+                </a:solidFill>
+                <a:latin typeface="Times New Roman"/>
+                <a:ea typeface="Times New Roman"/>
+                <a:cs typeface="Times New Roman"/>
+                <a:sym typeface="Times New Roman"/>
+              </a:rPr>
+              <a:t>ordered</a:t>
+            </a:r>
+            <a:r>
+              <a:rPr b="1" lang="en" sz="2200">
+                <a:solidFill>
+                  <a:schemeClr val="dk1"/>
+                </a:solidFill>
+                <a:latin typeface="Times New Roman"/>
+                <a:ea typeface="Times New Roman"/>
+                <a:cs typeface="Times New Roman"/>
+                <a:sym typeface="Times New Roman"/>
+              </a:rPr>
+              <a:t> </a:t>
+            </a:r>
+            <a:r>
+              <a:rPr lang="en" sz="2200">
+                <a:solidFill>
+                  <a:schemeClr val="dk1"/>
+                </a:solidFill>
+                <a:latin typeface="Times New Roman"/>
+                <a:ea typeface="Times New Roman"/>
+                <a:cs typeface="Times New Roman"/>
+                <a:sym typeface="Times New Roman"/>
+              </a:rPr>
+              <a:t>values (possibly different).</a:t>
             </a:r>
             <a:endParaRPr sz="2200">
               <a:solidFill>
@@ -11921,7 +11948,7 @@
             </a:endParaRPr>
           </a:p>
           <a:p>
-            <a:pPr indent="0" lvl="0" marL="0" rtl="0" algn="l">
+            <a:pPr indent="0" lvl="0" marL="0" rtl="0" algn="ctr">
               <a:lnSpc>
                 <a:spcPct val="150000"/>
               </a:lnSpc>
@@ -11934,11 +11961,46 @@
               <a:buNone/>
             </a:pPr>
             <a:r>
-              <a:t/>
-            </a:r>
-            <a:endParaRPr sz="3000">
+              <a:rPr lang="en" sz="2200">
+                <a:solidFill>
+                  <a:schemeClr val="dk1"/>
+                </a:solidFill>
+                <a:latin typeface="Times New Roman"/>
+                <a:ea typeface="Times New Roman"/>
+                <a:cs typeface="Times New Roman"/>
+                <a:sym typeface="Times New Roman"/>
+              </a:rPr>
+              <a:t>To create an array, use square brackets:</a:t>
+            </a:r>
+            <a:endParaRPr sz="2200">
               <a:solidFill>
                 <a:schemeClr val="dk1"/>
+              </a:solidFill>
+              <a:latin typeface="Times New Roman"/>
+              <a:ea typeface="Times New Roman"/>
+              <a:cs typeface="Times New Roman"/>
+              <a:sym typeface="Times New Roman"/>
+            </a:endParaRPr>
+          </a:p>
+          <a:p>
+            <a:pPr indent="0" lvl="0" marL="0" rtl="0" algn="l">
+              <a:lnSpc>
+                <a:spcPct val="150000"/>
+              </a:lnSpc>
+              <a:spcBef>
+                <a:spcPts val="0"/>
+              </a:spcBef>
+              <a:spcAft>
+                <a:spcPts val="0"/>
+              </a:spcAft>
+              <a:buNone/>
+            </a:pPr>
+            <a:r>
+              <a:t/>
+            </a:r>
+            <a:endParaRPr sz="2200">
+              <a:solidFill>
+                <a:srgbClr val="4F81BD"/>
               </a:solidFill>
               <a:latin typeface="Courier New"/>
               <a:ea typeface="Courier New"/>
@@ -11960,20 +12022,11 @@
               <a:buNone/>
             </a:pPr>
             <a:r>
-              <a:rPr lang="en" sz="2200">
-                <a:solidFill>
-                  <a:schemeClr val="dk1"/>
-                </a:solidFill>
-                <a:latin typeface="Courier New"/>
-                <a:ea typeface="Courier New"/>
-                <a:cs typeface="Courier New"/>
-                <a:sym typeface="Courier New"/>
-              </a:rPr>
-              <a:t>array[0] = "David J Malan"</a:t>
+              <a:t/>
             </a:r>
             <a:endParaRPr sz="2200">
               <a:solidFill>
-                <a:schemeClr val="dk1"/>
+                <a:srgbClr val="4F81BD"/>
               </a:solidFill>
               <a:latin typeface="Courier New"/>
               <a:ea typeface="Courier New"/>
@@ -11982,7 +12035,7 @@
             </a:endParaRPr>
           </a:p>
           <a:p>
-            <a:pPr indent="0" lvl="0" marL="0" rtl="0" algn="l">
+            <a:pPr indent="0" lvl="0" marL="0" rtl="0" algn="ctr">
               <a:lnSpc>
                 <a:spcPct val="150000"/>
               </a:lnSpc>
@@ -12004,16 +12057,16 @@
                 <a:cs typeface="Courier New"/>
                 <a:sym typeface="Courier New"/>
               </a:rPr>
-              <a:t>//array = ["David J Malan", "Harvard CS 50", 2024]</a:t>
+              <a:t>const array = ["David Malan", "Harvard CS 50", 2024]</a:t>
             </a:r>
             <a:endParaRPr sz="2200">
               <a:solidFill>
                 <a:schemeClr val="dk1"/>
               </a:solidFill>
-              <a:latin typeface="Courier New"/>
-              <a:ea typeface="Courier New"/>
-              <a:cs typeface="Courier New"/>
-              <a:sym typeface="Courier New"/>
+              <a:latin typeface="Times New Roman"/>
+              <a:ea typeface="Times New Roman"/>
+              <a:cs typeface="Times New Roman"/>
+              <a:sym typeface="Times New Roman"/>
             </a:endParaRPr>
           </a:p>
         </p:txBody>
@@ -12021,57 +12074,6 @@
       <p:sp>
         <p:nvSpPr>
           <p:cNvPr id="159" name="Google Shape;159;p28"/>
-          <p:cNvSpPr txBox="1"/>
-          <p:nvPr>
-            <p:ph type="title"/>
-          </p:nvPr>
-        </p:nvSpPr>
-        <p:spPr>
-          <a:xfrm>
-            <a:off x="0" y="0"/>
-            <a:ext cx="9144000" cy="572700"/>
-          </a:xfrm>
-          <a:prstGeom prst="rect">
-            <a:avLst/>
-          </a:prstGeom>
-        </p:spPr>
-        <p:txBody>
-          <a:bodyPr anchorCtr="0" anchor="t" bIns="91425" lIns="91425" spcFirstLastPara="1" rIns="91425" wrap="square" tIns="91425">
-            <a:noAutofit/>
-          </a:bodyPr>
-          <a:lstStyle/>
-          <a:p>
-            <a:pPr indent="0" lvl="0" marL="0" rtl="0" algn="l">
-              <a:spcBef>
-                <a:spcPts val="0"/>
-              </a:spcBef>
-              <a:spcAft>
-                <a:spcPts val="0"/>
-              </a:spcAft>
-              <a:buSzPts val="990"/>
-              <a:buNone/>
-            </a:pPr>
-            <a:r>
-              <a:rPr b="1" lang="en" sz="3020">
-                <a:latin typeface="Times New Roman"/>
-                <a:ea typeface="Times New Roman"/>
-                <a:cs typeface="Times New Roman"/>
-                <a:sym typeface="Times New Roman"/>
-              </a:rPr>
-              <a:t>Arrays</a:t>
-            </a:r>
-            <a:endParaRPr b="1" sz="3020">
-              <a:latin typeface="Times New Roman"/>
-              <a:ea typeface="Times New Roman"/>
-              <a:cs typeface="Times New Roman"/>
-              <a:sym typeface="Times New Roman"/>
-            </a:endParaRPr>
-          </a:p>
-        </p:txBody>
-      </p:sp>
-      <p:sp>
-        <p:nvSpPr>
-          <p:cNvPr id="160" name="Google Shape;160;p28"/>
           <p:cNvSpPr/>
           <p:nvPr/>
         </p:nvSpPr>
@@ -12119,6 +12121,57 @@
               <a:solidFill>
                 <a:schemeClr val="dk1"/>
               </a:solidFill>
+              <a:latin typeface="Times New Roman"/>
+              <a:ea typeface="Times New Roman"/>
+              <a:cs typeface="Times New Roman"/>
+              <a:sym typeface="Times New Roman"/>
+            </a:endParaRPr>
+          </a:p>
+        </p:txBody>
+      </p:sp>
+      <p:sp>
+        <p:nvSpPr>
+          <p:cNvPr id="160" name="Google Shape;160;p28"/>
+          <p:cNvSpPr txBox="1"/>
+          <p:nvPr>
+            <p:ph type="title"/>
+          </p:nvPr>
+        </p:nvSpPr>
+        <p:spPr>
+          <a:xfrm>
+            <a:off x="0" y="0"/>
+            <a:ext cx="9144000" cy="572700"/>
+          </a:xfrm>
+          <a:prstGeom prst="rect">
+            <a:avLst/>
+          </a:prstGeom>
+        </p:spPr>
+        <p:txBody>
+          <a:bodyPr anchorCtr="0" anchor="t" bIns="91425" lIns="91425" spcFirstLastPara="1" rIns="91425" wrap="square" tIns="91425">
+            <a:noAutofit/>
+          </a:bodyPr>
+          <a:lstStyle/>
+          <a:p>
+            <a:pPr indent="0" lvl="0" marL="0" rtl="0" algn="l">
+              <a:spcBef>
+                <a:spcPts val="0"/>
+              </a:spcBef>
+              <a:spcAft>
+                <a:spcPts val="0"/>
+              </a:spcAft>
+              <a:buSzPts val="990"/>
+              <a:buNone/>
+            </a:pPr>
+            <a:r>
+              <a:rPr b="1" lang="en" sz="3020">
+                <a:latin typeface="Times New Roman"/>
+                <a:ea typeface="Times New Roman"/>
+                <a:cs typeface="Times New Roman"/>
+                <a:sym typeface="Times New Roman"/>
+              </a:rPr>
+              <a:t>Arrays</a:t>
+            </a:r>
+            <a:endParaRPr b="1" sz="3020">
               <a:latin typeface="Times New Roman"/>
               <a:ea typeface="Times New Roman"/>
               <a:cs typeface="Times New Roman"/>
@@ -12175,7 +12228,7 @@
           </a:bodyPr>
           <a:lstStyle/>
           <a:p>
-            <a:pPr indent="0" lvl="0" marL="0" rtl="0" algn="l">
+            <a:pPr indent="0" lvl="0" marL="0" rtl="0" algn="ctr">
               <a:lnSpc>
                 <a:spcPct val="150000"/>
               </a:lnSpc>
@@ -12197,7 +12250,19 @@
                 <a:cs typeface="Times New Roman"/>
                 <a:sym typeface="Times New Roman"/>
               </a:rPr>
-              <a:t>Adding new element </a:t>
+              <a:t>Elements in the array are indexed by numbers (starting from </a:t>
+            </a:r>
+            <a:r>
+              <a:rPr b="1" lang="en" sz="2200">
+                <a:solidFill>
+                  <a:schemeClr val="dk1"/>
+                </a:solidFill>
+                <a:latin typeface="Times New Roman"/>
+                <a:ea typeface="Times New Roman"/>
+                <a:cs typeface="Times New Roman"/>
+                <a:sym typeface="Times New Roman"/>
+              </a:rPr>
+              <a:t>0</a:t>
             </a:r>
             <a:r>
               <a:rPr lang="en" sz="2200">
@@ -12209,7 +12274,7 @@
                 <a:cs typeface="Times New Roman"/>
                 <a:sym typeface="Times New Roman"/>
               </a:rPr>
-              <a:t>in the array:</a:t>
+              <a:t>):</a:t>
             </a:r>
             <a:endParaRPr sz="2200">
               <a:solidFill>
@@ -12237,9 +12302,9 @@
             <a:r>
               <a:t/>
             </a:r>
-            <a:endParaRPr sz="2400">
+            <a:endParaRPr sz="2200">
               <a:solidFill>
-                <a:schemeClr val="dk1"/>
+                <a:srgbClr val="4F81BD"/>
               </a:solidFill>
               <a:latin typeface="Courier New"/>
               <a:ea typeface="Courier New"/>
@@ -12261,45 +12326,11 @@
               <a:buNone/>
             </a:pPr>
             <a:r>
-              <a:rPr lang="en" sz="2400">
-                <a:solidFill>
-                  <a:schemeClr val="dk1"/>
-                </a:solidFill>
-                <a:latin typeface="Courier New"/>
-                <a:ea typeface="Courier New"/>
-                <a:cs typeface="Courier New"/>
-                <a:sym typeface="Courier New"/>
-              </a:rPr>
-              <a:t>array.push("</a:t>
-            </a:r>
-            <a:r>
-              <a:rPr lang="en" sz="2400" u="sng">
-                <a:solidFill>
-                  <a:schemeClr val="hlink"/>
-                </a:solidFill>
-                <a:latin typeface="Courier New"/>
-                <a:ea typeface="Courier New"/>
-                <a:cs typeface="Courier New"/>
-                <a:sym typeface="Courier New"/>
-                <a:hlinkClick r:id="rId3"/>
-              </a:rPr>
-              <a:t>https://www.youtube.com/watch?v=4vU4aEFmTSo&amp;list=PLhQjrBD2T381WAHyx1pq-sBfykqMBI7V4&amp;index=3</a:t>
-            </a:r>
-            <a:r>
-              <a:rPr lang="en" sz="2400">
-                <a:solidFill>
-                  <a:schemeClr val="dk1"/>
-                </a:solidFill>
-                <a:latin typeface="Courier New"/>
-                <a:ea typeface="Courier New"/>
-                <a:cs typeface="Courier New"/>
-                <a:sym typeface="Courier New"/>
-              </a:rPr>
-              <a:t>");</a:t>
-            </a:r>
-            <a:endParaRPr sz="2400">
+              <a:t/>
+            </a:r>
+            <a:endParaRPr sz="2200">
               <a:solidFill>
-                <a:schemeClr val="dk1"/>
+                <a:srgbClr val="4F81BD"/>
               </a:solidFill>
               <a:latin typeface="Courier New"/>
               <a:ea typeface="Courier New"/>
@@ -12308,7 +12339,7 @@
             </a:endParaRPr>
           </a:p>
           <a:p>
-            <a:pPr indent="0" lvl="0" marL="0" rtl="0" algn="l">
+            <a:pPr indent="0" lvl="0" marL="0" rtl="0" algn="ctr">
               <a:lnSpc>
                 <a:spcPct val="150000"/>
               </a:lnSpc>
@@ -12321,42 +12352,7 @@
               <a:buNone/>
             </a:pPr>
             <a:r>
-              <a:rPr lang="en" sz="2400">
-                <a:solidFill>
-                  <a:schemeClr val="dk1"/>
-                </a:solidFill>
-                <a:latin typeface="Times New Roman"/>
-                <a:ea typeface="Times New Roman"/>
-                <a:cs typeface="Times New Roman"/>
-                <a:sym typeface="Times New Roman"/>
-              </a:rPr>
-              <a:t>or</a:t>
-            </a:r>
-            <a:endParaRPr sz="2400">
-              <a:solidFill>
-                <a:schemeClr val="dk1"/>
-              </a:solidFill>
-              <a:latin typeface="Times New Roman"/>
-              <a:ea typeface="Times New Roman"/>
-              <a:cs typeface="Times New Roman"/>
-              <a:sym typeface="Times New Roman"/>
-            </a:endParaRPr>
-          </a:p>
-          <a:p>
-            <a:pPr indent="0" lvl="0" marL="0" rtl="0" algn="l">
-              <a:lnSpc>
-                <a:spcPct val="150000"/>
-              </a:lnSpc>
-              <a:spcBef>
-                <a:spcPts val="0"/>
-              </a:spcBef>
-              <a:spcAft>
-                <a:spcPts val="0"/>
-              </a:spcAft>
-              <a:buNone/>
-            </a:pPr>
-            <a:r>
-              <a:rPr lang="en" sz="2400">
+              <a:rPr lang="en" sz="2600">
                 <a:solidFill>
                   <a:schemeClr val="dk1"/>
                 </a:solidFill>
@@ -12365,9 +12361,9 @@
                 <a:cs typeface="Courier New"/>
                 <a:sym typeface="Courier New"/>
               </a:rPr>
-              <a:t>array[7] = "12 Lectures"</a:t>
-            </a:r>
-            <a:endParaRPr sz="2400">
+              <a:t>let x = array[0] // x stores "David Malan"</a:t>
+            </a:r>
+            <a:endParaRPr sz="2600">
               <a:solidFill>
                 <a:schemeClr val="dk1"/>
               </a:solidFill>
@@ -12558,7 +12554,7 @@
                 <a:cs typeface="Times New Roman"/>
                 <a:sym typeface="Times New Roman"/>
               </a:rPr>
-              <a:t>The number of elements:</a:t>
+              <a:t>Changing values in the array:</a:t>
             </a:r>
             <a:endParaRPr sz="2200">
               <a:solidFill>
@@ -12586,6 +12582,41 @@
             <a:r>
               <a:t/>
             </a:r>
+            <a:endParaRPr sz="3000">
+              <a:solidFill>
+                <a:schemeClr val="dk1"/>
+              </a:solidFill>
+              <a:latin typeface="Courier New"/>
+              <a:ea typeface="Courier New"/>
+              <a:cs typeface="Courier New"/>
+              <a:sym typeface="Courier New"/>
+            </a:endParaRPr>
+          </a:p>
+          <a:p>
+            <a:pPr indent="0" lvl="0" marL="0" rtl="0" algn="l">
+              <a:lnSpc>
+                <a:spcPct val="150000"/>
+              </a:lnSpc>
+              <a:spcBef>
+                <a:spcPts val="0"/>
+              </a:spcBef>
+              <a:spcAft>
+                <a:spcPts val="0"/>
+              </a:spcAft>
+              <a:buNone/>
+            </a:pPr>
+            <a:r>
+              <a:rPr lang="en" sz="2200">
+                <a:solidFill>
+                  <a:schemeClr val="dk1"/>
+                </a:solidFill>
+                <a:latin typeface="Courier New"/>
+                <a:ea typeface="Courier New"/>
+                <a:cs typeface="Courier New"/>
+                <a:sym typeface="Courier New"/>
+              </a:rPr>
+              <a:t>array[0] = "David J Malan"</a:t>
+            </a:r>
             <a:endParaRPr sz="2200">
               <a:solidFill>
                 <a:schemeClr val="dk1"/>
@@ -12597,7 +12628,7 @@
             </a:endParaRPr>
           </a:p>
           <a:p>
-            <a:pPr indent="0" lvl="0" marL="0" rtl="0" algn="ctr">
+            <a:pPr indent="0" lvl="0" marL="0" rtl="0" algn="l">
               <a:lnSpc>
                 <a:spcPct val="150000"/>
               </a:lnSpc>
@@ -12610,7 +12641,7 @@
               <a:buNone/>
             </a:pPr>
             <a:r>
-              <a:rPr lang="en" sz="3000">
+              <a:rPr lang="en" sz="2200">
                 <a:solidFill>
                   <a:schemeClr val="dk1"/>
                 </a:solidFill>
@@ -12619,44 +12650,9 @@
                 <a:cs typeface="Courier New"/>
                 <a:sym typeface="Courier New"/>
               </a:rPr>
-              <a:t>let n = array.length</a:t>
-            </a:r>
-            <a:endParaRPr sz="3000">
-              <a:solidFill>
-                <a:schemeClr val="dk1"/>
-              </a:solidFill>
-              <a:latin typeface="Courier New"/>
-              <a:ea typeface="Courier New"/>
-              <a:cs typeface="Courier New"/>
-              <a:sym typeface="Courier New"/>
-            </a:endParaRPr>
-          </a:p>
-          <a:p>
-            <a:pPr indent="0" lvl="0" marL="0" rtl="0" algn="ctr">
-              <a:lnSpc>
-                <a:spcPct val="150000"/>
-              </a:lnSpc>
-              <a:spcBef>
-                <a:spcPts val="0"/>
-              </a:spcBef>
-              <a:spcAft>
-                <a:spcPts val="0"/>
-              </a:spcAft>
-              <a:buNone/>
-            </a:pPr>
-            <a:r>
-              <a:rPr lang="en" sz="3000">
-                <a:solidFill>
-                  <a:schemeClr val="dk1"/>
-                </a:solidFill>
-                <a:latin typeface="Courier New"/>
-                <a:ea typeface="Courier New"/>
-                <a:cs typeface="Courier New"/>
-                <a:sym typeface="Courier New"/>
-              </a:rPr>
-              <a:t>const k = array[n -1]</a:t>
-            </a:r>
-            <a:endParaRPr sz="3000">
+              <a:t>//array = ["David J Malan", "Harvard CS 50", 2024]</a:t>
+            </a:r>
+            <a:endParaRPr sz="2200">
               <a:solidFill>
                 <a:schemeClr val="dk1"/>
               </a:solidFill>
@@ -12838,7 +12834,28 @@
               <a:buNone/>
             </a:pPr>
             <a:r>
-              <a:t/>
+              <a:rPr lang="en" sz="2200">
+                <a:solidFill>
+                  <a:schemeClr val="dk1"/>
+                </a:solidFill>
+                <a:latin typeface="Times New Roman"/>
+                <a:ea typeface="Times New Roman"/>
+                <a:cs typeface="Times New Roman"/>
+                <a:sym typeface="Times New Roman"/>
+              </a:rPr>
+              <a:t>Adding new element </a:t>
+            </a:r>
+            <a:r>
+              <a:rPr lang="en" sz="2200">
+                <a:solidFill>
+                  <a:schemeClr val="dk1"/>
+                </a:solidFill>
+                <a:latin typeface="Times New Roman"/>
+                <a:ea typeface="Times New Roman"/>
+                <a:cs typeface="Times New Roman"/>
+                <a:sym typeface="Times New Roman"/>
+              </a:rPr>
+              <a:t>in the array:</a:t>
             </a:r>
             <a:endParaRPr sz="2200">
               <a:solidFill>
@@ -12848,6 +12865,162 @@
               <a:ea typeface="Times New Roman"/>
               <a:cs typeface="Times New Roman"/>
               <a:sym typeface="Times New Roman"/>
+            </a:endParaRPr>
+          </a:p>
+          <a:p>
+            <a:pPr indent="0" lvl="0" marL="0" rtl="0" algn="l">
+              <a:lnSpc>
+                <a:spcPct val="150000"/>
+              </a:lnSpc>
+              <a:spcBef>
+                <a:spcPts val="0"/>
+              </a:spcBef>
+              <a:spcAft>
+                <a:spcPts val="0"/>
+              </a:spcAft>
+              <a:buNone/>
+            </a:pPr>
+            <a:r>
+              <a:t/>
+            </a:r>
+            <a:endParaRPr sz="2400">
+              <a:solidFill>
+                <a:schemeClr val="dk1"/>
+              </a:solidFill>
+              <a:latin typeface="Courier New"/>
+              <a:ea typeface="Courier New"/>
+              <a:cs typeface="Courier New"/>
+              <a:sym typeface="Courier New"/>
+            </a:endParaRPr>
+          </a:p>
+          <a:p>
+            <a:pPr indent="0" lvl="0" marL="0" rtl="0" algn="l">
+              <a:lnSpc>
+                <a:spcPct val="150000"/>
+              </a:lnSpc>
+              <a:spcBef>
+                <a:spcPts val="0"/>
+              </a:spcBef>
+              <a:spcAft>
+                <a:spcPts val="0"/>
+              </a:spcAft>
+              <a:buNone/>
+            </a:pPr>
+            <a:r>
+              <a:rPr lang="en" sz="2400">
+                <a:solidFill>
+                  <a:schemeClr val="dk1"/>
+                </a:solidFill>
+                <a:latin typeface="Courier New"/>
+                <a:ea typeface="Courier New"/>
+                <a:cs typeface="Courier New"/>
+                <a:sym typeface="Courier New"/>
+              </a:rPr>
+              <a:t>array.push("</a:t>
+            </a:r>
+            <a:r>
+              <a:rPr lang="en" sz="2400" u="sng">
+                <a:solidFill>
+                  <a:schemeClr val="hlink"/>
+                </a:solidFill>
+                <a:latin typeface="Courier New"/>
+                <a:ea typeface="Courier New"/>
+                <a:cs typeface="Courier New"/>
+                <a:sym typeface="Courier New"/>
+                <a:hlinkClick r:id="rId3"/>
+              </a:rPr>
+              <a:t>https://www.youtube.com/watch?v=4vU4aEFmTSo&amp;list=PLhQjrBD2T381WAHyx1pq-sBfykqMBI7V4&amp;index=3</a:t>
+            </a:r>
+            <a:r>
+              <a:rPr lang="en" sz="2400">
+                <a:solidFill>
+                  <a:schemeClr val="dk1"/>
+                </a:solidFill>
+                <a:latin typeface="Courier New"/>
+                <a:ea typeface="Courier New"/>
+                <a:cs typeface="Courier New"/>
+                <a:sym typeface="Courier New"/>
+              </a:rPr>
+              <a:t>");</a:t>
+            </a:r>
+            <a:endParaRPr sz="2400">
+              <a:solidFill>
+                <a:schemeClr val="dk1"/>
+              </a:solidFill>
+              <a:latin typeface="Courier New"/>
+              <a:ea typeface="Courier New"/>
+              <a:cs typeface="Courier New"/>
+              <a:sym typeface="Courier New"/>
+            </a:endParaRPr>
+          </a:p>
+          <a:p>
+            <a:pPr indent="0" lvl="0" marL="0" rtl="0" algn="l">
+              <a:lnSpc>
+                <a:spcPct val="150000"/>
+              </a:lnSpc>
+              <a:spcBef>
+                <a:spcPts val="0"/>
+              </a:spcBef>
+              <a:spcAft>
+                <a:spcPts val="0"/>
+              </a:spcAft>
+              <a:buNone/>
+            </a:pPr>
+            <a:r>
+              <a:rPr lang="en" sz="2400">
+                <a:solidFill>
+                  <a:schemeClr val="dk1"/>
+                </a:solidFill>
+                <a:latin typeface="Times New Roman"/>
+                <a:ea typeface="Times New Roman"/>
+                <a:cs typeface="Times New Roman"/>
+                <a:sym typeface="Times New Roman"/>
+              </a:rPr>
+              <a:t>or</a:t>
+            </a:r>
+            <a:endParaRPr sz="2400">
+              <a:solidFill>
+                <a:schemeClr val="dk1"/>
+              </a:solidFill>
+              <a:latin typeface="Times New Roman"/>
+              <a:ea typeface="Times New Roman"/>
+              <a:cs typeface="Times New Roman"/>
+              <a:sym typeface="Times New Roman"/>
+            </a:endParaRPr>
+          </a:p>
+          <a:p>
+            <a:pPr indent="0" lvl="0" marL="0" rtl="0" algn="l">
+              <a:lnSpc>
+                <a:spcPct val="150000"/>
+              </a:lnSpc>
+              <a:spcBef>
+                <a:spcPts val="0"/>
+              </a:spcBef>
+              <a:spcAft>
+                <a:spcPts val="0"/>
+              </a:spcAft>
+              <a:buNone/>
+            </a:pPr>
+            <a:r>
+              <a:rPr lang="en" sz="2400">
+                <a:solidFill>
+                  <a:schemeClr val="dk1"/>
+                </a:solidFill>
+                <a:latin typeface="Courier New"/>
+                <a:ea typeface="Courier New"/>
+                <a:cs typeface="Courier New"/>
+                <a:sym typeface="Courier New"/>
+              </a:rPr>
+              <a:t>array[7] = "12 Lectures"</a:t>
+            </a:r>
+            <a:endParaRPr sz="2400">
+              <a:solidFill>
+                <a:schemeClr val="dk1"/>
+              </a:solidFill>
+              <a:latin typeface="Courier New"/>
+              <a:ea typeface="Courier New"/>
+              <a:cs typeface="Courier New"/>
+              <a:sym typeface="Courier New"/>
             </a:endParaRPr>
           </a:p>
         </p:txBody>
@@ -12892,7 +13065,7 @@
                 <a:cs typeface="Times New Roman"/>
                 <a:sym typeface="Times New Roman"/>
               </a:rPr>
-              <a:t>Objects</a:t>
+              <a:t>Arrays</a:t>
             </a:r>
             <a:endParaRPr b="1" sz="3020">
               <a:latin typeface="Times New Roman"/>
@@ -12947,7 +13120,7 @@
                 <a:cs typeface="Times New Roman"/>
                 <a:sym typeface="Times New Roman"/>
               </a:rPr>
-              <a:t>https://www.w3schools.com/js/js_objects.asp</a:t>
+              <a:t>example-9.html</a:t>
             </a:r>
             <a:endParaRPr b="1">
               <a:solidFill>
@@ -12961,33 +13134,6 @@
           </a:p>
         </p:txBody>
       </p:sp>
-      <p:pic>
-        <p:nvPicPr>
-          <p:cNvPr id="182" name="Google Shape;182;p31"/>
-          <p:cNvPicPr preferRelativeResize="0"/>
-          <p:nvPr/>
-        </p:nvPicPr>
-        <p:blipFill rotWithShape="1">
-          <a:blip r:embed="rId3">
-            <a:alphaModFix/>
-          </a:blip>
-          <a:srcRect b="-6224" l="0" r="-462" t="0"/>
-          <a:stretch/>
-        </p:blipFill>
-        <p:spPr>
-          <a:xfrm>
-            <a:off x="3" y="572701"/>
-            <a:ext cx="9143998" cy="4062250"/>
-          </a:xfrm>
-          <a:prstGeom prst="rect">
-            <a:avLst/>
-          </a:prstGeom>
-          <a:noFill/>
-          <a:ln>
-            <a:noFill/>
-          </a:ln>
-        </p:spPr>
-      </p:pic>
     </p:spTree>
   </p:cSld>
   <p:clrMapOvr>
@@ -13001,7 +13147,7 @@
   <p:cSld>
     <p:spTree>
       <p:nvGrpSpPr>
-        <p:cNvPr id="186" name="Shape 186"/>
+        <p:cNvPr id="185" name="Shape 185"/>
         <p:cNvGrpSpPr/>
         <p:nvPr/>
       </p:nvGrpSpPr>
@@ -13015,7 +13161,7 @@
       </p:grpSpPr>
       <p:sp>
         <p:nvSpPr>
-          <p:cNvPr id="187" name="Google Shape;187;p32"/>
+          <p:cNvPr id="186" name="Google Shape;186;p32"/>
           <p:cNvSpPr txBox="1"/>
           <p:nvPr>
             <p:ph idx="1" type="body"/>
@@ -13036,7 +13182,7 @@
           </a:bodyPr>
           <a:lstStyle/>
           <a:p>
-            <a:pPr indent="0" lvl="0" marL="0" rtl="0" algn="ctr">
+            <a:pPr indent="0" lvl="0" marL="0" rtl="0" algn="l">
               <a:lnSpc>
                 <a:spcPct val="150000"/>
               </a:lnSpc>
@@ -13049,135 +13195,16 @@
               <a:buNone/>
             </a:pPr>
             <a:r>
-              <a:rPr b="1" lang="en" sz="2400">
-                <a:solidFill>
-                  <a:srgbClr val="FF0000"/>
-                </a:solidFill>
-                <a:latin typeface="Times New Roman"/>
-                <a:ea typeface="Times New Roman"/>
-                <a:cs typeface="Times New Roman"/>
-                <a:sym typeface="Times New Roman"/>
-              </a:rPr>
-              <a:t>C</a:t>
-            </a:r>
-            <a:r>
-              <a:rPr lang="en" sz="2400">
-                <a:solidFill>
-                  <a:schemeClr val="dk1"/>
-                </a:solidFill>
-                <a:latin typeface="Times New Roman"/>
-                <a:ea typeface="Times New Roman"/>
-                <a:cs typeface="Times New Roman"/>
-                <a:sym typeface="Times New Roman"/>
-              </a:rPr>
-              <a:t>omplex data type which stores values by their </a:t>
-            </a:r>
-            <a:r>
-              <a:rPr b="1" lang="en" sz="2400">
-                <a:solidFill>
-                  <a:schemeClr val="dk1"/>
-                </a:solidFill>
-                <a:latin typeface="Times New Roman"/>
-                <a:ea typeface="Times New Roman"/>
-                <a:cs typeface="Times New Roman"/>
-                <a:sym typeface="Times New Roman"/>
-              </a:rPr>
-              <a:t>keys</a:t>
-            </a:r>
-            <a:r>
-              <a:rPr lang="en" sz="2400">
-                <a:solidFill>
-                  <a:schemeClr val="dk1"/>
-                </a:solidFill>
-                <a:latin typeface="Times New Roman"/>
-                <a:ea typeface="Times New Roman"/>
-                <a:cs typeface="Times New Roman"/>
-                <a:sym typeface="Times New Roman"/>
-              </a:rPr>
-              <a:t>.</a:t>
-            </a:r>
-            <a:endParaRPr sz="2400">
-              <a:solidFill>
-                <a:schemeClr val="dk1"/>
-              </a:solidFill>
-              <a:latin typeface="Times New Roman"/>
-              <a:ea typeface="Times New Roman"/>
-              <a:cs typeface="Times New Roman"/>
-              <a:sym typeface="Times New Roman"/>
-            </a:endParaRPr>
-          </a:p>
-          <a:p>
-            <a:pPr indent="0" lvl="0" marL="0" rtl="0" algn="ctr">
-              <a:lnSpc>
-                <a:spcPct val="150000"/>
-              </a:lnSpc>
-              <a:spcBef>
-                <a:spcPts val="0"/>
-              </a:spcBef>
-              <a:spcAft>
-                <a:spcPts val="0"/>
-              </a:spcAft>
-              <a:buNone/>
-            </a:pPr>
-            <a:r>
-              <a:rPr lang="en" sz="2400">
-                <a:solidFill>
-                  <a:schemeClr val="dk1"/>
-                </a:solidFill>
-                <a:latin typeface="Times New Roman"/>
-                <a:ea typeface="Times New Roman"/>
-                <a:cs typeface="Times New Roman"/>
-                <a:sym typeface="Times New Roman"/>
-              </a:rPr>
-              <a:t>The objects may have </a:t>
-            </a:r>
-            <a:r>
-              <a:rPr b="1" lang="en" sz="2400">
-                <a:solidFill>
-                  <a:schemeClr val="dk1"/>
-                </a:solidFill>
-                <a:latin typeface="Times New Roman"/>
-                <a:ea typeface="Times New Roman"/>
-                <a:cs typeface="Times New Roman"/>
-                <a:sym typeface="Times New Roman"/>
-              </a:rPr>
-              <a:t>properties </a:t>
-            </a:r>
-            <a:r>
-              <a:rPr lang="en" sz="2400">
-                <a:solidFill>
-                  <a:schemeClr val="dk1"/>
-                </a:solidFill>
-                <a:latin typeface="Times New Roman"/>
-                <a:ea typeface="Times New Roman"/>
-                <a:cs typeface="Times New Roman"/>
-                <a:sym typeface="Times New Roman"/>
-              </a:rPr>
-              <a:t>and </a:t>
-            </a:r>
-            <a:r>
-              <a:rPr b="1" lang="en" sz="2400">
-                <a:solidFill>
-                  <a:schemeClr val="dk1"/>
-                </a:solidFill>
-                <a:latin typeface="Times New Roman"/>
-                <a:ea typeface="Times New Roman"/>
-                <a:cs typeface="Times New Roman"/>
-                <a:sym typeface="Times New Roman"/>
-              </a:rPr>
-              <a:t>methods</a:t>
-            </a:r>
-            <a:r>
-              <a:rPr lang="en" sz="2400">
-                <a:solidFill>
-                  <a:schemeClr val="dk1"/>
-                </a:solidFill>
-                <a:latin typeface="Times New Roman"/>
-                <a:ea typeface="Times New Roman"/>
-                <a:cs typeface="Times New Roman"/>
-                <a:sym typeface="Times New Roman"/>
-              </a:rPr>
-              <a:t>.</a:t>
+              <a:rPr lang="en" sz="2200">
+                <a:solidFill>
+                  <a:schemeClr val="dk1"/>
+                </a:solidFill>
+                <a:latin typeface="Times New Roman"/>
+                <a:ea typeface="Times New Roman"/>
+                <a:cs typeface="Times New Roman"/>
+                <a:sym typeface="Times New Roman"/>
+              </a:rPr>
+              <a:t>The number of elements:</a:t>
             </a:r>
             <a:endParaRPr sz="2200">
               <a:solidFill>
@@ -13189,11 +13216,107 @@
               <a:sym typeface="Times New Roman"/>
             </a:endParaRPr>
           </a:p>
+          <a:p>
+            <a:pPr indent="0" lvl="0" marL="0" rtl="0" algn="l">
+              <a:lnSpc>
+                <a:spcPct val="150000"/>
+              </a:lnSpc>
+              <a:spcBef>
+                <a:spcPts val="0"/>
+              </a:spcBef>
+              <a:spcAft>
+                <a:spcPts val="0"/>
+              </a:spcAft>
+              <a:buNone/>
+            </a:pPr>
+            <a:r>
+              <a:t/>
+            </a:r>
+            <a:endParaRPr sz="2200">
+              <a:solidFill>
+                <a:schemeClr val="dk1"/>
+              </a:solidFill>
+              <a:latin typeface="Courier New"/>
+              <a:ea typeface="Courier New"/>
+              <a:cs typeface="Courier New"/>
+              <a:sym typeface="Courier New"/>
+            </a:endParaRPr>
+          </a:p>
+          <a:p>
+            <a:pPr indent="0" lvl="0" marL="0" rtl="0" algn="ctr">
+              <a:lnSpc>
+                <a:spcPct val="150000"/>
+              </a:lnSpc>
+              <a:spcBef>
+                <a:spcPts val="0"/>
+              </a:spcBef>
+              <a:spcAft>
+                <a:spcPts val="0"/>
+              </a:spcAft>
+              <a:buNone/>
+            </a:pPr>
+            <a:r>
+              <a:rPr lang="en" sz="3000">
+                <a:solidFill>
+                  <a:schemeClr val="dk1"/>
+                </a:solidFill>
+                <a:latin typeface="Courier New"/>
+                <a:ea typeface="Courier New"/>
+                <a:cs typeface="Courier New"/>
+                <a:sym typeface="Courier New"/>
+              </a:rPr>
+              <a:t>let n = array.length</a:t>
+            </a:r>
+            <a:endParaRPr sz="3000">
+              <a:solidFill>
+                <a:schemeClr val="dk1"/>
+              </a:solidFill>
+              <a:latin typeface="Courier New"/>
+              <a:ea typeface="Courier New"/>
+              <a:cs typeface="Courier New"/>
+              <a:sym typeface="Courier New"/>
+            </a:endParaRPr>
+          </a:p>
+          <a:p>
+            <a:pPr indent="0" lvl="0" marL="0" rtl="0" algn="ctr">
+              <a:lnSpc>
+                <a:spcPct val="150000"/>
+              </a:lnSpc>
+              <a:spcBef>
+                <a:spcPts val="0"/>
+              </a:spcBef>
+              <a:spcAft>
+                <a:spcPts val="0"/>
+              </a:spcAft>
+              <a:buNone/>
+            </a:pPr>
+            <a:r>
+              <a:rPr lang="en" sz="3000">
+                <a:solidFill>
+                  <a:schemeClr val="dk1"/>
+                </a:solidFill>
+                <a:latin typeface="Courier New"/>
+                <a:ea typeface="Courier New"/>
+                <a:cs typeface="Courier New"/>
+                <a:sym typeface="Courier New"/>
+              </a:rPr>
+              <a:t>const k = array[n -1]</a:t>
+            </a:r>
+            <a:endParaRPr sz="3000">
+              <a:solidFill>
+                <a:schemeClr val="dk1"/>
+              </a:solidFill>
+              <a:latin typeface="Courier New"/>
+              <a:ea typeface="Courier New"/>
+              <a:cs typeface="Courier New"/>
+              <a:sym typeface="Courier New"/>
+            </a:endParaRPr>
+          </a:p>
         </p:txBody>
       </p:sp>
       <p:sp>
         <p:nvSpPr>
-          <p:cNvPr id="188" name="Google Shape;188;p32"/>
+          <p:cNvPr id="187" name="Google Shape;187;p32"/>
           <p:cNvSpPr txBox="1"/>
           <p:nvPr>
             <p:ph type="title"/>
@@ -13231,7 +13354,7 @@
                 <a:cs typeface="Times New Roman"/>
                 <a:sym typeface="Times New Roman"/>
               </a:rPr>
-              <a:t>Objects</a:t>
+              <a:t>Arrays</a:t>
             </a:r>
             <a:endParaRPr b="1" sz="3020">
               <a:latin typeface="Times New Roman"/>
@@ -13244,7 +13367,7 @@
       </p:sp>
       <p:sp>
         <p:nvSpPr>
-          <p:cNvPr id="189" name="Google Shape;189;p32"/>
+          <p:cNvPr id="188" name="Google Shape;188;p32"/>
           <p:cNvSpPr/>
           <p:nvPr/>
         </p:nvSpPr>
@@ -13286,7 +13409,7 @@
                 <a:cs typeface="Times New Roman"/>
                 <a:sym typeface="Times New Roman"/>
               </a:rPr>
-              <a:t>https://www.w3schools.com/js/js_objects.asp</a:t>
+              <a:t>example-9.html</a:t>
             </a:r>
             <a:endParaRPr b="1">
               <a:solidFill>
@@ -13300,33 +13423,6 @@
           </a:p>
         </p:txBody>
       </p:sp>
-      <p:pic>
-        <p:nvPicPr>
-          <p:cNvPr id="190" name="Google Shape;190;p32"/>
-          <p:cNvPicPr preferRelativeResize="0"/>
-          <p:nvPr/>
-        </p:nvPicPr>
-        <p:blipFill rotWithShape="1">
-          <a:blip r:embed="rId3">
-            <a:alphaModFix/>
-          </a:blip>
-          <a:srcRect b="0" l="0" r="0" t="0"/>
-          <a:stretch/>
-        </p:blipFill>
-        <p:spPr>
-          <a:xfrm>
-            <a:off x="1505792" y="1893423"/>
-            <a:ext cx="6398313" cy="2687899"/>
-          </a:xfrm>
-          <a:prstGeom prst="rect">
-            <a:avLst/>
-          </a:prstGeom>
-          <a:noFill/>
-          <a:ln>
-            <a:noFill/>
-          </a:ln>
-        </p:spPr>
-      </p:pic>
     </p:spTree>
   </p:cSld>
   <p:clrMapOvr>
@@ -14304,7 +14400,7 @@
   <p:cSld>
     <p:spTree>
       <p:nvGrpSpPr>
-        <p:cNvPr id="194" name="Shape 194"/>
+        <p:cNvPr id="192" name="Shape 192"/>
         <p:cNvGrpSpPr/>
         <p:nvPr/>
       </p:nvGrpSpPr>
@@ -14318,7 +14414,7 @@
       </p:grpSpPr>
       <p:sp>
         <p:nvSpPr>
-          <p:cNvPr id="195" name="Google Shape;195;p33"/>
+          <p:cNvPr id="193" name="Google Shape;193;p33"/>
           <p:cNvSpPr txBox="1"/>
           <p:nvPr>
             <p:ph idx="1" type="body"/>
@@ -14352,90 +14448,9 @@
               <a:buNone/>
             </a:pPr>
             <a:r>
-              <a:rPr lang="en" sz="2400">
-                <a:solidFill>
-                  <a:schemeClr val="dk1"/>
-                </a:solidFill>
-                <a:latin typeface="Times New Roman"/>
-                <a:ea typeface="Times New Roman"/>
-                <a:cs typeface="Times New Roman"/>
-                <a:sym typeface="Times New Roman"/>
-              </a:rPr>
-              <a:t>To create an object, use </a:t>
-            </a:r>
-            <a:r>
-              <a:rPr lang="en" sz="2400">
-                <a:solidFill>
-                  <a:srgbClr val="FF0000"/>
-                </a:solidFill>
-                <a:latin typeface="Times New Roman"/>
-                <a:ea typeface="Times New Roman"/>
-                <a:cs typeface="Times New Roman"/>
-                <a:sym typeface="Times New Roman"/>
-              </a:rPr>
-              <a:t>curly brackets </a:t>
-            </a:r>
-            <a:r>
-              <a:rPr lang="en" sz="2400">
-                <a:solidFill>
-                  <a:schemeClr val="dk1"/>
-                </a:solidFill>
-                <a:latin typeface="Times New Roman"/>
-                <a:ea typeface="Times New Roman"/>
-                <a:cs typeface="Times New Roman"/>
-                <a:sym typeface="Times New Roman"/>
-              </a:rPr>
-              <a:t>and </a:t>
-            </a:r>
-            <a:r>
-              <a:rPr lang="en" sz="2400">
-                <a:solidFill>
-                  <a:srgbClr val="4F81BD"/>
-                </a:solidFill>
-                <a:latin typeface="Times New Roman"/>
-                <a:ea typeface="Times New Roman"/>
-                <a:cs typeface="Times New Roman"/>
-                <a:sym typeface="Times New Roman"/>
-              </a:rPr>
-              <a:t>key</a:t>
-            </a:r>
-            <a:r>
-              <a:rPr lang="en" sz="2400">
-                <a:solidFill>
-                  <a:schemeClr val="dk1"/>
-                </a:solidFill>
-                <a:latin typeface="Times New Roman"/>
-                <a:ea typeface="Times New Roman"/>
-                <a:cs typeface="Times New Roman"/>
-                <a:sym typeface="Times New Roman"/>
-              </a:rPr>
-              <a:t>:</a:t>
-            </a:r>
-            <a:r>
-              <a:rPr lang="en" sz="2400">
-                <a:solidFill>
-                  <a:srgbClr val="76923C"/>
-                </a:solidFill>
-                <a:latin typeface="Times New Roman"/>
-                <a:ea typeface="Times New Roman"/>
-                <a:cs typeface="Times New Roman"/>
-                <a:sym typeface="Times New Roman"/>
-              </a:rPr>
-              <a:t>value</a:t>
-            </a:r>
-            <a:r>
-              <a:rPr lang="en" sz="2400">
-                <a:solidFill>
-                  <a:schemeClr val="dk1"/>
-                </a:solidFill>
-                <a:latin typeface="Times New Roman"/>
-                <a:ea typeface="Times New Roman"/>
-                <a:cs typeface="Times New Roman"/>
-                <a:sym typeface="Times New Roman"/>
-              </a:rPr>
-              <a:t> pairs:</a:t>
-            </a:r>
-            <a:endParaRPr sz="1400">
+              <a:t/>
+            </a:r>
+            <a:endParaRPr sz="2200">
               <a:solidFill>
                 <a:schemeClr val="dk1"/>
               </a:solidFill>
@@ -14445,212 +14460,11 @@
               <a:sym typeface="Times New Roman"/>
             </a:endParaRPr>
           </a:p>
-          <a:p>
-            <a:pPr indent="0" lvl="5" marL="0" rtl="0" algn="l">
-              <a:lnSpc>
-                <a:spcPct val="150000"/>
-              </a:lnSpc>
-              <a:spcBef>
-                <a:spcPts val="0"/>
-              </a:spcBef>
-              <a:spcAft>
-                <a:spcPts val="0"/>
-              </a:spcAft>
-              <a:buNone/>
-            </a:pPr>
-            <a:r>
-              <a:t/>
-            </a:r>
-            <a:endParaRPr sz="2400">
-              <a:solidFill>
-                <a:schemeClr val="dk1"/>
-              </a:solidFill>
-              <a:latin typeface="Courier New"/>
-              <a:ea typeface="Courier New"/>
-              <a:cs typeface="Courier New"/>
-              <a:sym typeface="Courier New"/>
-            </a:endParaRPr>
-          </a:p>
-          <a:p>
-            <a:pPr indent="0" lvl="5" marL="0" rtl="0" algn="l">
-              <a:lnSpc>
-                <a:spcPct val="150000"/>
-              </a:lnSpc>
-              <a:spcBef>
-                <a:spcPts val="0"/>
-              </a:spcBef>
-              <a:spcAft>
-                <a:spcPts val="0"/>
-              </a:spcAft>
-              <a:buNone/>
-            </a:pPr>
-            <a:r>
-              <a:rPr lang="en" sz="2400">
-                <a:solidFill>
-                  <a:schemeClr val="dk1"/>
-                </a:solidFill>
-                <a:latin typeface="Courier New"/>
-                <a:ea typeface="Courier New"/>
-                <a:cs typeface="Courier New"/>
-                <a:sym typeface="Courier New"/>
-              </a:rPr>
-              <a:t>const car =</a:t>
-            </a:r>
-            <a:endParaRPr sz="2400">
-              <a:solidFill>
-                <a:schemeClr val="dk1"/>
-              </a:solidFill>
-              <a:latin typeface="Courier New"/>
-              <a:ea typeface="Courier New"/>
-              <a:cs typeface="Courier New"/>
-              <a:sym typeface="Courier New"/>
-            </a:endParaRPr>
-          </a:p>
-          <a:p>
-            <a:pPr indent="0" lvl="5" marL="0" rtl="0" algn="l">
-              <a:lnSpc>
-                <a:spcPct val="150000"/>
-              </a:lnSpc>
-              <a:spcBef>
-                <a:spcPts val="0"/>
-              </a:spcBef>
-              <a:spcAft>
-                <a:spcPts val="0"/>
-              </a:spcAft>
-              <a:buNone/>
-            </a:pPr>
-            <a:r>
-              <a:rPr lang="en" sz="2400">
-                <a:solidFill>
-                  <a:schemeClr val="dk1"/>
-                </a:solidFill>
-                <a:latin typeface="Courier New"/>
-                <a:ea typeface="Courier New"/>
-                <a:cs typeface="Courier New"/>
-                <a:sym typeface="Courier New"/>
-              </a:rPr>
-              <a:t>{</a:t>
-            </a:r>
-            <a:endParaRPr sz="2400">
-              <a:solidFill>
-                <a:schemeClr val="dk1"/>
-              </a:solidFill>
-              <a:latin typeface="Courier New"/>
-              <a:ea typeface="Courier New"/>
-              <a:cs typeface="Courier New"/>
-              <a:sym typeface="Courier New"/>
-            </a:endParaRPr>
-          </a:p>
-          <a:p>
-            <a:pPr indent="457200" lvl="5" marL="0" rtl="0" algn="l">
-              <a:lnSpc>
-                <a:spcPct val="150000"/>
-              </a:lnSpc>
-              <a:spcBef>
-                <a:spcPts val="0"/>
-              </a:spcBef>
-              <a:spcAft>
-                <a:spcPts val="0"/>
-              </a:spcAft>
-              <a:buNone/>
-            </a:pPr>
-            <a:r>
-              <a:rPr lang="en" sz="2400">
-                <a:solidFill>
-                  <a:schemeClr val="dk1"/>
-                </a:solidFill>
-                <a:latin typeface="Courier New"/>
-                <a:ea typeface="Courier New"/>
-                <a:cs typeface="Courier New"/>
-                <a:sym typeface="Courier New"/>
-              </a:rPr>
-              <a:t>name: "Fiat", 		// note ending comma</a:t>
-            </a:r>
-            <a:endParaRPr sz="2400">
-              <a:solidFill>
-                <a:schemeClr val="dk1"/>
-              </a:solidFill>
-              <a:latin typeface="Courier New"/>
-              <a:ea typeface="Courier New"/>
-              <a:cs typeface="Courier New"/>
-              <a:sym typeface="Courier New"/>
-            </a:endParaRPr>
-          </a:p>
-          <a:p>
-            <a:pPr indent="0" lvl="5" marL="0" rtl="0" algn="l">
-              <a:lnSpc>
-                <a:spcPct val="150000"/>
-              </a:lnSpc>
-              <a:spcBef>
-                <a:spcPts val="0"/>
-              </a:spcBef>
-              <a:spcAft>
-                <a:spcPts val="0"/>
-              </a:spcAft>
-              <a:buNone/>
-            </a:pPr>
-            <a:r>
-              <a:rPr lang="en" sz="2400">
-                <a:solidFill>
-                  <a:schemeClr val="dk1"/>
-                </a:solidFill>
-                <a:latin typeface="Courier New"/>
-                <a:ea typeface="Courier New"/>
-                <a:cs typeface="Courier New"/>
-                <a:sym typeface="Courier New"/>
-              </a:rPr>
-              <a:t>	color: "white"</a:t>
-            </a:r>
-            <a:endParaRPr sz="2400">
-              <a:solidFill>
-                <a:schemeClr val="dk1"/>
-              </a:solidFill>
-              <a:latin typeface="Courier New"/>
-              <a:ea typeface="Courier New"/>
-              <a:cs typeface="Courier New"/>
-              <a:sym typeface="Courier New"/>
-            </a:endParaRPr>
-          </a:p>
-          <a:p>
-            <a:pPr indent="0" lvl="5" marL="0" rtl="0" algn="l">
-              <a:lnSpc>
-                <a:spcPct val="150000"/>
-              </a:lnSpc>
-              <a:spcBef>
-                <a:spcPts val="0"/>
-              </a:spcBef>
-              <a:spcAft>
-                <a:spcPts val="0"/>
-              </a:spcAft>
-              <a:buNone/>
-            </a:pPr>
-            <a:r>
-              <a:rPr lang="en" sz="2400">
-                <a:solidFill>
-                  <a:schemeClr val="dk1"/>
-                </a:solidFill>
-                <a:latin typeface="Courier New"/>
-                <a:ea typeface="Courier New"/>
-                <a:cs typeface="Courier New"/>
-                <a:sym typeface="Courier New"/>
-              </a:rPr>
-              <a:t>}</a:t>
-            </a:r>
-            <a:endParaRPr sz="2400">
-              <a:solidFill>
-                <a:schemeClr val="dk1"/>
-              </a:solidFill>
-              <a:latin typeface="Courier New"/>
-              <a:ea typeface="Courier New"/>
-              <a:cs typeface="Courier New"/>
-              <a:sym typeface="Courier New"/>
-            </a:endParaRPr>
-          </a:p>
         </p:txBody>
       </p:sp>
       <p:sp>
         <p:nvSpPr>
-          <p:cNvPr id="196" name="Google Shape;196;p33"/>
+          <p:cNvPr id="194" name="Google Shape;194;p33"/>
           <p:cNvSpPr txBox="1"/>
           <p:nvPr>
             <p:ph type="title"/>
@@ -14701,7 +14515,7 @@
       </p:sp>
       <p:sp>
         <p:nvSpPr>
-          <p:cNvPr id="197" name="Google Shape;197;p33"/>
+          <p:cNvPr id="195" name="Google Shape;195;p33"/>
           <p:cNvSpPr/>
           <p:nvPr/>
         </p:nvSpPr>
@@ -14757,9 +14571,841 @@
           </a:p>
         </p:txBody>
       </p:sp>
+      <p:pic>
+        <p:nvPicPr>
+          <p:cNvPr id="196" name="Google Shape;196;p33"/>
+          <p:cNvPicPr preferRelativeResize="0"/>
+          <p:nvPr/>
+        </p:nvPicPr>
+        <p:blipFill rotWithShape="1">
+          <a:blip r:embed="rId3">
+            <a:alphaModFix/>
+          </a:blip>
+          <a:srcRect b="-6224" l="0" r="-462" t="0"/>
+          <a:stretch/>
+        </p:blipFill>
+        <p:spPr>
+          <a:xfrm>
+            <a:off x="3" y="572701"/>
+            <a:ext cx="9143998" cy="4062250"/>
+          </a:xfrm>
+          <a:prstGeom prst="rect">
+            <a:avLst/>
+          </a:prstGeom>
+          <a:noFill/>
+          <a:ln>
+            <a:noFill/>
+          </a:ln>
+        </p:spPr>
+      </p:pic>
+    </p:spTree>
+  </p:cSld>
+  <p:clrMapOvr>
+    <a:masterClrMapping/>
+  </p:clrMapOvr>
+</p:sld>
+</file>
+
+<file path=ppt/slides/slide21.xml><?xml version="1.0" encoding="utf-8"?>
+<p:sld xmlns:a="http://schemas.openxmlformats.org/drawingml/2006/main" xmlns:r="http://schemas.openxmlformats.org/officeDocument/2006/relationships" xmlns:mc="http://schemas.openxmlformats.org/markup-compatibility/2006" xmlns:mv="urn:schemas-microsoft-com:mac:vml" xmlns:p="http://schemas.openxmlformats.org/presentationml/2006/main" xmlns:c="http://schemas.openxmlformats.org/drawingml/2006/chart" xmlns:dgm="http://schemas.openxmlformats.org/drawingml/2006/diagram" xmlns:o="urn:schemas-microsoft-com:office:office" xmlns:v="urn:schemas-microsoft-com:vml" xmlns:pvml="urn:schemas-microsoft-com:office:powerpoint" xmlns:com="http://schemas.openxmlformats.org/drawingml/2006/compatibility" xmlns:p14="http://schemas.microsoft.com/office/powerpoint/2010/main" xmlns:p15="http://schemas.microsoft.com/office/powerpoint/2012/main" xmlns:ahyp="http://schemas.microsoft.com/office/drawing/2018/hyperlinkcolor">
+  <p:cSld>
+    <p:spTree>
+      <p:nvGrpSpPr>
+        <p:cNvPr id="200" name="Shape 200"/>
+        <p:cNvGrpSpPr/>
+        <p:nvPr/>
+      </p:nvGrpSpPr>
+      <p:grpSpPr>
+        <a:xfrm>
+          <a:off x="0" y="0"/>
+          <a:ext cx="0" cy="0"/>
+          <a:chOff x="0" y="0"/>
+          <a:chExt cx="0" cy="0"/>
+        </a:xfrm>
+      </p:grpSpPr>
       <p:sp>
         <p:nvSpPr>
-          <p:cNvPr id="198" name="Google Shape;198;p33"/>
+          <p:cNvPr id="201" name="Google Shape;201;p34"/>
+          <p:cNvSpPr txBox="1"/>
+          <p:nvPr>
+            <p:ph idx="1" type="body"/>
+          </p:nvPr>
+        </p:nvSpPr>
+        <p:spPr>
+          <a:xfrm>
+            <a:off x="0" y="572700"/>
+            <a:ext cx="9144000" cy="4570800"/>
+          </a:xfrm>
+          <a:prstGeom prst="rect">
+            <a:avLst/>
+          </a:prstGeom>
+        </p:spPr>
+        <p:txBody>
+          <a:bodyPr anchorCtr="0" anchor="t" bIns="91425" lIns="91425" spcFirstLastPara="1" rIns="91425" wrap="square" tIns="91425">
+            <a:noAutofit/>
+          </a:bodyPr>
+          <a:lstStyle/>
+          <a:p>
+            <a:pPr indent="0" lvl="0" marL="0" rtl="0" algn="ctr">
+              <a:lnSpc>
+                <a:spcPct val="150000"/>
+              </a:lnSpc>
+              <a:spcBef>
+                <a:spcPts val="0"/>
+              </a:spcBef>
+              <a:spcAft>
+                <a:spcPts val="0"/>
+              </a:spcAft>
+              <a:buNone/>
+            </a:pPr>
+            <a:r>
+              <a:rPr b="1" lang="en" sz="2400">
+                <a:solidFill>
+                  <a:srgbClr val="FF0000"/>
+                </a:solidFill>
+                <a:latin typeface="Times New Roman"/>
+                <a:ea typeface="Times New Roman"/>
+                <a:cs typeface="Times New Roman"/>
+                <a:sym typeface="Times New Roman"/>
+              </a:rPr>
+              <a:t>C</a:t>
+            </a:r>
+            <a:r>
+              <a:rPr lang="en" sz="2400">
+                <a:solidFill>
+                  <a:schemeClr val="dk1"/>
+                </a:solidFill>
+                <a:latin typeface="Times New Roman"/>
+                <a:ea typeface="Times New Roman"/>
+                <a:cs typeface="Times New Roman"/>
+                <a:sym typeface="Times New Roman"/>
+              </a:rPr>
+              <a:t>omplex data type which stores values by their </a:t>
+            </a:r>
+            <a:r>
+              <a:rPr b="1" lang="en" sz="2400">
+                <a:solidFill>
+                  <a:schemeClr val="dk1"/>
+                </a:solidFill>
+                <a:latin typeface="Times New Roman"/>
+                <a:ea typeface="Times New Roman"/>
+                <a:cs typeface="Times New Roman"/>
+                <a:sym typeface="Times New Roman"/>
+              </a:rPr>
+              <a:t>keys</a:t>
+            </a:r>
+            <a:r>
+              <a:rPr lang="en" sz="2400">
+                <a:solidFill>
+                  <a:schemeClr val="dk1"/>
+                </a:solidFill>
+                <a:latin typeface="Times New Roman"/>
+                <a:ea typeface="Times New Roman"/>
+                <a:cs typeface="Times New Roman"/>
+                <a:sym typeface="Times New Roman"/>
+              </a:rPr>
+              <a:t>.</a:t>
+            </a:r>
+            <a:endParaRPr sz="2400">
+              <a:solidFill>
+                <a:schemeClr val="dk1"/>
+              </a:solidFill>
+              <a:latin typeface="Times New Roman"/>
+              <a:ea typeface="Times New Roman"/>
+              <a:cs typeface="Times New Roman"/>
+              <a:sym typeface="Times New Roman"/>
+            </a:endParaRPr>
+          </a:p>
+          <a:p>
+            <a:pPr indent="0" lvl="0" marL="0" rtl="0" algn="ctr">
+              <a:lnSpc>
+                <a:spcPct val="150000"/>
+              </a:lnSpc>
+              <a:spcBef>
+                <a:spcPts val="0"/>
+              </a:spcBef>
+              <a:spcAft>
+                <a:spcPts val="0"/>
+              </a:spcAft>
+              <a:buNone/>
+            </a:pPr>
+            <a:r>
+              <a:rPr lang="en" sz="2400">
+                <a:solidFill>
+                  <a:schemeClr val="dk1"/>
+                </a:solidFill>
+                <a:latin typeface="Times New Roman"/>
+                <a:ea typeface="Times New Roman"/>
+                <a:cs typeface="Times New Roman"/>
+                <a:sym typeface="Times New Roman"/>
+              </a:rPr>
+              <a:t>The objects may have </a:t>
+            </a:r>
+            <a:r>
+              <a:rPr b="1" lang="en" sz="2400">
+                <a:solidFill>
+                  <a:schemeClr val="dk1"/>
+                </a:solidFill>
+                <a:latin typeface="Times New Roman"/>
+                <a:ea typeface="Times New Roman"/>
+                <a:cs typeface="Times New Roman"/>
+                <a:sym typeface="Times New Roman"/>
+              </a:rPr>
+              <a:t>properties </a:t>
+            </a:r>
+            <a:r>
+              <a:rPr lang="en" sz="2400">
+                <a:solidFill>
+                  <a:schemeClr val="dk1"/>
+                </a:solidFill>
+                <a:latin typeface="Times New Roman"/>
+                <a:ea typeface="Times New Roman"/>
+                <a:cs typeface="Times New Roman"/>
+                <a:sym typeface="Times New Roman"/>
+              </a:rPr>
+              <a:t>and </a:t>
+            </a:r>
+            <a:r>
+              <a:rPr b="1" lang="en" sz="2400">
+                <a:solidFill>
+                  <a:schemeClr val="dk1"/>
+                </a:solidFill>
+                <a:latin typeface="Times New Roman"/>
+                <a:ea typeface="Times New Roman"/>
+                <a:cs typeface="Times New Roman"/>
+                <a:sym typeface="Times New Roman"/>
+              </a:rPr>
+              <a:t>methods</a:t>
+            </a:r>
+            <a:r>
+              <a:rPr lang="en" sz="2400">
+                <a:solidFill>
+                  <a:schemeClr val="dk1"/>
+                </a:solidFill>
+                <a:latin typeface="Times New Roman"/>
+                <a:ea typeface="Times New Roman"/>
+                <a:cs typeface="Times New Roman"/>
+                <a:sym typeface="Times New Roman"/>
+              </a:rPr>
+              <a:t>.</a:t>
+            </a:r>
+            <a:endParaRPr sz="2200">
+              <a:solidFill>
+                <a:schemeClr val="dk1"/>
+              </a:solidFill>
+              <a:latin typeface="Times New Roman"/>
+              <a:ea typeface="Times New Roman"/>
+              <a:cs typeface="Times New Roman"/>
+              <a:sym typeface="Times New Roman"/>
+            </a:endParaRPr>
+          </a:p>
+        </p:txBody>
+      </p:sp>
+      <p:sp>
+        <p:nvSpPr>
+          <p:cNvPr id="202" name="Google Shape;202;p34"/>
+          <p:cNvSpPr txBox="1"/>
+          <p:nvPr>
+            <p:ph type="title"/>
+          </p:nvPr>
+        </p:nvSpPr>
+        <p:spPr>
+          <a:xfrm>
+            <a:off x="0" y="0"/>
+            <a:ext cx="9144000" cy="572700"/>
+          </a:xfrm>
+          <a:prstGeom prst="rect">
+            <a:avLst/>
+          </a:prstGeom>
+        </p:spPr>
+        <p:txBody>
+          <a:bodyPr anchorCtr="0" anchor="t" bIns="91425" lIns="91425" spcFirstLastPara="1" rIns="91425" wrap="square" tIns="91425">
+            <a:noAutofit/>
+          </a:bodyPr>
+          <a:lstStyle/>
+          <a:p>
+            <a:pPr indent="0" lvl="0" marL="0" rtl="0" algn="l">
+              <a:spcBef>
+                <a:spcPts val="0"/>
+              </a:spcBef>
+              <a:spcAft>
+                <a:spcPts val="0"/>
+              </a:spcAft>
+              <a:buSzPts val="990"/>
+              <a:buNone/>
+            </a:pPr>
+            <a:r>
+              <a:rPr b="1" lang="en" sz="3020">
+                <a:latin typeface="Times New Roman"/>
+                <a:ea typeface="Times New Roman"/>
+                <a:cs typeface="Times New Roman"/>
+                <a:sym typeface="Times New Roman"/>
+              </a:rPr>
+              <a:t>Objects</a:t>
+            </a:r>
+            <a:endParaRPr b="1" sz="3020">
+              <a:latin typeface="Times New Roman"/>
+              <a:ea typeface="Times New Roman"/>
+              <a:cs typeface="Times New Roman"/>
+              <a:sym typeface="Times New Roman"/>
+            </a:endParaRPr>
+          </a:p>
+        </p:txBody>
+      </p:sp>
+      <p:sp>
+        <p:nvSpPr>
+          <p:cNvPr id="203" name="Google Shape;203;p34"/>
+          <p:cNvSpPr/>
+          <p:nvPr/>
+        </p:nvSpPr>
+        <p:spPr>
+          <a:xfrm>
+            <a:off x="0" y="4676700"/>
+            <a:ext cx="9144000" cy="466800"/>
+          </a:xfrm>
+          <a:prstGeom prst="rect">
+            <a:avLst/>
+          </a:prstGeom>
+          <a:noFill/>
+          <a:ln>
+            <a:noFill/>
+          </a:ln>
+        </p:spPr>
+        <p:txBody>
+          <a:bodyPr anchorCtr="0" anchor="ctr" bIns="91425" lIns="91425" spcFirstLastPara="1" rIns="91425" wrap="square" tIns="91425">
+            <a:noAutofit/>
+          </a:bodyPr>
+          <a:lstStyle/>
+          <a:p>
+            <a:pPr indent="0" lvl="0" marL="0" rtl="0" algn="ctr">
+              <a:spcBef>
+                <a:spcPts val="0"/>
+              </a:spcBef>
+              <a:spcAft>
+                <a:spcPts val="0"/>
+              </a:spcAft>
+              <a:buNone/>
+            </a:pPr>
+            <a:r>
+              <a:rPr b="1" lang="en">
+                <a:solidFill>
+                  <a:schemeClr val="dk1"/>
+                </a:solidFill>
+                <a:latin typeface="Times New Roman"/>
+                <a:ea typeface="Times New Roman"/>
+                <a:cs typeface="Times New Roman"/>
+                <a:sym typeface="Times New Roman"/>
+              </a:rPr>
+              <a:t>https://www.w3schools.com/js/js_objects.asp</a:t>
+            </a:r>
+            <a:endParaRPr b="1">
+              <a:solidFill>
+                <a:schemeClr val="dk1"/>
+              </a:solidFill>
+              <a:latin typeface="Times New Roman"/>
+              <a:ea typeface="Times New Roman"/>
+              <a:cs typeface="Times New Roman"/>
+              <a:sym typeface="Times New Roman"/>
+            </a:endParaRPr>
+          </a:p>
+        </p:txBody>
+      </p:sp>
+      <p:pic>
+        <p:nvPicPr>
+          <p:cNvPr id="204" name="Google Shape;204;p34"/>
+          <p:cNvPicPr preferRelativeResize="0"/>
+          <p:nvPr/>
+        </p:nvPicPr>
+        <p:blipFill rotWithShape="1">
+          <a:blip r:embed="rId3">
+            <a:alphaModFix/>
+          </a:blip>
+          <a:srcRect b="0" l="0" r="0" t="0"/>
+          <a:stretch/>
+        </p:blipFill>
+        <p:spPr>
+          <a:xfrm>
+            <a:off x="1505792" y="1893423"/>
+            <a:ext cx="6398313" cy="2687899"/>
+          </a:xfrm>
+          <a:prstGeom prst="rect">
+            <a:avLst/>
+          </a:prstGeom>
+          <a:noFill/>
+          <a:ln>
+            <a:noFill/>
+          </a:ln>
+        </p:spPr>
+      </p:pic>
+    </p:spTree>
+  </p:cSld>
+  <p:clrMapOvr>
+    <a:masterClrMapping/>
+  </p:clrMapOvr>
+</p:sld>
+</file>
+
+<file path=ppt/slides/slide22.xml><?xml version="1.0" encoding="utf-8"?>
+<p:sld xmlns:a="http://schemas.openxmlformats.org/drawingml/2006/main" xmlns:r="http://schemas.openxmlformats.org/officeDocument/2006/relationships" xmlns:mc="http://schemas.openxmlformats.org/markup-compatibility/2006" xmlns:mv="urn:schemas-microsoft-com:mac:vml" xmlns:p="http://schemas.openxmlformats.org/presentationml/2006/main" xmlns:c="http://schemas.openxmlformats.org/drawingml/2006/chart" xmlns:dgm="http://schemas.openxmlformats.org/drawingml/2006/diagram" xmlns:o="urn:schemas-microsoft-com:office:office" xmlns:v="urn:schemas-microsoft-com:vml" xmlns:pvml="urn:schemas-microsoft-com:office:powerpoint" xmlns:com="http://schemas.openxmlformats.org/drawingml/2006/compatibility" xmlns:p14="http://schemas.microsoft.com/office/powerpoint/2010/main" xmlns:p15="http://schemas.microsoft.com/office/powerpoint/2012/main" xmlns:ahyp="http://schemas.microsoft.com/office/drawing/2018/hyperlinkcolor">
+  <p:cSld>
+    <p:spTree>
+      <p:nvGrpSpPr>
+        <p:cNvPr id="208" name="Shape 208"/>
+        <p:cNvGrpSpPr/>
+        <p:nvPr/>
+      </p:nvGrpSpPr>
+      <p:grpSpPr>
+        <a:xfrm>
+          <a:off x="0" y="0"/>
+          <a:ext cx="0" cy="0"/>
+          <a:chOff x="0" y="0"/>
+          <a:chExt cx="0" cy="0"/>
+        </a:xfrm>
+      </p:grpSpPr>
+      <p:sp>
+        <p:nvSpPr>
+          <p:cNvPr id="209" name="Google Shape;209;p35"/>
+          <p:cNvSpPr txBox="1"/>
+          <p:nvPr>
+            <p:ph idx="1" type="body"/>
+          </p:nvPr>
+        </p:nvSpPr>
+        <p:spPr>
+          <a:xfrm>
+            <a:off x="0" y="572700"/>
+            <a:ext cx="9144000" cy="4570800"/>
+          </a:xfrm>
+          <a:prstGeom prst="rect">
+            <a:avLst/>
+          </a:prstGeom>
+        </p:spPr>
+        <p:txBody>
+          <a:bodyPr anchorCtr="0" anchor="t" bIns="91425" lIns="91425" spcFirstLastPara="1" rIns="91425" wrap="square" tIns="91425">
+            <a:noAutofit/>
+          </a:bodyPr>
+          <a:lstStyle/>
+          <a:p>
+            <a:pPr indent="0" lvl="0" marL="0" rtl="0" algn="l">
+              <a:lnSpc>
+                <a:spcPct val="150000"/>
+              </a:lnSpc>
+              <a:spcBef>
+                <a:spcPts val="0"/>
+              </a:spcBef>
+              <a:spcAft>
+                <a:spcPts val="0"/>
+              </a:spcAft>
+              <a:buNone/>
+            </a:pPr>
+            <a:r>
+              <a:rPr lang="en" sz="2400">
+                <a:solidFill>
+                  <a:schemeClr val="dk1"/>
+                </a:solidFill>
+                <a:latin typeface="Times New Roman"/>
+                <a:ea typeface="Times New Roman"/>
+                <a:cs typeface="Times New Roman"/>
+                <a:sym typeface="Times New Roman"/>
+              </a:rPr>
+              <a:t>To create an object, use </a:t>
+            </a:r>
+            <a:r>
+              <a:rPr lang="en" sz="2400">
+                <a:solidFill>
+                  <a:srgbClr val="FF0000"/>
+                </a:solidFill>
+                <a:latin typeface="Times New Roman"/>
+                <a:ea typeface="Times New Roman"/>
+                <a:cs typeface="Times New Roman"/>
+                <a:sym typeface="Times New Roman"/>
+              </a:rPr>
+              <a:t>curly brackets </a:t>
+            </a:r>
+            <a:r>
+              <a:rPr lang="en" sz="2400">
+                <a:solidFill>
+                  <a:schemeClr val="dk1"/>
+                </a:solidFill>
+                <a:latin typeface="Times New Roman"/>
+                <a:ea typeface="Times New Roman"/>
+                <a:cs typeface="Times New Roman"/>
+                <a:sym typeface="Times New Roman"/>
+              </a:rPr>
+              <a:t>and </a:t>
+            </a:r>
+            <a:r>
+              <a:rPr lang="en" sz="2400">
+                <a:solidFill>
+                  <a:srgbClr val="4F81BD"/>
+                </a:solidFill>
+                <a:latin typeface="Times New Roman"/>
+                <a:ea typeface="Times New Roman"/>
+                <a:cs typeface="Times New Roman"/>
+                <a:sym typeface="Times New Roman"/>
+              </a:rPr>
+              <a:t>key</a:t>
+            </a:r>
+            <a:r>
+              <a:rPr lang="en" sz="2400">
+                <a:solidFill>
+                  <a:schemeClr val="dk1"/>
+                </a:solidFill>
+                <a:latin typeface="Times New Roman"/>
+                <a:ea typeface="Times New Roman"/>
+                <a:cs typeface="Times New Roman"/>
+                <a:sym typeface="Times New Roman"/>
+              </a:rPr>
+              <a:t>:</a:t>
+            </a:r>
+            <a:r>
+              <a:rPr lang="en" sz="2400">
+                <a:solidFill>
+                  <a:srgbClr val="76923C"/>
+                </a:solidFill>
+                <a:latin typeface="Times New Roman"/>
+                <a:ea typeface="Times New Roman"/>
+                <a:cs typeface="Times New Roman"/>
+                <a:sym typeface="Times New Roman"/>
+              </a:rPr>
+              <a:t>value</a:t>
+            </a:r>
+            <a:r>
+              <a:rPr lang="en" sz="2400">
+                <a:solidFill>
+                  <a:schemeClr val="dk1"/>
+                </a:solidFill>
+                <a:latin typeface="Times New Roman"/>
+                <a:ea typeface="Times New Roman"/>
+                <a:cs typeface="Times New Roman"/>
+                <a:sym typeface="Times New Roman"/>
+              </a:rPr>
+              <a:t> pairs:</a:t>
+            </a:r>
+            <a:endParaRPr sz="1400">
+              <a:solidFill>
+                <a:schemeClr val="dk1"/>
+              </a:solidFill>
+              <a:latin typeface="Times New Roman"/>
+              <a:ea typeface="Times New Roman"/>
+              <a:cs typeface="Times New Roman"/>
+              <a:sym typeface="Times New Roman"/>
+            </a:endParaRPr>
+          </a:p>
+          <a:p>
+            <a:pPr indent="0" lvl="5" marL="0" rtl="0" algn="l">
+              <a:lnSpc>
+                <a:spcPct val="150000"/>
+              </a:lnSpc>
+              <a:spcBef>
+                <a:spcPts val="0"/>
+              </a:spcBef>
+              <a:spcAft>
+                <a:spcPts val="0"/>
+              </a:spcAft>
+              <a:buNone/>
+            </a:pPr>
+            <a:r>
+              <a:t/>
+            </a:r>
+            <a:endParaRPr sz="2400">
+              <a:solidFill>
+                <a:schemeClr val="dk1"/>
+              </a:solidFill>
+              <a:latin typeface="Courier New"/>
+              <a:ea typeface="Courier New"/>
+              <a:cs typeface="Courier New"/>
+              <a:sym typeface="Courier New"/>
+            </a:endParaRPr>
+          </a:p>
+          <a:p>
+            <a:pPr indent="0" lvl="5" marL="0" rtl="0" algn="l">
+              <a:lnSpc>
+                <a:spcPct val="150000"/>
+              </a:lnSpc>
+              <a:spcBef>
+                <a:spcPts val="0"/>
+              </a:spcBef>
+              <a:spcAft>
+                <a:spcPts val="0"/>
+              </a:spcAft>
+              <a:buNone/>
+            </a:pPr>
+            <a:r>
+              <a:rPr lang="en" sz="2400">
+                <a:solidFill>
+                  <a:schemeClr val="dk1"/>
+                </a:solidFill>
+                <a:latin typeface="Courier New"/>
+                <a:ea typeface="Courier New"/>
+                <a:cs typeface="Courier New"/>
+                <a:sym typeface="Courier New"/>
+              </a:rPr>
+              <a:t>const car =</a:t>
+            </a:r>
+            <a:endParaRPr sz="2400">
+              <a:solidFill>
+                <a:schemeClr val="dk1"/>
+              </a:solidFill>
+              <a:latin typeface="Courier New"/>
+              <a:ea typeface="Courier New"/>
+              <a:cs typeface="Courier New"/>
+              <a:sym typeface="Courier New"/>
+            </a:endParaRPr>
+          </a:p>
+          <a:p>
+            <a:pPr indent="0" lvl="5" marL="0" rtl="0" algn="l">
+              <a:lnSpc>
+                <a:spcPct val="150000"/>
+              </a:lnSpc>
+              <a:spcBef>
+                <a:spcPts val="0"/>
+              </a:spcBef>
+              <a:spcAft>
+                <a:spcPts val="0"/>
+              </a:spcAft>
+              <a:buNone/>
+            </a:pPr>
+            <a:r>
+              <a:rPr lang="en" sz="2400">
+                <a:solidFill>
+                  <a:schemeClr val="dk1"/>
+                </a:solidFill>
+                <a:latin typeface="Courier New"/>
+                <a:ea typeface="Courier New"/>
+                <a:cs typeface="Courier New"/>
+                <a:sym typeface="Courier New"/>
+              </a:rPr>
+              <a:t>{</a:t>
+            </a:r>
+            <a:endParaRPr sz="2400">
+              <a:solidFill>
+                <a:schemeClr val="dk1"/>
+              </a:solidFill>
+              <a:latin typeface="Courier New"/>
+              <a:ea typeface="Courier New"/>
+              <a:cs typeface="Courier New"/>
+              <a:sym typeface="Courier New"/>
+            </a:endParaRPr>
+          </a:p>
+          <a:p>
+            <a:pPr indent="457200" lvl="5" marL="0" rtl="0" algn="l">
+              <a:lnSpc>
+                <a:spcPct val="150000"/>
+              </a:lnSpc>
+              <a:spcBef>
+                <a:spcPts val="0"/>
+              </a:spcBef>
+              <a:spcAft>
+                <a:spcPts val="0"/>
+              </a:spcAft>
+              <a:buNone/>
+            </a:pPr>
+            <a:r>
+              <a:rPr lang="en" sz="2400">
+                <a:solidFill>
+                  <a:schemeClr val="dk1"/>
+                </a:solidFill>
+                <a:latin typeface="Courier New"/>
+                <a:ea typeface="Courier New"/>
+                <a:cs typeface="Courier New"/>
+                <a:sym typeface="Courier New"/>
+              </a:rPr>
+              <a:t>name: "Fiat", 		// note ending comma</a:t>
+            </a:r>
+            <a:endParaRPr sz="2400">
+              <a:solidFill>
+                <a:schemeClr val="dk1"/>
+              </a:solidFill>
+              <a:latin typeface="Courier New"/>
+              <a:ea typeface="Courier New"/>
+              <a:cs typeface="Courier New"/>
+              <a:sym typeface="Courier New"/>
+            </a:endParaRPr>
+          </a:p>
+          <a:p>
+            <a:pPr indent="0" lvl="5" marL="0" rtl="0" algn="l">
+              <a:lnSpc>
+                <a:spcPct val="150000"/>
+              </a:lnSpc>
+              <a:spcBef>
+                <a:spcPts val="0"/>
+              </a:spcBef>
+              <a:spcAft>
+                <a:spcPts val="0"/>
+              </a:spcAft>
+              <a:buNone/>
+            </a:pPr>
+            <a:r>
+              <a:rPr lang="en" sz="2400">
+                <a:solidFill>
+                  <a:schemeClr val="dk1"/>
+                </a:solidFill>
+                <a:latin typeface="Courier New"/>
+                <a:ea typeface="Courier New"/>
+                <a:cs typeface="Courier New"/>
+                <a:sym typeface="Courier New"/>
+              </a:rPr>
+              <a:t>	color: "white"</a:t>
+            </a:r>
+            <a:endParaRPr sz="2400">
+              <a:solidFill>
+                <a:schemeClr val="dk1"/>
+              </a:solidFill>
+              <a:latin typeface="Courier New"/>
+              <a:ea typeface="Courier New"/>
+              <a:cs typeface="Courier New"/>
+              <a:sym typeface="Courier New"/>
+            </a:endParaRPr>
+          </a:p>
+          <a:p>
+            <a:pPr indent="0" lvl="5" marL="0" rtl="0" algn="l">
+              <a:lnSpc>
+                <a:spcPct val="150000"/>
+              </a:lnSpc>
+              <a:spcBef>
+                <a:spcPts val="0"/>
+              </a:spcBef>
+              <a:spcAft>
+                <a:spcPts val="0"/>
+              </a:spcAft>
+              <a:buNone/>
+            </a:pPr>
+            <a:r>
+              <a:rPr lang="en" sz="2400">
+                <a:solidFill>
+                  <a:schemeClr val="dk1"/>
+                </a:solidFill>
+                <a:latin typeface="Courier New"/>
+                <a:ea typeface="Courier New"/>
+                <a:cs typeface="Courier New"/>
+                <a:sym typeface="Courier New"/>
+              </a:rPr>
+              <a:t>}</a:t>
+            </a:r>
+            <a:endParaRPr sz="2400">
+              <a:solidFill>
+                <a:schemeClr val="dk1"/>
+              </a:solidFill>
+              <a:latin typeface="Courier New"/>
+              <a:ea typeface="Courier New"/>
+              <a:cs typeface="Courier New"/>
+              <a:sym typeface="Courier New"/>
+            </a:endParaRPr>
+          </a:p>
+        </p:txBody>
+      </p:sp>
+      <p:sp>
+        <p:nvSpPr>
+          <p:cNvPr id="210" name="Google Shape;210;p35"/>
+          <p:cNvSpPr txBox="1"/>
+          <p:nvPr>
+            <p:ph type="title"/>
+          </p:nvPr>
+        </p:nvSpPr>
+        <p:spPr>
+          <a:xfrm>
+            <a:off x="0" y="0"/>
+            <a:ext cx="9144000" cy="572700"/>
+          </a:xfrm>
+          <a:prstGeom prst="rect">
+            <a:avLst/>
+          </a:prstGeom>
+        </p:spPr>
+        <p:txBody>
+          <a:bodyPr anchorCtr="0" anchor="t" bIns="91425" lIns="91425" spcFirstLastPara="1" rIns="91425" wrap="square" tIns="91425">
+            <a:noAutofit/>
+          </a:bodyPr>
+          <a:lstStyle/>
+          <a:p>
+            <a:pPr indent="0" lvl="0" marL="0" rtl="0" algn="l">
+              <a:spcBef>
+                <a:spcPts val="0"/>
+              </a:spcBef>
+              <a:spcAft>
+                <a:spcPts val="0"/>
+              </a:spcAft>
+              <a:buSzPts val="990"/>
+              <a:buNone/>
+            </a:pPr>
+            <a:r>
+              <a:rPr b="1" lang="en" sz="3020">
+                <a:latin typeface="Times New Roman"/>
+                <a:ea typeface="Times New Roman"/>
+                <a:cs typeface="Times New Roman"/>
+                <a:sym typeface="Times New Roman"/>
+              </a:rPr>
+              <a:t>Objects</a:t>
+            </a:r>
+            <a:endParaRPr b="1" sz="3020">
+              <a:latin typeface="Times New Roman"/>
+              <a:ea typeface="Times New Roman"/>
+              <a:cs typeface="Times New Roman"/>
+              <a:sym typeface="Times New Roman"/>
+            </a:endParaRPr>
+          </a:p>
+        </p:txBody>
+      </p:sp>
+      <p:sp>
+        <p:nvSpPr>
+          <p:cNvPr id="211" name="Google Shape;211;p35"/>
+          <p:cNvSpPr/>
+          <p:nvPr/>
+        </p:nvSpPr>
+        <p:spPr>
+          <a:xfrm>
+            <a:off x="0" y="4676700"/>
+            <a:ext cx="9144000" cy="466800"/>
+          </a:xfrm>
+          <a:prstGeom prst="rect">
+            <a:avLst/>
+          </a:prstGeom>
+          <a:noFill/>
+          <a:ln>
+            <a:noFill/>
+          </a:ln>
+        </p:spPr>
+        <p:txBody>
+          <a:bodyPr anchorCtr="0" anchor="ctr" bIns="91425" lIns="91425" spcFirstLastPara="1" rIns="91425" wrap="square" tIns="91425">
+            <a:noAutofit/>
+          </a:bodyPr>
+          <a:lstStyle/>
+          <a:p>
+            <a:pPr indent="0" lvl="0" marL="0" rtl="0" algn="ctr">
+              <a:spcBef>
+                <a:spcPts val="0"/>
+              </a:spcBef>
+              <a:spcAft>
+                <a:spcPts val="0"/>
+              </a:spcAft>
+              <a:buNone/>
+            </a:pPr>
+            <a:r>
+              <a:rPr b="1" lang="en">
+                <a:solidFill>
+                  <a:schemeClr val="dk1"/>
+                </a:solidFill>
+                <a:latin typeface="Times New Roman"/>
+                <a:ea typeface="Times New Roman"/>
+                <a:cs typeface="Times New Roman"/>
+                <a:sym typeface="Times New Roman"/>
+              </a:rPr>
+              <a:t>https://www.w3schools.com/js/js_objects.asp</a:t>
+            </a:r>
+            <a:endParaRPr b="1">
+              <a:solidFill>
+                <a:schemeClr val="dk1"/>
+              </a:solidFill>
+              <a:latin typeface="Times New Roman"/>
+              <a:ea typeface="Times New Roman"/>
+              <a:cs typeface="Times New Roman"/>
+              <a:sym typeface="Times New Roman"/>
+            </a:endParaRPr>
+          </a:p>
+        </p:txBody>
+      </p:sp>
+      <p:sp>
+        <p:nvSpPr>
+          <p:cNvPr id="212" name="Google Shape;212;p35"/>
           <p:cNvSpPr/>
           <p:nvPr/>
         </p:nvSpPr>
@@ -14819,973 +15465,6 @@
               <a:solidFill>
                 <a:schemeClr val="dk1"/>
               </a:solidFill>
-              <a:latin typeface="Times New Roman"/>
-              <a:ea typeface="Times New Roman"/>
-              <a:cs typeface="Times New Roman"/>
-              <a:sym typeface="Times New Roman"/>
-            </a:endParaRPr>
-          </a:p>
-        </p:txBody>
-      </p:sp>
-    </p:spTree>
-  </p:cSld>
-  <p:clrMapOvr>
-    <a:masterClrMapping/>
-  </p:clrMapOvr>
-</p:sld>
-</file>
-
-<file path=ppt/slides/slide21.xml><?xml version="1.0" encoding="utf-8"?>
-<p:sld xmlns:a="http://schemas.openxmlformats.org/drawingml/2006/main" xmlns:r="http://schemas.openxmlformats.org/officeDocument/2006/relationships" xmlns:mc="http://schemas.openxmlformats.org/markup-compatibility/2006" xmlns:mv="urn:schemas-microsoft-com:mac:vml" xmlns:p="http://schemas.openxmlformats.org/presentationml/2006/main" xmlns:c="http://schemas.openxmlformats.org/drawingml/2006/chart" xmlns:dgm="http://schemas.openxmlformats.org/drawingml/2006/diagram" xmlns:o="urn:schemas-microsoft-com:office:office" xmlns:v="urn:schemas-microsoft-com:vml" xmlns:pvml="urn:schemas-microsoft-com:office:powerpoint" xmlns:com="http://schemas.openxmlformats.org/drawingml/2006/compatibility" xmlns:p14="http://schemas.microsoft.com/office/powerpoint/2010/main" xmlns:p15="http://schemas.microsoft.com/office/powerpoint/2012/main" xmlns:ahyp="http://schemas.microsoft.com/office/drawing/2018/hyperlinkcolor">
-  <p:cSld>
-    <p:spTree>
-      <p:nvGrpSpPr>
-        <p:cNvPr id="202" name="Shape 202"/>
-        <p:cNvGrpSpPr/>
-        <p:nvPr/>
-      </p:nvGrpSpPr>
-      <p:grpSpPr>
-        <a:xfrm>
-          <a:off x="0" y="0"/>
-          <a:ext cx="0" cy="0"/>
-          <a:chOff x="0" y="0"/>
-          <a:chExt cx="0" cy="0"/>
-        </a:xfrm>
-      </p:grpSpPr>
-      <p:sp>
-        <p:nvSpPr>
-          <p:cNvPr id="203" name="Google Shape;203;p34"/>
-          <p:cNvSpPr txBox="1"/>
-          <p:nvPr>
-            <p:ph idx="1" type="body"/>
-          </p:nvPr>
-        </p:nvSpPr>
-        <p:spPr>
-          <a:xfrm>
-            <a:off x="0" y="572700"/>
-            <a:ext cx="9144000" cy="4570800"/>
-          </a:xfrm>
-          <a:prstGeom prst="rect">
-            <a:avLst/>
-          </a:prstGeom>
-        </p:spPr>
-        <p:txBody>
-          <a:bodyPr anchorCtr="0" anchor="t" bIns="91425" lIns="91425" spcFirstLastPara="1" rIns="91425" wrap="square" tIns="91425">
-            <a:noAutofit/>
-          </a:bodyPr>
-          <a:lstStyle/>
-          <a:p>
-            <a:pPr indent="0" lvl="0" marL="0" rtl="0" algn="l">
-              <a:lnSpc>
-                <a:spcPct val="150000"/>
-              </a:lnSpc>
-              <a:spcBef>
-                <a:spcPts val="0"/>
-              </a:spcBef>
-              <a:spcAft>
-                <a:spcPts val="0"/>
-              </a:spcAft>
-              <a:buNone/>
-            </a:pPr>
-            <a:r>
-              <a:rPr lang="en" sz="2400">
-                <a:solidFill>
-                  <a:schemeClr val="dk1"/>
-                </a:solidFill>
-                <a:latin typeface="Times New Roman"/>
-                <a:ea typeface="Times New Roman"/>
-                <a:cs typeface="Times New Roman"/>
-                <a:sym typeface="Times New Roman"/>
-              </a:rPr>
-              <a:t>To access properties, use </a:t>
-            </a:r>
-            <a:r>
-              <a:rPr lang="en" sz="2400">
-                <a:solidFill>
-                  <a:srgbClr val="FF0000"/>
-                </a:solidFill>
-                <a:latin typeface="Times New Roman"/>
-                <a:ea typeface="Times New Roman"/>
-                <a:cs typeface="Times New Roman"/>
-                <a:sym typeface="Times New Roman"/>
-              </a:rPr>
-              <a:t>dot notation </a:t>
-            </a:r>
-            <a:r>
-              <a:rPr lang="en" sz="2400">
-                <a:solidFill>
-                  <a:schemeClr val="dk1"/>
-                </a:solidFill>
-                <a:latin typeface="Times New Roman"/>
-                <a:ea typeface="Times New Roman"/>
-                <a:cs typeface="Times New Roman"/>
-                <a:sym typeface="Times New Roman"/>
-              </a:rPr>
-              <a:t>or </a:t>
-            </a:r>
-            <a:r>
-              <a:rPr lang="en" sz="2400">
-                <a:solidFill>
-                  <a:srgbClr val="FF0000"/>
-                </a:solidFill>
-                <a:latin typeface="Times New Roman"/>
-                <a:ea typeface="Times New Roman"/>
-                <a:cs typeface="Times New Roman"/>
-                <a:sym typeface="Times New Roman"/>
-              </a:rPr>
-              <a:t>square brackets</a:t>
-            </a:r>
-            <a:r>
-              <a:rPr lang="en" sz="2400">
-                <a:solidFill>
-                  <a:schemeClr val="dk1"/>
-                </a:solidFill>
-                <a:latin typeface="Times New Roman"/>
-                <a:ea typeface="Times New Roman"/>
-                <a:cs typeface="Times New Roman"/>
-                <a:sym typeface="Times New Roman"/>
-              </a:rPr>
-              <a:t>:</a:t>
-            </a:r>
-            <a:endParaRPr sz="2400">
-              <a:solidFill>
-                <a:schemeClr val="dk1"/>
-              </a:solidFill>
-              <a:latin typeface="Times New Roman"/>
-              <a:ea typeface="Times New Roman"/>
-              <a:cs typeface="Times New Roman"/>
-              <a:sym typeface="Times New Roman"/>
-            </a:endParaRPr>
-          </a:p>
-          <a:p>
-            <a:pPr indent="0" lvl="0" marL="0" rtl="0" algn="l">
-              <a:lnSpc>
-                <a:spcPct val="150000"/>
-              </a:lnSpc>
-              <a:spcBef>
-                <a:spcPts val="0"/>
-              </a:spcBef>
-              <a:spcAft>
-                <a:spcPts val="0"/>
-              </a:spcAft>
-              <a:buNone/>
-            </a:pPr>
-            <a:r>
-              <a:rPr lang="en" sz="2400">
-                <a:solidFill>
-                  <a:schemeClr val="dk1"/>
-                </a:solidFill>
-                <a:latin typeface="Courier New"/>
-                <a:ea typeface="Courier New"/>
-                <a:cs typeface="Courier New"/>
-                <a:sym typeface="Courier New"/>
-              </a:rPr>
-              <a:t>	</a:t>
-            </a:r>
-            <a:endParaRPr sz="2400">
-              <a:solidFill>
-                <a:schemeClr val="dk1"/>
-              </a:solidFill>
-              <a:latin typeface="Courier New"/>
-              <a:ea typeface="Courier New"/>
-              <a:cs typeface="Courier New"/>
-              <a:sym typeface="Courier New"/>
-            </a:endParaRPr>
-          </a:p>
-          <a:p>
-            <a:pPr indent="0" lvl="0" marL="0" rtl="0" algn="ctr">
-              <a:lnSpc>
-                <a:spcPct val="150000"/>
-              </a:lnSpc>
-              <a:spcBef>
-                <a:spcPts val="0"/>
-              </a:spcBef>
-              <a:spcAft>
-                <a:spcPts val="0"/>
-              </a:spcAft>
-              <a:buNone/>
-            </a:pPr>
-            <a:r>
-              <a:rPr lang="en" sz="2800">
-                <a:solidFill>
-                  <a:schemeClr val="dk1"/>
-                </a:solidFill>
-                <a:latin typeface="Courier New"/>
-                <a:ea typeface="Courier New"/>
-                <a:cs typeface="Courier New"/>
-                <a:sym typeface="Courier New"/>
-              </a:rPr>
-              <a:t>let x = car.name;</a:t>
-            </a:r>
-            <a:endParaRPr sz="2800">
-              <a:solidFill>
-                <a:schemeClr val="dk1"/>
-              </a:solidFill>
-              <a:latin typeface="Courier New"/>
-              <a:ea typeface="Courier New"/>
-              <a:cs typeface="Courier New"/>
-              <a:sym typeface="Courier New"/>
-            </a:endParaRPr>
-          </a:p>
-          <a:p>
-            <a:pPr indent="0" lvl="0" marL="0" rtl="0" algn="ctr">
-              <a:lnSpc>
-                <a:spcPct val="150000"/>
-              </a:lnSpc>
-              <a:spcBef>
-                <a:spcPts val="0"/>
-              </a:spcBef>
-              <a:spcAft>
-                <a:spcPts val="0"/>
-              </a:spcAft>
-              <a:buNone/>
-            </a:pPr>
-            <a:r>
-              <a:rPr lang="en" sz="2800">
-                <a:solidFill>
-                  <a:schemeClr val="dk1"/>
-                </a:solidFill>
-                <a:latin typeface="Courier New"/>
-                <a:ea typeface="Courier New"/>
-                <a:cs typeface="Courier New"/>
-                <a:sym typeface="Courier New"/>
-              </a:rPr>
-              <a:t>car["color"] = "black";</a:t>
-            </a:r>
-            <a:endParaRPr sz="2600">
-              <a:solidFill>
-                <a:schemeClr val="dk1"/>
-              </a:solidFill>
-              <a:latin typeface="Courier New"/>
-              <a:ea typeface="Courier New"/>
-              <a:cs typeface="Courier New"/>
-              <a:sym typeface="Courier New"/>
-            </a:endParaRPr>
-          </a:p>
-        </p:txBody>
-      </p:sp>
-      <p:sp>
-        <p:nvSpPr>
-          <p:cNvPr id="204" name="Google Shape;204;p34"/>
-          <p:cNvSpPr txBox="1"/>
-          <p:nvPr>
-            <p:ph type="title"/>
-          </p:nvPr>
-        </p:nvSpPr>
-        <p:spPr>
-          <a:xfrm>
-            <a:off x="0" y="0"/>
-            <a:ext cx="9144000" cy="572700"/>
-          </a:xfrm>
-          <a:prstGeom prst="rect">
-            <a:avLst/>
-          </a:prstGeom>
-        </p:spPr>
-        <p:txBody>
-          <a:bodyPr anchorCtr="0" anchor="t" bIns="91425" lIns="91425" spcFirstLastPara="1" rIns="91425" wrap="square" tIns="91425">
-            <a:noAutofit/>
-          </a:bodyPr>
-          <a:lstStyle/>
-          <a:p>
-            <a:pPr indent="0" lvl="0" marL="0" rtl="0" algn="l">
-              <a:spcBef>
-                <a:spcPts val="0"/>
-              </a:spcBef>
-              <a:spcAft>
-                <a:spcPts val="0"/>
-              </a:spcAft>
-              <a:buSzPts val="990"/>
-              <a:buNone/>
-            </a:pPr>
-            <a:r>
-              <a:rPr b="1" lang="en" sz="3020">
-                <a:latin typeface="Times New Roman"/>
-                <a:ea typeface="Times New Roman"/>
-                <a:cs typeface="Times New Roman"/>
-                <a:sym typeface="Times New Roman"/>
-              </a:rPr>
-              <a:t>Objects</a:t>
-            </a:r>
-            <a:endParaRPr b="1" sz="3020">
-              <a:latin typeface="Times New Roman"/>
-              <a:ea typeface="Times New Roman"/>
-              <a:cs typeface="Times New Roman"/>
-              <a:sym typeface="Times New Roman"/>
-            </a:endParaRPr>
-          </a:p>
-        </p:txBody>
-      </p:sp>
-      <p:sp>
-        <p:nvSpPr>
-          <p:cNvPr id="205" name="Google Shape;205;p34"/>
-          <p:cNvSpPr/>
-          <p:nvPr/>
-        </p:nvSpPr>
-        <p:spPr>
-          <a:xfrm>
-            <a:off x="0" y="4676700"/>
-            <a:ext cx="9144000" cy="466800"/>
-          </a:xfrm>
-          <a:prstGeom prst="rect">
-            <a:avLst/>
-          </a:prstGeom>
-          <a:noFill/>
-          <a:ln>
-            <a:noFill/>
-          </a:ln>
-        </p:spPr>
-        <p:txBody>
-          <a:bodyPr anchorCtr="0" anchor="ctr" bIns="91425" lIns="91425" spcFirstLastPara="1" rIns="91425" wrap="square" tIns="91425">
-            <a:noAutofit/>
-          </a:bodyPr>
-          <a:lstStyle/>
-          <a:p>
-            <a:pPr indent="0" lvl="0" marL="0" rtl="0" algn="ctr">
-              <a:spcBef>
-                <a:spcPts val="0"/>
-              </a:spcBef>
-              <a:spcAft>
-                <a:spcPts val="0"/>
-              </a:spcAft>
-              <a:buNone/>
-            </a:pPr>
-            <a:r>
-              <a:rPr b="1" lang="en">
-                <a:solidFill>
-                  <a:schemeClr val="dk1"/>
-                </a:solidFill>
-                <a:latin typeface="Times New Roman"/>
-                <a:ea typeface="Times New Roman"/>
-                <a:cs typeface="Times New Roman"/>
-                <a:sym typeface="Times New Roman"/>
-              </a:rPr>
-              <a:t>https://www.w3schools.com/js/js_objects.asp</a:t>
-            </a:r>
-            <a:endParaRPr b="1">
-              <a:solidFill>
-                <a:schemeClr val="dk1"/>
-              </a:solidFill>
-              <a:latin typeface="Times New Roman"/>
-              <a:ea typeface="Times New Roman"/>
-              <a:cs typeface="Times New Roman"/>
-              <a:sym typeface="Times New Roman"/>
-            </a:endParaRPr>
-          </a:p>
-        </p:txBody>
-      </p:sp>
-      <p:sp>
-        <p:nvSpPr>
-          <p:cNvPr id="206" name="Google Shape;206;p34"/>
-          <p:cNvSpPr/>
-          <p:nvPr/>
-        </p:nvSpPr>
-        <p:spPr>
-          <a:xfrm>
-            <a:off x="0" y="4209900"/>
-            <a:ext cx="9144000" cy="466800"/>
-          </a:xfrm>
-          <a:prstGeom prst="rect">
-            <a:avLst/>
-          </a:prstGeom>
-          <a:noFill/>
-          <a:ln>
-            <a:noFill/>
-          </a:ln>
-        </p:spPr>
-        <p:txBody>
-          <a:bodyPr anchorCtr="0" anchor="ctr" bIns="91425" lIns="91425" spcFirstLastPara="1" rIns="91425" wrap="square" tIns="91425">
-            <a:noAutofit/>
-          </a:bodyPr>
-          <a:lstStyle/>
-          <a:p>
-            <a:pPr indent="0" lvl="0" marL="0" rtl="0" algn="ctr">
-              <a:spcBef>
-                <a:spcPts val="0"/>
-              </a:spcBef>
-              <a:spcAft>
-                <a:spcPts val="0"/>
-              </a:spcAft>
-              <a:buNone/>
-            </a:pPr>
-            <a:r>
-              <a:rPr b="1" lang="en">
-                <a:solidFill>
-                  <a:schemeClr val="dk1"/>
-                </a:solidFill>
-                <a:latin typeface="Times New Roman"/>
-                <a:ea typeface="Times New Roman"/>
-                <a:cs typeface="Times New Roman"/>
-                <a:sym typeface="Times New Roman"/>
-              </a:rPr>
-              <a:t>example-10.html</a:t>
-            </a:r>
-            <a:endParaRPr b="1">
-              <a:solidFill>
-                <a:schemeClr val="dk1"/>
-              </a:solidFill>
-              <a:latin typeface="Times New Roman"/>
-              <a:ea typeface="Times New Roman"/>
-              <a:cs typeface="Times New Roman"/>
-              <a:sym typeface="Times New Roman"/>
-            </a:endParaRPr>
-          </a:p>
-        </p:txBody>
-      </p:sp>
-    </p:spTree>
-  </p:cSld>
-  <p:clrMapOvr>
-    <a:masterClrMapping/>
-  </p:clrMapOvr>
-</p:sld>
-</file>
-
-<file path=ppt/slides/slide22.xml><?xml version="1.0" encoding="utf-8"?>
-<p:sld xmlns:a="http://schemas.openxmlformats.org/drawingml/2006/main" xmlns:r="http://schemas.openxmlformats.org/officeDocument/2006/relationships" xmlns:mc="http://schemas.openxmlformats.org/markup-compatibility/2006" xmlns:mv="urn:schemas-microsoft-com:mac:vml" xmlns:p="http://schemas.openxmlformats.org/presentationml/2006/main" xmlns:c="http://schemas.openxmlformats.org/drawingml/2006/chart" xmlns:dgm="http://schemas.openxmlformats.org/drawingml/2006/diagram" xmlns:o="urn:schemas-microsoft-com:office:office" xmlns:v="urn:schemas-microsoft-com:vml" xmlns:pvml="urn:schemas-microsoft-com:office:powerpoint" xmlns:com="http://schemas.openxmlformats.org/drawingml/2006/compatibility" xmlns:p14="http://schemas.microsoft.com/office/powerpoint/2010/main" xmlns:p15="http://schemas.microsoft.com/office/powerpoint/2012/main" xmlns:ahyp="http://schemas.microsoft.com/office/drawing/2018/hyperlinkcolor">
-  <p:cSld>
-    <p:spTree>
-      <p:nvGrpSpPr>
-        <p:cNvPr id="210" name="Shape 210"/>
-        <p:cNvGrpSpPr/>
-        <p:nvPr/>
-      </p:nvGrpSpPr>
-      <p:grpSpPr>
-        <a:xfrm>
-          <a:off x="0" y="0"/>
-          <a:ext cx="0" cy="0"/>
-          <a:chOff x="0" y="0"/>
-          <a:chExt cx="0" cy="0"/>
-        </a:xfrm>
-      </p:grpSpPr>
-      <p:sp>
-        <p:nvSpPr>
-          <p:cNvPr id="211" name="Google Shape;211;p35"/>
-          <p:cNvSpPr txBox="1"/>
-          <p:nvPr>
-            <p:ph idx="1" type="body"/>
-          </p:nvPr>
-        </p:nvSpPr>
-        <p:spPr>
-          <a:xfrm>
-            <a:off x="0" y="572700"/>
-            <a:ext cx="9144000" cy="4570800"/>
-          </a:xfrm>
-          <a:prstGeom prst="rect">
-            <a:avLst/>
-          </a:prstGeom>
-        </p:spPr>
-        <p:txBody>
-          <a:bodyPr anchorCtr="0" anchor="t" bIns="91425" lIns="91425" spcFirstLastPara="1" rIns="91425" wrap="square" tIns="91425">
-            <a:noAutofit/>
-          </a:bodyPr>
-          <a:lstStyle/>
-          <a:p>
-            <a:pPr indent="-342900" lvl="2" marL="342900" rtl="0" algn="l">
-              <a:lnSpc>
-                <a:spcPct val="150000"/>
-              </a:lnSpc>
-              <a:spcBef>
-                <a:spcPts val="0"/>
-              </a:spcBef>
-              <a:spcAft>
-                <a:spcPts val="0"/>
-              </a:spcAft>
-              <a:buClr>
-                <a:schemeClr val="dk1"/>
-              </a:buClr>
-              <a:buSzPts val="2400"/>
-              <a:buFont typeface="Times New Roman"/>
-              <a:buChar char="•"/>
-            </a:pPr>
-            <a:r>
-              <a:rPr lang="en" sz="2400">
-                <a:solidFill>
-                  <a:schemeClr val="dk1"/>
-                </a:solidFill>
-                <a:latin typeface="Times New Roman"/>
-                <a:ea typeface="Times New Roman"/>
-                <a:cs typeface="Times New Roman"/>
-                <a:sym typeface="Times New Roman"/>
-              </a:rPr>
-              <a:t>There are several ways to </a:t>
-            </a:r>
-            <a:r>
-              <a:rPr lang="en" sz="2400">
-                <a:solidFill>
-                  <a:srgbClr val="FF0000"/>
-                </a:solidFill>
-                <a:latin typeface="Times New Roman"/>
-                <a:ea typeface="Times New Roman"/>
-                <a:cs typeface="Times New Roman"/>
-                <a:sym typeface="Times New Roman"/>
-              </a:rPr>
-              <a:t>output</a:t>
-            </a:r>
-            <a:r>
-              <a:rPr lang="en" sz="2400">
-                <a:solidFill>
-                  <a:schemeClr val="dk1"/>
-                </a:solidFill>
-                <a:latin typeface="Times New Roman"/>
-                <a:ea typeface="Times New Roman"/>
-                <a:cs typeface="Times New Roman"/>
-                <a:sym typeface="Times New Roman"/>
-              </a:rPr>
-              <a:t> data and info</a:t>
-            </a:r>
-            <a:endParaRPr sz="2400">
-              <a:solidFill>
-                <a:schemeClr val="dk1"/>
-              </a:solidFill>
-              <a:latin typeface="Times New Roman"/>
-              <a:ea typeface="Times New Roman"/>
-              <a:cs typeface="Times New Roman"/>
-              <a:sym typeface="Times New Roman"/>
-            </a:endParaRPr>
-          </a:p>
-          <a:p>
-            <a:pPr indent="-342900" lvl="2" marL="342900" rtl="0" algn="l">
-              <a:lnSpc>
-                <a:spcPct val="150000"/>
-              </a:lnSpc>
-              <a:spcBef>
-                <a:spcPts val="0"/>
-              </a:spcBef>
-              <a:spcAft>
-                <a:spcPts val="0"/>
-              </a:spcAft>
-              <a:buClr>
-                <a:schemeClr val="dk1"/>
-              </a:buClr>
-              <a:buSzPts val="2400"/>
-              <a:buChar char="•"/>
-            </a:pPr>
-            <a:r>
-              <a:rPr lang="en" sz="2400">
-                <a:solidFill>
-                  <a:srgbClr val="FF0000"/>
-                </a:solidFill>
-                <a:latin typeface="Times New Roman"/>
-                <a:ea typeface="Times New Roman"/>
-                <a:cs typeface="Times New Roman"/>
-                <a:sym typeface="Times New Roman"/>
-              </a:rPr>
-              <a:t>Variables</a:t>
-            </a:r>
-            <a:r>
-              <a:rPr lang="en" sz="2400">
-                <a:solidFill>
-                  <a:schemeClr val="dk1"/>
-                </a:solidFill>
-                <a:latin typeface="Times New Roman"/>
-                <a:ea typeface="Times New Roman"/>
-                <a:cs typeface="Times New Roman"/>
-                <a:sym typeface="Times New Roman"/>
-              </a:rPr>
-              <a:t> are used to </a:t>
-            </a:r>
-            <a:r>
-              <a:rPr b="1" lang="en" sz="2400" u="sng">
-                <a:solidFill>
-                  <a:schemeClr val="dk1"/>
-                </a:solidFill>
-                <a:latin typeface="Times New Roman"/>
-                <a:ea typeface="Times New Roman"/>
-                <a:cs typeface="Times New Roman"/>
-                <a:sym typeface="Times New Roman"/>
-              </a:rPr>
-              <a:t>store</a:t>
-            </a:r>
-            <a:r>
-              <a:rPr b="1" lang="en" sz="2400">
-                <a:solidFill>
-                  <a:schemeClr val="dk1"/>
-                </a:solidFill>
-                <a:latin typeface="Times New Roman"/>
-                <a:ea typeface="Times New Roman"/>
-                <a:cs typeface="Times New Roman"/>
-                <a:sym typeface="Times New Roman"/>
-              </a:rPr>
-              <a:t> </a:t>
-            </a:r>
-            <a:r>
-              <a:rPr lang="en" sz="2400">
-                <a:solidFill>
-                  <a:schemeClr val="dk1"/>
-                </a:solidFill>
-                <a:latin typeface="Times New Roman"/>
-                <a:ea typeface="Times New Roman"/>
-                <a:cs typeface="Times New Roman"/>
-                <a:sym typeface="Times New Roman"/>
-              </a:rPr>
-              <a:t>values in program</a:t>
-            </a:r>
-            <a:endParaRPr sz="2400">
-              <a:solidFill>
-                <a:schemeClr val="dk1"/>
-              </a:solidFill>
-              <a:latin typeface="Times New Roman"/>
-              <a:ea typeface="Times New Roman"/>
-              <a:cs typeface="Times New Roman"/>
-              <a:sym typeface="Times New Roman"/>
-            </a:endParaRPr>
-          </a:p>
-          <a:p>
-            <a:pPr indent="-342900" lvl="2" marL="342900" rtl="0" algn="l">
-              <a:lnSpc>
-                <a:spcPct val="150000"/>
-              </a:lnSpc>
-              <a:spcBef>
-                <a:spcPts val="0"/>
-              </a:spcBef>
-              <a:spcAft>
-                <a:spcPts val="0"/>
-              </a:spcAft>
-              <a:buClr>
-                <a:schemeClr val="dk1"/>
-              </a:buClr>
-              <a:buSzPts val="2400"/>
-              <a:buChar char="•"/>
-            </a:pPr>
-            <a:r>
-              <a:rPr lang="en" sz="2400">
-                <a:solidFill>
-                  <a:schemeClr val="dk1"/>
-                </a:solidFill>
-                <a:latin typeface="Times New Roman"/>
-                <a:ea typeface="Times New Roman"/>
-                <a:cs typeface="Times New Roman"/>
-                <a:sym typeface="Times New Roman"/>
-              </a:rPr>
-              <a:t>There are six </a:t>
-            </a:r>
-            <a:r>
-              <a:rPr b="1" lang="en" sz="2400" u="sng">
-                <a:solidFill>
-                  <a:schemeClr val="dk1"/>
-                </a:solidFill>
-                <a:latin typeface="Times New Roman"/>
-                <a:ea typeface="Times New Roman"/>
-                <a:cs typeface="Times New Roman"/>
-                <a:sym typeface="Times New Roman"/>
-              </a:rPr>
-              <a:t>primitive</a:t>
-            </a:r>
-            <a:r>
-              <a:rPr b="1" lang="en" sz="2400">
-                <a:solidFill>
-                  <a:schemeClr val="dk1"/>
-                </a:solidFill>
-                <a:latin typeface="Times New Roman"/>
-                <a:ea typeface="Times New Roman"/>
-                <a:cs typeface="Times New Roman"/>
-                <a:sym typeface="Times New Roman"/>
-              </a:rPr>
-              <a:t> </a:t>
-            </a:r>
-            <a:r>
-              <a:rPr lang="en" sz="2400">
-                <a:solidFill>
-                  <a:schemeClr val="dk1"/>
-                </a:solidFill>
-                <a:latin typeface="Times New Roman"/>
-                <a:ea typeface="Times New Roman"/>
-                <a:cs typeface="Times New Roman"/>
-                <a:sym typeface="Times New Roman"/>
-              </a:rPr>
-              <a:t>data types</a:t>
-            </a:r>
-            <a:endParaRPr sz="2400">
-              <a:solidFill>
-                <a:schemeClr val="dk1"/>
-              </a:solidFill>
-              <a:latin typeface="Times New Roman"/>
-              <a:ea typeface="Times New Roman"/>
-              <a:cs typeface="Times New Roman"/>
-              <a:sym typeface="Times New Roman"/>
-            </a:endParaRPr>
-          </a:p>
-          <a:p>
-            <a:pPr indent="-342900" lvl="2" marL="342900" rtl="0" algn="l">
-              <a:lnSpc>
-                <a:spcPct val="150000"/>
-              </a:lnSpc>
-              <a:spcBef>
-                <a:spcPts val="0"/>
-              </a:spcBef>
-              <a:spcAft>
-                <a:spcPts val="0"/>
-              </a:spcAft>
-              <a:buClr>
-                <a:schemeClr val="dk1"/>
-              </a:buClr>
-              <a:buSzPts val="2400"/>
-              <a:buChar char="•"/>
-            </a:pPr>
-            <a:r>
-              <a:rPr lang="en" sz="2400">
-                <a:solidFill>
-                  <a:srgbClr val="FF0000"/>
-                </a:solidFill>
-                <a:latin typeface="Times New Roman"/>
-                <a:ea typeface="Times New Roman"/>
-                <a:cs typeface="Times New Roman"/>
-                <a:sym typeface="Times New Roman"/>
-              </a:rPr>
-              <a:t>Operators</a:t>
-            </a:r>
-            <a:r>
-              <a:rPr lang="en" sz="2400">
-                <a:solidFill>
-                  <a:schemeClr val="dk1"/>
-                </a:solidFill>
-                <a:latin typeface="Times New Roman"/>
-                <a:ea typeface="Times New Roman"/>
-                <a:cs typeface="Times New Roman"/>
-                <a:sym typeface="Times New Roman"/>
-              </a:rPr>
-              <a:t> can be used to </a:t>
-            </a:r>
-            <a:r>
-              <a:rPr b="1" lang="en" sz="2400" u="sng">
-                <a:solidFill>
-                  <a:schemeClr val="dk1"/>
-                </a:solidFill>
-                <a:latin typeface="Times New Roman"/>
-                <a:ea typeface="Times New Roman"/>
-                <a:cs typeface="Times New Roman"/>
-                <a:sym typeface="Times New Roman"/>
-              </a:rPr>
-              <a:t>manipulate</a:t>
-            </a:r>
-            <a:r>
-              <a:rPr b="1" lang="en" sz="2400">
-                <a:solidFill>
-                  <a:schemeClr val="dk1"/>
-                </a:solidFill>
-                <a:latin typeface="Times New Roman"/>
-                <a:ea typeface="Times New Roman"/>
-                <a:cs typeface="Times New Roman"/>
-                <a:sym typeface="Times New Roman"/>
-              </a:rPr>
-              <a:t> </a:t>
-            </a:r>
-            <a:r>
-              <a:rPr lang="en" sz="2400">
-                <a:solidFill>
-                  <a:schemeClr val="dk1"/>
-                </a:solidFill>
-                <a:latin typeface="Times New Roman"/>
-                <a:ea typeface="Times New Roman"/>
-                <a:cs typeface="Times New Roman"/>
-                <a:sym typeface="Times New Roman"/>
-              </a:rPr>
-              <a:t>data</a:t>
-            </a:r>
-            <a:endParaRPr sz="2400">
-              <a:solidFill>
-                <a:schemeClr val="dk1"/>
-              </a:solidFill>
-              <a:latin typeface="Times New Roman"/>
-              <a:ea typeface="Times New Roman"/>
-              <a:cs typeface="Times New Roman"/>
-              <a:sym typeface="Times New Roman"/>
-            </a:endParaRPr>
-          </a:p>
-          <a:p>
-            <a:pPr indent="-342900" lvl="2" marL="342900" rtl="0" algn="l">
-              <a:lnSpc>
-                <a:spcPct val="150000"/>
-              </a:lnSpc>
-              <a:spcBef>
-                <a:spcPts val="0"/>
-              </a:spcBef>
-              <a:spcAft>
-                <a:spcPts val="0"/>
-              </a:spcAft>
-              <a:buClr>
-                <a:schemeClr val="dk1"/>
-              </a:buClr>
-              <a:buSzPts val="2400"/>
-              <a:buChar char="•"/>
-            </a:pPr>
-            <a:r>
-              <a:rPr lang="en" sz="2400">
-                <a:solidFill>
-                  <a:srgbClr val="FF0000"/>
-                </a:solidFill>
-                <a:latin typeface="Times New Roman"/>
-                <a:ea typeface="Times New Roman"/>
-                <a:cs typeface="Times New Roman"/>
-                <a:sym typeface="Times New Roman"/>
-              </a:rPr>
-              <a:t>Arrays</a:t>
-            </a:r>
-            <a:r>
-              <a:rPr lang="en" sz="2400">
-                <a:solidFill>
-                  <a:schemeClr val="dk1"/>
-                </a:solidFill>
-                <a:latin typeface="Times New Roman"/>
-                <a:ea typeface="Times New Roman"/>
-                <a:cs typeface="Times New Roman"/>
-                <a:sym typeface="Times New Roman"/>
-              </a:rPr>
-              <a:t> can store </a:t>
-            </a:r>
-            <a:r>
-              <a:rPr b="1" lang="en" sz="2400" u="sng">
-                <a:solidFill>
-                  <a:schemeClr val="dk1"/>
-                </a:solidFill>
-                <a:latin typeface="Times New Roman"/>
-                <a:ea typeface="Times New Roman"/>
-                <a:cs typeface="Times New Roman"/>
-                <a:sym typeface="Times New Roman"/>
-              </a:rPr>
-              <a:t>ordered</a:t>
-            </a:r>
-            <a:r>
-              <a:rPr b="1" lang="en" sz="2400">
-                <a:solidFill>
-                  <a:schemeClr val="dk1"/>
-                </a:solidFill>
-                <a:latin typeface="Times New Roman"/>
-                <a:ea typeface="Times New Roman"/>
-                <a:cs typeface="Times New Roman"/>
-                <a:sym typeface="Times New Roman"/>
-              </a:rPr>
-              <a:t> </a:t>
-            </a:r>
-            <a:r>
-              <a:rPr lang="en" sz="2400">
-                <a:solidFill>
-                  <a:schemeClr val="dk1"/>
-                </a:solidFill>
-                <a:latin typeface="Times New Roman"/>
-                <a:ea typeface="Times New Roman"/>
-                <a:cs typeface="Times New Roman"/>
-                <a:sym typeface="Times New Roman"/>
-              </a:rPr>
-              <a:t>list of values</a:t>
-            </a:r>
-            <a:endParaRPr sz="2400">
-              <a:solidFill>
-                <a:schemeClr val="dk1"/>
-              </a:solidFill>
-              <a:latin typeface="Times New Roman"/>
-              <a:ea typeface="Times New Roman"/>
-              <a:cs typeface="Times New Roman"/>
-              <a:sym typeface="Times New Roman"/>
-            </a:endParaRPr>
-          </a:p>
-          <a:p>
-            <a:pPr indent="-342900" lvl="2" marL="342900" rtl="0" algn="l">
-              <a:lnSpc>
-                <a:spcPct val="150000"/>
-              </a:lnSpc>
-              <a:spcBef>
-                <a:spcPts val="0"/>
-              </a:spcBef>
-              <a:spcAft>
-                <a:spcPts val="0"/>
-              </a:spcAft>
-              <a:buClr>
-                <a:schemeClr val="dk1"/>
-              </a:buClr>
-              <a:buSzPts val="2400"/>
-              <a:buChar char="•"/>
-            </a:pPr>
-            <a:r>
-              <a:rPr lang="en" sz="2400">
-                <a:solidFill>
-                  <a:srgbClr val="FF0000"/>
-                </a:solidFill>
-                <a:latin typeface="Times New Roman"/>
-                <a:ea typeface="Times New Roman"/>
-                <a:cs typeface="Times New Roman"/>
-                <a:sym typeface="Times New Roman"/>
-              </a:rPr>
-              <a:t>Objects</a:t>
-            </a:r>
-            <a:r>
-              <a:rPr lang="en" sz="2400">
-                <a:solidFill>
-                  <a:schemeClr val="dk1"/>
-                </a:solidFill>
-                <a:latin typeface="Times New Roman"/>
-                <a:ea typeface="Times New Roman"/>
-                <a:cs typeface="Times New Roman"/>
-                <a:sym typeface="Times New Roman"/>
-              </a:rPr>
-              <a:t> can store values by their </a:t>
-            </a:r>
-            <a:r>
-              <a:rPr b="1" lang="en" sz="2400" u="sng">
-                <a:solidFill>
-                  <a:schemeClr val="dk1"/>
-                </a:solidFill>
-                <a:latin typeface="Times New Roman"/>
-                <a:ea typeface="Times New Roman"/>
-                <a:cs typeface="Times New Roman"/>
-                <a:sym typeface="Times New Roman"/>
-              </a:rPr>
-              <a:t>keys</a:t>
-            </a:r>
-            <a:endParaRPr sz="2400">
-              <a:solidFill>
-                <a:schemeClr val="dk1"/>
-              </a:solidFill>
-              <a:latin typeface="Times New Roman"/>
-              <a:ea typeface="Times New Roman"/>
-              <a:cs typeface="Times New Roman"/>
-              <a:sym typeface="Times New Roman"/>
-            </a:endParaRPr>
-          </a:p>
-        </p:txBody>
-      </p:sp>
-      <p:sp>
-        <p:nvSpPr>
-          <p:cNvPr id="212" name="Google Shape;212;p35"/>
-          <p:cNvSpPr txBox="1"/>
-          <p:nvPr>
-            <p:ph type="title"/>
-          </p:nvPr>
-        </p:nvSpPr>
-        <p:spPr>
-          <a:xfrm>
-            <a:off x="0" y="0"/>
-            <a:ext cx="9144000" cy="572700"/>
-          </a:xfrm>
-          <a:prstGeom prst="rect">
-            <a:avLst/>
-          </a:prstGeom>
-        </p:spPr>
-        <p:txBody>
-          <a:bodyPr anchorCtr="0" anchor="t" bIns="91425" lIns="91425" spcFirstLastPara="1" rIns="91425" wrap="square" tIns="91425">
-            <a:noAutofit/>
-          </a:bodyPr>
-          <a:lstStyle/>
-          <a:p>
-            <a:pPr indent="0" lvl="0" marL="0" rtl="0" algn="l">
-              <a:spcBef>
-                <a:spcPts val="0"/>
-              </a:spcBef>
-              <a:spcAft>
-                <a:spcPts val="0"/>
-              </a:spcAft>
-              <a:buSzPts val="990"/>
-              <a:buNone/>
-            </a:pPr>
-            <a:r>
-              <a:rPr b="1" lang="en" sz="3020">
-                <a:latin typeface="Times New Roman"/>
-                <a:ea typeface="Times New Roman"/>
-                <a:cs typeface="Times New Roman"/>
-                <a:sym typeface="Times New Roman"/>
-              </a:rPr>
-              <a:t>Summary</a:t>
-            </a:r>
-            <a:endParaRPr b="1" sz="3020">
               <a:latin typeface="Times New Roman"/>
               <a:ea typeface="Times New Roman"/>
               <a:cs typeface="Times New Roman"/>
@@ -15822,6 +15501,973 @@
       <p:sp>
         <p:nvSpPr>
           <p:cNvPr id="217" name="Google Shape;217;p36"/>
+          <p:cNvSpPr txBox="1"/>
+          <p:nvPr>
+            <p:ph idx="1" type="body"/>
+          </p:nvPr>
+        </p:nvSpPr>
+        <p:spPr>
+          <a:xfrm>
+            <a:off x="0" y="572700"/>
+            <a:ext cx="9144000" cy="4570800"/>
+          </a:xfrm>
+          <a:prstGeom prst="rect">
+            <a:avLst/>
+          </a:prstGeom>
+        </p:spPr>
+        <p:txBody>
+          <a:bodyPr anchorCtr="0" anchor="t" bIns="91425" lIns="91425" spcFirstLastPara="1" rIns="91425" wrap="square" tIns="91425">
+            <a:noAutofit/>
+          </a:bodyPr>
+          <a:lstStyle/>
+          <a:p>
+            <a:pPr indent="0" lvl="0" marL="0" rtl="0" algn="l">
+              <a:lnSpc>
+                <a:spcPct val="150000"/>
+              </a:lnSpc>
+              <a:spcBef>
+                <a:spcPts val="0"/>
+              </a:spcBef>
+              <a:spcAft>
+                <a:spcPts val="0"/>
+              </a:spcAft>
+              <a:buNone/>
+            </a:pPr>
+            <a:r>
+              <a:rPr lang="en" sz="2400">
+                <a:solidFill>
+                  <a:schemeClr val="dk1"/>
+                </a:solidFill>
+                <a:latin typeface="Times New Roman"/>
+                <a:ea typeface="Times New Roman"/>
+                <a:cs typeface="Times New Roman"/>
+                <a:sym typeface="Times New Roman"/>
+              </a:rPr>
+              <a:t>To access properties, use </a:t>
+            </a:r>
+            <a:r>
+              <a:rPr lang="en" sz="2400">
+                <a:solidFill>
+                  <a:srgbClr val="FF0000"/>
+                </a:solidFill>
+                <a:latin typeface="Times New Roman"/>
+                <a:ea typeface="Times New Roman"/>
+                <a:cs typeface="Times New Roman"/>
+                <a:sym typeface="Times New Roman"/>
+              </a:rPr>
+              <a:t>dot notation </a:t>
+            </a:r>
+            <a:r>
+              <a:rPr lang="en" sz="2400">
+                <a:solidFill>
+                  <a:schemeClr val="dk1"/>
+                </a:solidFill>
+                <a:latin typeface="Times New Roman"/>
+                <a:ea typeface="Times New Roman"/>
+                <a:cs typeface="Times New Roman"/>
+                <a:sym typeface="Times New Roman"/>
+              </a:rPr>
+              <a:t>or </a:t>
+            </a:r>
+            <a:r>
+              <a:rPr lang="en" sz="2400">
+                <a:solidFill>
+                  <a:srgbClr val="FF0000"/>
+                </a:solidFill>
+                <a:latin typeface="Times New Roman"/>
+                <a:ea typeface="Times New Roman"/>
+                <a:cs typeface="Times New Roman"/>
+                <a:sym typeface="Times New Roman"/>
+              </a:rPr>
+              <a:t>square brackets</a:t>
+            </a:r>
+            <a:r>
+              <a:rPr lang="en" sz="2400">
+                <a:solidFill>
+                  <a:schemeClr val="dk1"/>
+                </a:solidFill>
+                <a:latin typeface="Times New Roman"/>
+                <a:ea typeface="Times New Roman"/>
+                <a:cs typeface="Times New Roman"/>
+                <a:sym typeface="Times New Roman"/>
+              </a:rPr>
+              <a:t>:</a:t>
+            </a:r>
+            <a:endParaRPr sz="2400">
+              <a:solidFill>
+                <a:schemeClr val="dk1"/>
+              </a:solidFill>
+              <a:latin typeface="Times New Roman"/>
+              <a:ea typeface="Times New Roman"/>
+              <a:cs typeface="Times New Roman"/>
+              <a:sym typeface="Times New Roman"/>
+            </a:endParaRPr>
+          </a:p>
+          <a:p>
+            <a:pPr indent="0" lvl="0" marL="0" rtl="0" algn="l">
+              <a:lnSpc>
+                <a:spcPct val="150000"/>
+              </a:lnSpc>
+              <a:spcBef>
+                <a:spcPts val="0"/>
+              </a:spcBef>
+              <a:spcAft>
+                <a:spcPts val="0"/>
+              </a:spcAft>
+              <a:buNone/>
+            </a:pPr>
+            <a:r>
+              <a:rPr lang="en" sz="2400">
+                <a:solidFill>
+                  <a:schemeClr val="dk1"/>
+                </a:solidFill>
+                <a:latin typeface="Courier New"/>
+                <a:ea typeface="Courier New"/>
+                <a:cs typeface="Courier New"/>
+                <a:sym typeface="Courier New"/>
+              </a:rPr>
+              <a:t>	</a:t>
+            </a:r>
+            <a:endParaRPr sz="2400">
+              <a:solidFill>
+                <a:schemeClr val="dk1"/>
+              </a:solidFill>
+              <a:latin typeface="Courier New"/>
+              <a:ea typeface="Courier New"/>
+              <a:cs typeface="Courier New"/>
+              <a:sym typeface="Courier New"/>
+            </a:endParaRPr>
+          </a:p>
+          <a:p>
+            <a:pPr indent="0" lvl="0" marL="0" rtl="0" algn="ctr">
+              <a:lnSpc>
+                <a:spcPct val="150000"/>
+              </a:lnSpc>
+              <a:spcBef>
+                <a:spcPts val="0"/>
+              </a:spcBef>
+              <a:spcAft>
+                <a:spcPts val="0"/>
+              </a:spcAft>
+              <a:buNone/>
+            </a:pPr>
+            <a:r>
+              <a:rPr lang="en" sz="2800">
+                <a:solidFill>
+                  <a:schemeClr val="dk1"/>
+                </a:solidFill>
+                <a:latin typeface="Courier New"/>
+                <a:ea typeface="Courier New"/>
+                <a:cs typeface="Courier New"/>
+                <a:sym typeface="Courier New"/>
+              </a:rPr>
+              <a:t>let x = car.name;</a:t>
+            </a:r>
+            <a:endParaRPr sz="2800">
+              <a:solidFill>
+                <a:schemeClr val="dk1"/>
+              </a:solidFill>
+              <a:latin typeface="Courier New"/>
+              <a:ea typeface="Courier New"/>
+              <a:cs typeface="Courier New"/>
+              <a:sym typeface="Courier New"/>
+            </a:endParaRPr>
+          </a:p>
+          <a:p>
+            <a:pPr indent="0" lvl="0" marL="0" rtl="0" algn="ctr">
+              <a:lnSpc>
+                <a:spcPct val="150000"/>
+              </a:lnSpc>
+              <a:spcBef>
+                <a:spcPts val="0"/>
+              </a:spcBef>
+              <a:spcAft>
+                <a:spcPts val="0"/>
+              </a:spcAft>
+              <a:buNone/>
+            </a:pPr>
+            <a:r>
+              <a:rPr lang="en" sz="2800">
+                <a:solidFill>
+                  <a:schemeClr val="dk1"/>
+                </a:solidFill>
+                <a:latin typeface="Courier New"/>
+                <a:ea typeface="Courier New"/>
+                <a:cs typeface="Courier New"/>
+                <a:sym typeface="Courier New"/>
+              </a:rPr>
+              <a:t>car["color"] = "black";</a:t>
+            </a:r>
+            <a:endParaRPr sz="2600">
+              <a:solidFill>
+                <a:schemeClr val="dk1"/>
+              </a:solidFill>
+              <a:latin typeface="Courier New"/>
+              <a:ea typeface="Courier New"/>
+              <a:cs typeface="Courier New"/>
+              <a:sym typeface="Courier New"/>
+            </a:endParaRPr>
+          </a:p>
+        </p:txBody>
+      </p:sp>
+      <p:sp>
+        <p:nvSpPr>
+          <p:cNvPr id="218" name="Google Shape;218;p36"/>
+          <p:cNvSpPr txBox="1"/>
+          <p:nvPr>
+            <p:ph type="title"/>
+          </p:nvPr>
+        </p:nvSpPr>
+        <p:spPr>
+          <a:xfrm>
+            <a:off x="0" y="0"/>
+            <a:ext cx="9144000" cy="572700"/>
+          </a:xfrm>
+          <a:prstGeom prst="rect">
+            <a:avLst/>
+          </a:prstGeom>
+        </p:spPr>
+        <p:txBody>
+          <a:bodyPr anchorCtr="0" anchor="t" bIns="91425" lIns="91425" spcFirstLastPara="1" rIns="91425" wrap="square" tIns="91425">
+            <a:noAutofit/>
+          </a:bodyPr>
+          <a:lstStyle/>
+          <a:p>
+            <a:pPr indent="0" lvl="0" marL="0" rtl="0" algn="l">
+              <a:spcBef>
+                <a:spcPts val="0"/>
+              </a:spcBef>
+              <a:spcAft>
+                <a:spcPts val="0"/>
+              </a:spcAft>
+              <a:buSzPts val="990"/>
+              <a:buNone/>
+            </a:pPr>
+            <a:r>
+              <a:rPr b="1" lang="en" sz="3020">
+                <a:latin typeface="Times New Roman"/>
+                <a:ea typeface="Times New Roman"/>
+                <a:cs typeface="Times New Roman"/>
+                <a:sym typeface="Times New Roman"/>
+              </a:rPr>
+              <a:t>Objects</a:t>
+            </a:r>
+            <a:endParaRPr b="1" sz="3020">
+              <a:latin typeface="Times New Roman"/>
+              <a:ea typeface="Times New Roman"/>
+              <a:cs typeface="Times New Roman"/>
+              <a:sym typeface="Times New Roman"/>
+            </a:endParaRPr>
+          </a:p>
+        </p:txBody>
+      </p:sp>
+      <p:sp>
+        <p:nvSpPr>
+          <p:cNvPr id="219" name="Google Shape;219;p36"/>
+          <p:cNvSpPr/>
+          <p:nvPr/>
+        </p:nvSpPr>
+        <p:spPr>
+          <a:xfrm>
+            <a:off x="0" y="4676700"/>
+            <a:ext cx="9144000" cy="466800"/>
+          </a:xfrm>
+          <a:prstGeom prst="rect">
+            <a:avLst/>
+          </a:prstGeom>
+          <a:noFill/>
+          <a:ln>
+            <a:noFill/>
+          </a:ln>
+        </p:spPr>
+        <p:txBody>
+          <a:bodyPr anchorCtr="0" anchor="ctr" bIns="91425" lIns="91425" spcFirstLastPara="1" rIns="91425" wrap="square" tIns="91425">
+            <a:noAutofit/>
+          </a:bodyPr>
+          <a:lstStyle/>
+          <a:p>
+            <a:pPr indent="0" lvl="0" marL="0" rtl="0" algn="ctr">
+              <a:spcBef>
+                <a:spcPts val="0"/>
+              </a:spcBef>
+              <a:spcAft>
+                <a:spcPts val="0"/>
+              </a:spcAft>
+              <a:buNone/>
+            </a:pPr>
+            <a:r>
+              <a:rPr b="1" lang="en">
+                <a:solidFill>
+                  <a:schemeClr val="dk1"/>
+                </a:solidFill>
+                <a:latin typeface="Times New Roman"/>
+                <a:ea typeface="Times New Roman"/>
+                <a:cs typeface="Times New Roman"/>
+                <a:sym typeface="Times New Roman"/>
+              </a:rPr>
+              <a:t>https://www.w3schools.com/js/js_objects.asp</a:t>
+            </a:r>
+            <a:endParaRPr b="1">
+              <a:solidFill>
+                <a:schemeClr val="dk1"/>
+              </a:solidFill>
+              <a:latin typeface="Times New Roman"/>
+              <a:ea typeface="Times New Roman"/>
+              <a:cs typeface="Times New Roman"/>
+              <a:sym typeface="Times New Roman"/>
+            </a:endParaRPr>
+          </a:p>
+        </p:txBody>
+      </p:sp>
+      <p:sp>
+        <p:nvSpPr>
+          <p:cNvPr id="220" name="Google Shape;220;p36"/>
+          <p:cNvSpPr/>
+          <p:nvPr/>
+        </p:nvSpPr>
+        <p:spPr>
+          <a:xfrm>
+            <a:off x="0" y="4209900"/>
+            <a:ext cx="9144000" cy="466800"/>
+          </a:xfrm>
+          <a:prstGeom prst="rect">
+            <a:avLst/>
+          </a:prstGeom>
+          <a:noFill/>
+          <a:ln>
+            <a:noFill/>
+          </a:ln>
+        </p:spPr>
+        <p:txBody>
+          <a:bodyPr anchorCtr="0" anchor="ctr" bIns="91425" lIns="91425" spcFirstLastPara="1" rIns="91425" wrap="square" tIns="91425">
+            <a:noAutofit/>
+          </a:bodyPr>
+          <a:lstStyle/>
+          <a:p>
+            <a:pPr indent="0" lvl="0" marL="0" rtl="0" algn="ctr">
+              <a:spcBef>
+                <a:spcPts val="0"/>
+              </a:spcBef>
+              <a:spcAft>
+                <a:spcPts val="0"/>
+              </a:spcAft>
+              <a:buNone/>
+            </a:pPr>
+            <a:r>
+              <a:rPr b="1" lang="en">
+                <a:solidFill>
+                  <a:schemeClr val="dk1"/>
+                </a:solidFill>
+                <a:latin typeface="Times New Roman"/>
+                <a:ea typeface="Times New Roman"/>
+                <a:cs typeface="Times New Roman"/>
+                <a:sym typeface="Times New Roman"/>
+              </a:rPr>
+              <a:t>example-10.html</a:t>
+            </a:r>
+            <a:endParaRPr b="1">
+              <a:solidFill>
+                <a:schemeClr val="dk1"/>
+              </a:solidFill>
+              <a:latin typeface="Times New Roman"/>
+              <a:ea typeface="Times New Roman"/>
+              <a:cs typeface="Times New Roman"/>
+              <a:sym typeface="Times New Roman"/>
+            </a:endParaRPr>
+          </a:p>
+        </p:txBody>
+      </p:sp>
+    </p:spTree>
+  </p:cSld>
+  <p:clrMapOvr>
+    <a:masterClrMapping/>
+  </p:clrMapOvr>
+</p:sld>
+</file>
+
+<file path=ppt/slides/slide24.xml><?xml version="1.0" encoding="utf-8"?>
+<p:sld xmlns:a="http://schemas.openxmlformats.org/drawingml/2006/main" xmlns:r="http://schemas.openxmlformats.org/officeDocument/2006/relationships" xmlns:mc="http://schemas.openxmlformats.org/markup-compatibility/2006" xmlns:mv="urn:schemas-microsoft-com:mac:vml" xmlns:p="http://schemas.openxmlformats.org/presentationml/2006/main" xmlns:c="http://schemas.openxmlformats.org/drawingml/2006/chart" xmlns:dgm="http://schemas.openxmlformats.org/drawingml/2006/diagram" xmlns:o="urn:schemas-microsoft-com:office:office" xmlns:v="urn:schemas-microsoft-com:vml" xmlns:pvml="urn:schemas-microsoft-com:office:powerpoint" xmlns:com="http://schemas.openxmlformats.org/drawingml/2006/compatibility" xmlns:p14="http://schemas.microsoft.com/office/powerpoint/2010/main" xmlns:p15="http://schemas.microsoft.com/office/powerpoint/2012/main" xmlns:ahyp="http://schemas.microsoft.com/office/drawing/2018/hyperlinkcolor">
+  <p:cSld>
+    <p:spTree>
+      <p:nvGrpSpPr>
+        <p:cNvPr id="224" name="Shape 224"/>
+        <p:cNvGrpSpPr/>
+        <p:nvPr/>
+      </p:nvGrpSpPr>
+      <p:grpSpPr>
+        <a:xfrm>
+          <a:off x="0" y="0"/>
+          <a:ext cx="0" cy="0"/>
+          <a:chOff x="0" y="0"/>
+          <a:chExt cx="0" cy="0"/>
+        </a:xfrm>
+      </p:grpSpPr>
+      <p:sp>
+        <p:nvSpPr>
+          <p:cNvPr id="225" name="Google Shape;225;p37"/>
+          <p:cNvSpPr txBox="1"/>
+          <p:nvPr>
+            <p:ph idx="1" type="body"/>
+          </p:nvPr>
+        </p:nvSpPr>
+        <p:spPr>
+          <a:xfrm>
+            <a:off x="0" y="572700"/>
+            <a:ext cx="9144000" cy="4570800"/>
+          </a:xfrm>
+          <a:prstGeom prst="rect">
+            <a:avLst/>
+          </a:prstGeom>
+        </p:spPr>
+        <p:txBody>
+          <a:bodyPr anchorCtr="0" anchor="t" bIns="91425" lIns="91425" spcFirstLastPara="1" rIns="91425" wrap="square" tIns="91425">
+            <a:noAutofit/>
+          </a:bodyPr>
+          <a:lstStyle/>
+          <a:p>
+            <a:pPr indent="-342900" lvl="2" marL="342900" rtl="0" algn="l">
+              <a:lnSpc>
+                <a:spcPct val="150000"/>
+              </a:lnSpc>
+              <a:spcBef>
+                <a:spcPts val="0"/>
+              </a:spcBef>
+              <a:spcAft>
+                <a:spcPts val="0"/>
+              </a:spcAft>
+              <a:buClr>
+                <a:schemeClr val="dk1"/>
+              </a:buClr>
+              <a:buSzPts val="2400"/>
+              <a:buFont typeface="Times New Roman"/>
+              <a:buChar char="•"/>
+            </a:pPr>
+            <a:r>
+              <a:rPr lang="en" sz="2400">
+                <a:solidFill>
+                  <a:schemeClr val="dk1"/>
+                </a:solidFill>
+                <a:latin typeface="Times New Roman"/>
+                <a:ea typeface="Times New Roman"/>
+                <a:cs typeface="Times New Roman"/>
+                <a:sym typeface="Times New Roman"/>
+              </a:rPr>
+              <a:t>There are several ways to </a:t>
+            </a:r>
+            <a:r>
+              <a:rPr lang="en" sz="2400">
+                <a:solidFill>
+                  <a:srgbClr val="FF0000"/>
+                </a:solidFill>
+                <a:latin typeface="Times New Roman"/>
+                <a:ea typeface="Times New Roman"/>
+                <a:cs typeface="Times New Roman"/>
+                <a:sym typeface="Times New Roman"/>
+              </a:rPr>
+              <a:t>output</a:t>
+            </a:r>
+            <a:r>
+              <a:rPr lang="en" sz="2400">
+                <a:solidFill>
+                  <a:schemeClr val="dk1"/>
+                </a:solidFill>
+                <a:latin typeface="Times New Roman"/>
+                <a:ea typeface="Times New Roman"/>
+                <a:cs typeface="Times New Roman"/>
+                <a:sym typeface="Times New Roman"/>
+              </a:rPr>
+              <a:t> data and info</a:t>
+            </a:r>
+            <a:endParaRPr sz="2400">
+              <a:solidFill>
+                <a:schemeClr val="dk1"/>
+              </a:solidFill>
+              <a:latin typeface="Times New Roman"/>
+              <a:ea typeface="Times New Roman"/>
+              <a:cs typeface="Times New Roman"/>
+              <a:sym typeface="Times New Roman"/>
+            </a:endParaRPr>
+          </a:p>
+          <a:p>
+            <a:pPr indent="-342900" lvl="2" marL="342900" rtl="0" algn="l">
+              <a:lnSpc>
+                <a:spcPct val="150000"/>
+              </a:lnSpc>
+              <a:spcBef>
+                <a:spcPts val="0"/>
+              </a:spcBef>
+              <a:spcAft>
+                <a:spcPts val="0"/>
+              </a:spcAft>
+              <a:buClr>
+                <a:schemeClr val="dk1"/>
+              </a:buClr>
+              <a:buSzPts val="2400"/>
+              <a:buChar char="•"/>
+            </a:pPr>
+            <a:r>
+              <a:rPr lang="en" sz="2400">
+                <a:solidFill>
+                  <a:srgbClr val="FF0000"/>
+                </a:solidFill>
+                <a:latin typeface="Times New Roman"/>
+                <a:ea typeface="Times New Roman"/>
+                <a:cs typeface="Times New Roman"/>
+                <a:sym typeface="Times New Roman"/>
+              </a:rPr>
+              <a:t>Variables</a:t>
+            </a:r>
+            <a:r>
+              <a:rPr lang="en" sz="2400">
+                <a:solidFill>
+                  <a:schemeClr val="dk1"/>
+                </a:solidFill>
+                <a:latin typeface="Times New Roman"/>
+                <a:ea typeface="Times New Roman"/>
+                <a:cs typeface="Times New Roman"/>
+                <a:sym typeface="Times New Roman"/>
+              </a:rPr>
+              <a:t> are used to </a:t>
+            </a:r>
+            <a:r>
+              <a:rPr b="1" lang="en" sz="2400" u="sng">
+                <a:solidFill>
+                  <a:schemeClr val="dk1"/>
+                </a:solidFill>
+                <a:latin typeface="Times New Roman"/>
+                <a:ea typeface="Times New Roman"/>
+                <a:cs typeface="Times New Roman"/>
+                <a:sym typeface="Times New Roman"/>
+              </a:rPr>
+              <a:t>store</a:t>
+            </a:r>
+            <a:r>
+              <a:rPr b="1" lang="en" sz="2400">
+                <a:solidFill>
+                  <a:schemeClr val="dk1"/>
+                </a:solidFill>
+                <a:latin typeface="Times New Roman"/>
+                <a:ea typeface="Times New Roman"/>
+                <a:cs typeface="Times New Roman"/>
+                <a:sym typeface="Times New Roman"/>
+              </a:rPr>
+              <a:t> </a:t>
+            </a:r>
+            <a:r>
+              <a:rPr lang="en" sz="2400">
+                <a:solidFill>
+                  <a:schemeClr val="dk1"/>
+                </a:solidFill>
+                <a:latin typeface="Times New Roman"/>
+                <a:ea typeface="Times New Roman"/>
+                <a:cs typeface="Times New Roman"/>
+                <a:sym typeface="Times New Roman"/>
+              </a:rPr>
+              <a:t>values in program</a:t>
+            </a:r>
+            <a:endParaRPr sz="2400">
+              <a:solidFill>
+                <a:schemeClr val="dk1"/>
+              </a:solidFill>
+              <a:latin typeface="Times New Roman"/>
+              <a:ea typeface="Times New Roman"/>
+              <a:cs typeface="Times New Roman"/>
+              <a:sym typeface="Times New Roman"/>
+            </a:endParaRPr>
+          </a:p>
+          <a:p>
+            <a:pPr indent="-342900" lvl="2" marL="342900" rtl="0" algn="l">
+              <a:lnSpc>
+                <a:spcPct val="150000"/>
+              </a:lnSpc>
+              <a:spcBef>
+                <a:spcPts val="0"/>
+              </a:spcBef>
+              <a:spcAft>
+                <a:spcPts val="0"/>
+              </a:spcAft>
+              <a:buClr>
+                <a:schemeClr val="dk1"/>
+              </a:buClr>
+              <a:buSzPts val="2400"/>
+              <a:buChar char="•"/>
+            </a:pPr>
+            <a:r>
+              <a:rPr lang="en" sz="2400">
+                <a:solidFill>
+                  <a:schemeClr val="dk1"/>
+                </a:solidFill>
+                <a:latin typeface="Times New Roman"/>
+                <a:ea typeface="Times New Roman"/>
+                <a:cs typeface="Times New Roman"/>
+                <a:sym typeface="Times New Roman"/>
+              </a:rPr>
+              <a:t>There are six </a:t>
+            </a:r>
+            <a:r>
+              <a:rPr b="1" lang="en" sz="2400" u="sng">
+                <a:solidFill>
+                  <a:schemeClr val="dk1"/>
+                </a:solidFill>
+                <a:latin typeface="Times New Roman"/>
+                <a:ea typeface="Times New Roman"/>
+                <a:cs typeface="Times New Roman"/>
+                <a:sym typeface="Times New Roman"/>
+              </a:rPr>
+              <a:t>primitive</a:t>
+            </a:r>
+            <a:r>
+              <a:rPr b="1" lang="en" sz="2400">
+                <a:solidFill>
+                  <a:schemeClr val="dk1"/>
+                </a:solidFill>
+                <a:latin typeface="Times New Roman"/>
+                <a:ea typeface="Times New Roman"/>
+                <a:cs typeface="Times New Roman"/>
+                <a:sym typeface="Times New Roman"/>
+              </a:rPr>
+              <a:t> </a:t>
+            </a:r>
+            <a:r>
+              <a:rPr lang="en" sz="2400">
+                <a:solidFill>
+                  <a:schemeClr val="dk1"/>
+                </a:solidFill>
+                <a:latin typeface="Times New Roman"/>
+                <a:ea typeface="Times New Roman"/>
+                <a:cs typeface="Times New Roman"/>
+                <a:sym typeface="Times New Roman"/>
+              </a:rPr>
+              <a:t>data types</a:t>
+            </a:r>
+            <a:endParaRPr sz="2400">
+              <a:solidFill>
+                <a:schemeClr val="dk1"/>
+              </a:solidFill>
+              <a:latin typeface="Times New Roman"/>
+              <a:ea typeface="Times New Roman"/>
+              <a:cs typeface="Times New Roman"/>
+              <a:sym typeface="Times New Roman"/>
+            </a:endParaRPr>
+          </a:p>
+          <a:p>
+            <a:pPr indent="-342900" lvl="2" marL="342900" rtl="0" algn="l">
+              <a:lnSpc>
+                <a:spcPct val="150000"/>
+              </a:lnSpc>
+              <a:spcBef>
+                <a:spcPts val="0"/>
+              </a:spcBef>
+              <a:spcAft>
+                <a:spcPts val="0"/>
+              </a:spcAft>
+              <a:buClr>
+                <a:schemeClr val="dk1"/>
+              </a:buClr>
+              <a:buSzPts val="2400"/>
+              <a:buChar char="•"/>
+            </a:pPr>
+            <a:r>
+              <a:rPr lang="en" sz="2400">
+                <a:solidFill>
+                  <a:srgbClr val="FF0000"/>
+                </a:solidFill>
+                <a:latin typeface="Times New Roman"/>
+                <a:ea typeface="Times New Roman"/>
+                <a:cs typeface="Times New Roman"/>
+                <a:sym typeface="Times New Roman"/>
+              </a:rPr>
+              <a:t>Operators</a:t>
+            </a:r>
+            <a:r>
+              <a:rPr lang="en" sz="2400">
+                <a:solidFill>
+                  <a:schemeClr val="dk1"/>
+                </a:solidFill>
+                <a:latin typeface="Times New Roman"/>
+                <a:ea typeface="Times New Roman"/>
+                <a:cs typeface="Times New Roman"/>
+                <a:sym typeface="Times New Roman"/>
+              </a:rPr>
+              <a:t> can be used to </a:t>
+            </a:r>
+            <a:r>
+              <a:rPr b="1" lang="en" sz="2400" u="sng">
+                <a:solidFill>
+                  <a:schemeClr val="dk1"/>
+                </a:solidFill>
+                <a:latin typeface="Times New Roman"/>
+                <a:ea typeface="Times New Roman"/>
+                <a:cs typeface="Times New Roman"/>
+                <a:sym typeface="Times New Roman"/>
+              </a:rPr>
+              <a:t>manipulate</a:t>
+            </a:r>
+            <a:r>
+              <a:rPr b="1" lang="en" sz="2400">
+                <a:solidFill>
+                  <a:schemeClr val="dk1"/>
+                </a:solidFill>
+                <a:latin typeface="Times New Roman"/>
+                <a:ea typeface="Times New Roman"/>
+                <a:cs typeface="Times New Roman"/>
+                <a:sym typeface="Times New Roman"/>
+              </a:rPr>
+              <a:t> </a:t>
+            </a:r>
+            <a:r>
+              <a:rPr lang="en" sz="2400">
+                <a:solidFill>
+                  <a:schemeClr val="dk1"/>
+                </a:solidFill>
+                <a:latin typeface="Times New Roman"/>
+                <a:ea typeface="Times New Roman"/>
+                <a:cs typeface="Times New Roman"/>
+                <a:sym typeface="Times New Roman"/>
+              </a:rPr>
+              <a:t>data</a:t>
+            </a:r>
+            <a:endParaRPr sz="2400">
+              <a:solidFill>
+                <a:schemeClr val="dk1"/>
+              </a:solidFill>
+              <a:latin typeface="Times New Roman"/>
+              <a:ea typeface="Times New Roman"/>
+              <a:cs typeface="Times New Roman"/>
+              <a:sym typeface="Times New Roman"/>
+            </a:endParaRPr>
+          </a:p>
+          <a:p>
+            <a:pPr indent="-342900" lvl="2" marL="342900" rtl="0" algn="l">
+              <a:lnSpc>
+                <a:spcPct val="150000"/>
+              </a:lnSpc>
+              <a:spcBef>
+                <a:spcPts val="0"/>
+              </a:spcBef>
+              <a:spcAft>
+                <a:spcPts val="0"/>
+              </a:spcAft>
+              <a:buClr>
+                <a:schemeClr val="dk1"/>
+              </a:buClr>
+              <a:buSzPts val="2400"/>
+              <a:buChar char="•"/>
+            </a:pPr>
+            <a:r>
+              <a:rPr lang="en" sz="2400">
+                <a:solidFill>
+                  <a:srgbClr val="FF0000"/>
+                </a:solidFill>
+                <a:latin typeface="Times New Roman"/>
+                <a:ea typeface="Times New Roman"/>
+                <a:cs typeface="Times New Roman"/>
+                <a:sym typeface="Times New Roman"/>
+              </a:rPr>
+              <a:t>Arrays</a:t>
+            </a:r>
+            <a:r>
+              <a:rPr lang="en" sz="2400">
+                <a:solidFill>
+                  <a:schemeClr val="dk1"/>
+                </a:solidFill>
+                <a:latin typeface="Times New Roman"/>
+                <a:ea typeface="Times New Roman"/>
+                <a:cs typeface="Times New Roman"/>
+                <a:sym typeface="Times New Roman"/>
+              </a:rPr>
+              <a:t> can store </a:t>
+            </a:r>
+            <a:r>
+              <a:rPr b="1" lang="en" sz="2400" u="sng">
+                <a:solidFill>
+                  <a:schemeClr val="dk1"/>
+                </a:solidFill>
+                <a:latin typeface="Times New Roman"/>
+                <a:ea typeface="Times New Roman"/>
+                <a:cs typeface="Times New Roman"/>
+                <a:sym typeface="Times New Roman"/>
+              </a:rPr>
+              <a:t>ordered</a:t>
+            </a:r>
+            <a:r>
+              <a:rPr b="1" lang="en" sz="2400">
+                <a:solidFill>
+                  <a:schemeClr val="dk1"/>
+                </a:solidFill>
+                <a:latin typeface="Times New Roman"/>
+                <a:ea typeface="Times New Roman"/>
+                <a:cs typeface="Times New Roman"/>
+                <a:sym typeface="Times New Roman"/>
+              </a:rPr>
+              <a:t> </a:t>
+            </a:r>
+            <a:r>
+              <a:rPr lang="en" sz="2400">
+                <a:solidFill>
+                  <a:schemeClr val="dk1"/>
+                </a:solidFill>
+                <a:latin typeface="Times New Roman"/>
+                <a:ea typeface="Times New Roman"/>
+                <a:cs typeface="Times New Roman"/>
+                <a:sym typeface="Times New Roman"/>
+              </a:rPr>
+              <a:t>list of values</a:t>
+            </a:r>
+            <a:endParaRPr sz="2400">
+              <a:solidFill>
+                <a:schemeClr val="dk1"/>
+              </a:solidFill>
+              <a:latin typeface="Times New Roman"/>
+              <a:ea typeface="Times New Roman"/>
+              <a:cs typeface="Times New Roman"/>
+              <a:sym typeface="Times New Roman"/>
+            </a:endParaRPr>
+          </a:p>
+          <a:p>
+            <a:pPr indent="-342900" lvl="2" marL="342900" rtl="0" algn="l">
+              <a:lnSpc>
+                <a:spcPct val="150000"/>
+              </a:lnSpc>
+              <a:spcBef>
+                <a:spcPts val="0"/>
+              </a:spcBef>
+              <a:spcAft>
+                <a:spcPts val="0"/>
+              </a:spcAft>
+              <a:buClr>
+                <a:schemeClr val="dk1"/>
+              </a:buClr>
+              <a:buSzPts val="2400"/>
+              <a:buChar char="•"/>
+            </a:pPr>
+            <a:r>
+              <a:rPr lang="en" sz="2400">
+                <a:solidFill>
+                  <a:srgbClr val="FF0000"/>
+                </a:solidFill>
+                <a:latin typeface="Times New Roman"/>
+                <a:ea typeface="Times New Roman"/>
+                <a:cs typeface="Times New Roman"/>
+                <a:sym typeface="Times New Roman"/>
+              </a:rPr>
+              <a:t>Objects</a:t>
+            </a:r>
+            <a:r>
+              <a:rPr lang="en" sz="2400">
+                <a:solidFill>
+                  <a:schemeClr val="dk1"/>
+                </a:solidFill>
+                <a:latin typeface="Times New Roman"/>
+                <a:ea typeface="Times New Roman"/>
+                <a:cs typeface="Times New Roman"/>
+                <a:sym typeface="Times New Roman"/>
+              </a:rPr>
+              <a:t> can store values by their </a:t>
+            </a:r>
+            <a:r>
+              <a:rPr b="1" lang="en" sz="2400" u="sng">
+                <a:solidFill>
+                  <a:schemeClr val="dk1"/>
+                </a:solidFill>
+                <a:latin typeface="Times New Roman"/>
+                <a:ea typeface="Times New Roman"/>
+                <a:cs typeface="Times New Roman"/>
+                <a:sym typeface="Times New Roman"/>
+              </a:rPr>
+              <a:t>keys</a:t>
+            </a:r>
+            <a:endParaRPr sz="2400">
+              <a:solidFill>
+                <a:schemeClr val="dk1"/>
+              </a:solidFill>
+              <a:latin typeface="Times New Roman"/>
+              <a:ea typeface="Times New Roman"/>
+              <a:cs typeface="Times New Roman"/>
+              <a:sym typeface="Times New Roman"/>
+            </a:endParaRPr>
+          </a:p>
+        </p:txBody>
+      </p:sp>
+      <p:sp>
+        <p:nvSpPr>
+          <p:cNvPr id="226" name="Google Shape;226;p37"/>
+          <p:cNvSpPr txBox="1"/>
+          <p:nvPr>
+            <p:ph type="title"/>
+          </p:nvPr>
+        </p:nvSpPr>
+        <p:spPr>
+          <a:xfrm>
+            <a:off x="0" y="0"/>
+            <a:ext cx="9144000" cy="572700"/>
+          </a:xfrm>
+          <a:prstGeom prst="rect">
+            <a:avLst/>
+          </a:prstGeom>
+        </p:spPr>
+        <p:txBody>
+          <a:bodyPr anchorCtr="0" anchor="t" bIns="91425" lIns="91425" spcFirstLastPara="1" rIns="91425" wrap="square" tIns="91425">
+            <a:noAutofit/>
+          </a:bodyPr>
+          <a:lstStyle/>
+          <a:p>
+            <a:pPr indent="0" lvl="0" marL="0" rtl="0" algn="l">
+              <a:spcBef>
+                <a:spcPts val="0"/>
+              </a:spcBef>
+              <a:spcAft>
+                <a:spcPts val="0"/>
+              </a:spcAft>
+              <a:buSzPts val="990"/>
+              <a:buNone/>
+            </a:pPr>
+            <a:r>
+              <a:rPr b="1" lang="en" sz="3020">
+                <a:latin typeface="Times New Roman"/>
+                <a:ea typeface="Times New Roman"/>
+                <a:cs typeface="Times New Roman"/>
+                <a:sym typeface="Times New Roman"/>
+              </a:rPr>
+              <a:t>Summary</a:t>
+            </a:r>
+            <a:endParaRPr b="1" sz="3020">
+              <a:latin typeface="Times New Roman"/>
+              <a:ea typeface="Times New Roman"/>
+              <a:cs typeface="Times New Roman"/>
+              <a:sym typeface="Times New Roman"/>
+            </a:endParaRPr>
+          </a:p>
+        </p:txBody>
+      </p:sp>
+    </p:spTree>
+  </p:cSld>
+  <p:clrMapOvr>
+    <a:masterClrMapping/>
+  </p:clrMapOvr>
+</p:sld>
+</file>
+
+<file path=ppt/slides/slide25.xml><?xml version="1.0" encoding="utf-8"?>
+<p:sld xmlns:a="http://schemas.openxmlformats.org/drawingml/2006/main" xmlns:r="http://schemas.openxmlformats.org/officeDocument/2006/relationships" xmlns:mc="http://schemas.openxmlformats.org/markup-compatibility/2006" xmlns:mv="urn:schemas-microsoft-com:mac:vml" xmlns:p="http://schemas.openxmlformats.org/presentationml/2006/main" xmlns:c="http://schemas.openxmlformats.org/drawingml/2006/chart" xmlns:dgm="http://schemas.openxmlformats.org/drawingml/2006/diagram" xmlns:o="urn:schemas-microsoft-com:office:office" xmlns:v="urn:schemas-microsoft-com:vml" xmlns:pvml="urn:schemas-microsoft-com:office:powerpoint" xmlns:com="http://schemas.openxmlformats.org/drawingml/2006/compatibility" xmlns:p14="http://schemas.microsoft.com/office/powerpoint/2010/main" xmlns:p15="http://schemas.microsoft.com/office/powerpoint/2012/main" xmlns:ahyp="http://schemas.microsoft.com/office/drawing/2018/hyperlinkcolor">
+  <p:cSld>
+    <p:spTree>
+      <p:nvGrpSpPr>
+        <p:cNvPr id="230" name="Shape 230"/>
+        <p:cNvGrpSpPr/>
+        <p:nvPr/>
+      </p:nvGrpSpPr>
+      <p:grpSpPr>
+        <a:xfrm>
+          <a:off x="0" y="0"/>
+          <a:ext cx="0" cy="0"/>
+          <a:chOff x="0" y="0"/>
+          <a:chExt cx="0" cy="0"/>
+        </a:xfrm>
+      </p:grpSpPr>
+      <p:sp>
+        <p:nvSpPr>
+          <p:cNvPr id="231" name="Google Shape;231;p38"/>
           <p:cNvSpPr txBox="1"/>
           <p:nvPr>
             <p:ph idx="1" type="body"/>
